--- a/Module7/7ppt.pptx
+++ b/Module7/7ppt.pptx
@@ -7,19 +7,23 @@
   <p:sldIdLst>
     <p:sldId id="256" r:id="rId2"/>
     <p:sldId id="270" r:id="rId3"/>
-    <p:sldId id="257" r:id="rId4"/>
-    <p:sldId id="267" r:id="rId5"/>
-    <p:sldId id="258" r:id="rId6"/>
-    <p:sldId id="259" r:id="rId7"/>
-    <p:sldId id="260" r:id="rId8"/>
-    <p:sldId id="261" r:id="rId9"/>
-    <p:sldId id="262" r:id="rId10"/>
-    <p:sldId id="263" r:id="rId11"/>
-    <p:sldId id="264" r:id="rId12"/>
-    <p:sldId id="265" r:id="rId13"/>
-    <p:sldId id="266" r:id="rId14"/>
-    <p:sldId id="268" r:id="rId15"/>
-    <p:sldId id="269" r:id="rId16"/>
+    <p:sldId id="271" r:id="rId4"/>
+    <p:sldId id="272" r:id="rId5"/>
+    <p:sldId id="273" r:id="rId6"/>
+    <p:sldId id="275" r:id="rId7"/>
+    <p:sldId id="257" r:id="rId8"/>
+    <p:sldId id="274" r:id="rId9"/>
+    <p:sldId id="258" r:id="rId10"/>
+    <p:sldId id="259" r:id="rId11"/>
+    <p:sldId id="260" r:id="rId12"/>
+    <p:sldId id="261" r:id="rId13"/>
+    <p:sldId id="262" r:id="rId14"/>
+    <p:sldId id="263" r:id="rId15"/>
+    <p:sldId id="264" r:id="rId16"/>
+    <p:sldId id="265" r:id="rId17"/>
+    <p:sldId id="266" r:id="rId18"/>
+    <p:sldId id="268" r:id="rId19"/>
+    <p:sldId id="269" r:id="rId20"/>
   </p:sldIdLst>
   <p:sldSz cx="12192000" cy="6858000"/>
   <p:notesSz cx="6858000" cy="9144000"/>
@@ -257,7 +261,7 @@
           <a:p>
             <a:fld id="{B91EF97D-1F30-4156-A168-DAEF7BA4869F}" type="datetimeFigureOut">
               <a:rPr lang="en-US" smtClean="0"/>
-              <a:t>10/22/2022</a:t>
+              <a:t>10/25/2022</a:t>
             </a:fld>
             <a:endParaRPr lang="en-US"/>
           </a:p>
@@ -427,7 +431,7 @@
           <a:p>
             <a:fld id="{B91EF97D-1F30-4156-A168-DAEF7BA4869F}" type="datetimeFigureOut">
               <a:rPr lang="en-US" smtClean="0"/>
-              <a:t>10/22/2022</a:t>
+              <a:t>10/25/2022</a:t>
             </a:fld>
             <a:endParaRPr lang="en-US"/>
           </a:p>
@@ -607,7 +611,7 @@
           <a:p>
             <a:fld id="{B91EF97D-1F30-4156-A168-DAEF7BA4869F}" type="datetimeFigureOut">
               <a:rPr lang="en-US" smtClean="0"/>
-              <a:t>10/22/2022</a:t>
+              <a:t>10/25/2022</a:t>
             </a:fld>
             <a:endParaRPr lang="en-US"/>
           </a:p>
@@ -777,7 +781,7 @@
           <a:p>
             <a:fld id="{B91EF97D-1F30-4156-A168-DAEF7BA4869F}" type="datetimeFigureOut">
               <a:rPr lang="en-US" smtClean="0"/>
-              <a:t>10/22/2022</a:t>
+              <a:t>10/25/2022</a:t>
             </a:fld>
             <a:endParaRPr lang="en-US"/>
           </a:p>
@@ -1023,7 +1027,7 @@
           <a:p>
             <a:fld id="{B91EF97D-1F30-4156-A168-DAEF7BA4869F}" type="datetimeFigureOut">
               <a:rPr lang="en-US" smtClean="0"/>
-              <a:t>10/22/2022</a:t>
+              <a:t>10/25/2022</a:t>
             </a:fld>
             <a:endParaRPr lang="en-US"/>
           </a:p>
@@ -1255,7 +1259,7 @@
           <a:p>
             <a:fld id="{B91EF97D-1F30-4156-A168-DAEF7BA4869F}" type="datetimeFigureOut">
               <a:rPr lang="en-US" smtClean="0"/>
-              <a:t>10/22/2022</a:t>
+              <a:t>10/25/2022</a:t>
             </a:fld>
             <a:endParaRPr lang="en-US"/>
           </a:p>
@@ -1622,7 +1626,7 @@
           <a:p>
             <a:fld id="{B91EF97D-1F30-4156-A168-DAEF7BA4869F}" type="datetimeFigureOut">
               <a:rPr lang="en-US" smtClean="0"/>
-              <a:t>10/22/2022</a:t>
+              <a:t>10/25/2022</a:t>
             </a:fld>
             <a:endParaRPr lang="en-US"/>
           </a:p>
@@ -1740,7 +1744,7 @@
           <a:p>
             <a:fld id="{B91EF97D-1F30-4156-A168-DAEF7BA4869F}" type="datetimeFigureOut">
               <a:rPr lang="en-US" smtClean="0"/>
-              <a:t>10/22/2022</a:t>
+              <a:t>10/25/2022</a:t>
             </a:fld>
             <a:endParaRPr lang="en-US"/>
           </a:p>
@@ -1835,7 +1839,7 @@
           <a:p>
             <a:fld id="{B91EF97D-1F30-4156-A168-DAEF7BA4869F}" type="datetimeFigureOut">
               <a:rPr lang="en-US" smtClean="0"/>
-              <a:t>10/22/2022</a:t>
+              <a:t>10/25/2022</a:t>
             </a:fld>
             <a:endParaRPr lang="en-US"/>
           </a:p>
@@ -2112,7 +2116,7 @@
           <a:p>
             <a:fld id="{B91EF97D-1F30-4156-A168-DAEF7BA4869F}" type="datetimeFigureOut">
               <a:rPr lang="en-US" smtClean="0"/>
-              <a:t>10/22/2022</a:t>
+              <a:t>10/25/2022</a:t>
             </a:fld>
             <a:endParaRPr lang="en-US"/>
           </a:p>
@@ -2365,7 +2369,7 @@
           <a:p>
             <a:fld id="{B91EF97D-1F30-4156-A168-DAEF7BA4869F}" type="datetimeFigureOut">
               <a:rPr lang="en-US" smtClean="0"/>
-              <a:t>10/22/2022</a:t>
+              <a:t>10/25/2022</a:t>
             </a:fld>
             <a:endParaRPr lang="en-US"/>
           </a:p>
@@ -2578,7 +2582,7 @@
           <a:p>
             <a:fld id="{B91EF97D-1F30-4156-A168-DAEF7BA4869F}" type="datetimeFigureOut">
               <a:rPr lang="en-US" smtClean="0"/>
-              <a:t>10/22/2022</a:t>
+              <a:t>10/25/2022</a:t>
             </a:fld>
             <a:endParaRPr lang="en-US"/>
           </a:p>
@@ -3018,11 +3022,7 @@
             </a:br>
             <a:r>
               <a:rPr lang="en-US" sz="4400" dirty="0" smtClean="0"/>
-              <a:t>Neural </a:t>
-            </a:r>
-            <a:r>
-              <a:rPr lang="en-US" sz="4400" dirty="0" smtClean="0"/>
-              <a:t>Network and Deep Learning</a:t>
+              <a:t>Neural Network and Deep Learning</a:t>
             </a:r>
             <a:endParaRPr lang="en-US" sz="4400" dirty="0"/>
           </a:p>
@@ -3143,1315 +3143,6 @@
           <a:p>
             <a:r>
               <a:rPr lang="en-US" b="1" dirty="0" smtClean="0"/>
-              <a:t>Forward Propagation Calculation</a:t>
-            </a:r>
-            <a:br>
-              <a:rPr lang="en-US" b="1" dirty="0" smtClean="0"/>
-            </a:br>
-            <a:endParaRPr lang="en-US" dirty="0"/>
-          </a:p>
-        </p:txBody>
-      </p:sp>
-      <p:sp>
-        <p:nvSpPr>
-          <p:cNvPr id="3" name="Content Placeholder 2"/>
-          <p:cNvSpPr>
-            <a:spLocks noGrp="1"/>
-          </p:cNvSpPr>
-          <p:nvPr>
-            <p:ph idx="1"/>
-          </p:nvPr>
-        </p:nvSpPr>
-        <p:spPr/>
-        <p:txBody>
-          <a:bodyPr/>
-          <a:lstStyle/>
-          <a:p>
-            <a:r>
-              <a:rPr lang="en-US" dirty="0" smtClean="0"/>
-              <a:t>This </a:t>
-            </a:r>
-            <a:r>
-              <a:rPr lang="en-US" dirty="0"/>
-              <a:t>process of Forward propagation is actually getting the Neural Network output value based on a given input. This algorithm is used to calculate the cost value. What it does is the same mathematical process as the one described in section 2 “Model Representation Mathematics”. Where in the end we get our hypothesis value</a:t>
-            </a:r>
-          </a:p>
-          <a:p>
-            <a:endParaRPr lang="en-US" dirty="0"/>
-          </a:p>
-        </p:txBody>
-      </p:sp>
-    </p:spTree>
-    <p:extLst>
-      <p:ext uri="{BB962C8B-B14F-4D97-AF65-F5344CB8AC3E}">
-        <p14:creationId xmlns:p14="http://schemas.microsoft.com/office/powerpoint/2010/main" val="1999080789"/>
-      </p:ext>
-    </p:extLst>
-  </p:cSld>
-  <p:clrMapOvr>
-    <a:masterClrMapping/>
-  </p:clrMapOvr>
-  <p:timing>
-    <p:tnLst>
-      <p:par>
-        <p:cTn id="1" dur="indefinite" restart="never" nodeType="tmRoot"/>
-      </p:par>
-    </p:tnLst>
-  </p:timing>
-</p:sld>
-</file>
-
-<file path=ppt/slides/slide11.xml><?xml version="1.0" encoding="utf-8"?>
-<p:sld xmlns:a="http://schemas.openxmlformats.org/drawingml/2006/main" xmlns:r="http://schemas.openxmlformats.org/officeDocument/2006/relationships" xmlns:p="http://schemas.openxmlformats.org/presentationml/2006/main">
-  <p:cSld>
-    <p:spTree>
-      <p:nvGrpSpPr>
-        <p:cNvPr id="1" name=""/>
-        <p:cNvGrpSpPr/>
-        <p:nvPr/>
-      </p:nvGrpSpPr>
-      <p:grpSpPr>
-        <a:xfrm>
-          <a:off x="0" y="0"/>
-          <a:ext cx="0" cy="0"/>
-          <a:chOff x="0" y="0"/>
-          <a:chExt cx="0" cy="0"/>
-        </a:xfrm>
-      </p:grpSpPr>
-      <p:sp>
-        <p:nvSpPr>
-          <p:cNvPr id="2" name="Title 1"/>
-          <p:cNvSpPr>
-            <a:spLocks noGrp="1"/>
-          </p:cNvSpPr>
-          <p:nvPr>
-            <p:ph type="title"/>
-          </p:nvPr>
-        </p:nvSpPr>
-        <p:spPr/>
-        <p:txBody>
-          <a:bodyPr/>
-          <a:lstStyle/>
-          <a:p>
-            <a:r>
-              <a:rPr lang="en-US" b="1" dirty="0" smtClean="0"/>
-              <a:t>Backpropagation Algorithm</a:t>
-            </a:r>
-            <a:br>
-              <a:rPr lang="en-US" b="1" dirty="0" smtClean="0"/>
-            </a:br>
-            <a:endParaRPr lang="en-US" dirty="0"/>
-          </a:p>
-        </p:txBody>
-      </p:sp>
-      <p:sp>
-        <p:nvSpPr>
-          <p:cNvPr id="3" name="Content Placeholder 2"/>
-          <p:cNvSpPr>
-            <a:spLocks noGrp="1"/>
-          </p:cNvSpPr>
-          <p:nvPr>
-            <p:ph idx="1"/>
-          </p:nvPr>
-        </p:nvSpPr>
-        <p:spPr/>
-        <p:txBody>
-          <a:bodyPr/>
-          <a:lstStyle/>
-          <a:p>
-            <a:r>
-              <a:rPr lang="en-US" dirty="0" smtClean="0">
-                <a:latin typeface="Times New Roman" panose="02020603050405020304" pitchFamily="18" charset="0"/>
-                <a:cs typeface="Times New Roman" panose="02020603050405020304" pitchFamily="18" charset="0"/>
-              </a:rPr>
-              <a:t>What </a:t>
-            </a:r>
-            <a:r>
-              <a:rPr lang="en-US" dirty="0">
-                <a:latin typeface="Times New Roman" panose="02020603050405020304" pitchFamily="18" charset="0"/>
-                <a:cs typeface="Times New Roman" panose="02020603050405020304" pitchFamily="18" charset="0"/>
-              </a:rPr>
-              <a:t>we want to do is minimize the cost function </a:t>
-            </a:r>
-            <a:r>
-              <a:rPr lang="en-US" b="1" i="1" dirty="0">
-                <a:latin typeface="Times New Roman" panose="02020603050405020304" pitchFamily="18" charset="0"/>
-                <a:cs typeface="Times New Roman" panose="02020603050405020304" pitchFamily="18" charset="0"/>
-              </a:rPr>
-              <a:t>J(θ)</a:t>
-            </a:r>
-            <a:r>
-              <a:rPr lang="en-US" dirty="0">
-                <a:latin typeface="Times New Roman" panose="02020603050405020304" pitchFamily="18" charset="0"/>
-                <a:cs typeface="Times New Roman" panose="02020603050405020304" pitchFamily="18" charset="0"/>
-              </a:rPr>
-              <a:t> using the optimal set of values for </a:t>
-            </a:r>
-            <a:r>
-              <a:rPr lang="en-US" b="1" i="1" dirty="0">
-                <a:latin typeface="Times New Roman" panose="02020603050405020304" pitchFamily="18" charset="0"/>
-                <a:cs typeface="Times New Roman" panose="02020603050405020304" pitchFamily="18" charset="0"/>
-              </a:rPr>
-              <a:t>θ</a:t>
-            </a:r>
-            <a:r>
-              <a:rPr lang="en-US" dirty="0">
-                <a:latin typeface="Times New Roman" panose="02020603050405020304" pitchFamily="18" charset="0"/>
-                <a:cs typeface="Times New Roman" panose="02020603050405020304" pitchFamily="18" charset="0"/>
-              </a:rPr>
-              <a:t> (weights). Backpropagation is a method we use in order to</a:t>
-            </a:r>
-            <a:r>
-              <a:rPr lang="en-US" b="1" dirty="0">
-                <a:latin typeface="Times New Roman" panose="02020603050405020304" pitchFamily="18" charset="0"/>
-                <a:cs typeface="Times New Roman" panose="02020603050405020304" pitchFamily="18" charset="0"/>
-              </a:rPr>
-              <a:t> compute the partial derivative of</a:t>
-            </a:r>
-            <a:r>
-              <a:rPr lang="en-US" b="1" i="1" dirty="0">
-                <a:latin typeface="Times New Roman" panose="02020603050405020304" pitchFamily="18" charset="0"/>
-                <a:cs typeface="Times New Roman" panose="02020603050405020304" pitchFamily="18" charset="0"/>
-              </a:rPr>
-              <a:t> J(θ)</a:t>
-            </a:r>
-            <a:r>
-              <a:rPr lang="en-US" dirty="0">
-                <a:latin typeface="Times New Roman" panose="02020603050405020304" pitchFamily="18" charset="0"/>
-                <a:cs typeface="Times New Roman" panose="02020603050405020304" pitchFamily="18" charset="0"/>
-              </a:rPr>
-              <a:t>.</a:t>
-            </a:r>
-          </a:p>
-          <a:p>
-            <a:r>
-              <a:rPr lang="en-US" dirty="0">
-                <a:latin typeface="Times New Roman" panose="02020603050405020304" pitchFamily="18" charset="0"/>
-                <a:cs typeface="Times New Roman" panose="02020603050405020304" pitchFamily="18" charset="0"/>
-              </a:rPr>
-              <a:t>This partial derivative value is then used in Gradient descent algorithm </a:t>
-            </a:r>
-            <a:r>
-              <a:rPr lang="en-US" dirty="0" smtClean="0">
-                <a:latin typeface="Times New Roman" panose="02020603050405020304" pitchFamily="18" charset="0"/>
-                <a:cs typeface="Times New Roman" panose="02020603050405020304" pitchFamily="18" charset="0"/>
-              </a:rPr>
-              <a:t>for </a:t>
-            </a:r>
-            <a:r>
-              <a:rPr lang="en-US" dirty="0">
-                <a:latin typeface="Times New Roman" panose="02020603050405020304" pitchFamily="18" charset="0"/>
-                <a:cs typeface="Times New Roman" panose="02020603050405020304" pitchFamily="18" charset="0"/>
-              </a:rPr>
-              <a:t>calculating the </a:t>
-            </a:r>
-            <a:r>
-              <a:rPr lang="en-US" b="1" i="1" dirty="0">
-                <a:latin typeface="Times New Roman" panose="02020603050405020304" pitchFamily="18" charset="0"/>
-                <a:cs typeface="Times New Roman" panose="02020603050405020304" pitchFamily="18" charset="0"/>
-              </a:rPr>
-              <a:t>θ</a:t>
-            </a:r>
-            <a:r>
-              <a:rPr lang="en-US" dirty="0">
-                <a:latin typeface="Times New Roman" panose="02020603050405020304" pitchFamily="18" charset="0"/>
-                <a:cs typeface="Times New Roman" panose="02020603050405020304" pitchFamily="18" charset="0"/>
-              </a:rPr>
-              <a:t> values for the Neural Network that minimize the cost function </a:t>
-            </a:r>
-            <a:r>
-              <a:rPr lang="en-US" b="1" i="1" dirty="0">
-                <a:latin typeface="Times New Roman" panose="02020603050405020304" pitchFamily="18" charset="0"/>
-                <a:cs typeface="Times New Roman" panose="02020603050405020304" pitchFamily="18" charset="0"/>
-              </a:rPr>
-              <a:t>J(θ</a:t>
-            </a:r>
-            <a:r>
-              <a:rPr lang="en-US" b="1" i="1" dirty="0" smtClean="0">
-                <a:latin typeface="Times New Roman" panose="02020603050405020304" pitchFamily="18" charset="0"/>
-                <a:cs typeface="Times New Roman" panose="02020603050405020304" pitchFamily="18" charset="0"/>
-              </a:rPr>
-              <a:t>)</a:t>
-            </a:r>
-            <a:endParaRPr lang="en-US" dirty="0" smtClean="0">
-              <a:latin typeface="Times New Roman" panose="02020603050405020304" pitchFamily="18" charset="0"/>
-              <a:cs typeface="Times New Roman" panose="02020603050405020304" pitchFamily="18" charset="0"/>
-            </a:endParaRPr>
-          </a:p>
-          <a:p>
-            <a:endParaRPr lang="en-US" dirty="0">
-              <a:latin typeface="Times New Roman" panose="02020603050405020304" pitchFamily="18" charset="0"/>
-              <a:cs typeface="Times New Roman" panose="02020603050405020304" pitchFamily="18" charset="0"/>
-            </a:endParaRPr>
-          </a:p>
-          <a:p>
-            <a:r>
-              <a:rPr lang="en-US" b="1" dirty="0" smtClean="0">
-                <a:solidFill>
-                  <a:schemeClr val="accent2"/>
-                </a:solidFill>
-                <a:latin typeface="Times New Roman" panose="02020603050405020304" pitchFamily="18" charset="0"/>
-                <a:cs typeface="Times New Roman" panose="02020603050405020304" pitchFamily="18" charset="0"/>
-              </a:rPr>
-              <a:t>Backpropagation is about determining how changing the weights impact the overall cost in the neural network.</a:t>
-            </a:r>
-            <a:endParaRPr lang="en-US" b="1" dirty="0">
-              <a:solidFill>
-                <a:schemeClr val="accent2"/>
-              </a:solidFill>
-              <a:latin typeface="Times New Roman" panose="02020603050405020304" pitchFamily="18" charset="0"/>
-              <a:cs typeface="Times New Roman" panose="02020603050405020304" pitchFamily="18" charset="0"/>
-            </a:endParaRPr>
-          </a:p>
-          <a:p>
-            <a:endParaRPr lang="en-US" dirty="0"/>
-          </a:p>
-        </p:txBody>
-      </p:sp>
-    </p:spTree>
-    <p:extLst>
-      <p:ext uri="{BB962C8B-B14F-4D97-AF65-F5344CB8AC3E}">
-        <p14:creationId xmlns:p14="http://schemas.microsoft.com/office/powerpoint/2010/main" val="2092762971"/>
-      </p:ext>
-    </p:extLst>
-  </p:cSld>
-  <p:clrMapOvr>
-    <a:masterClrMapping/>
-  </p:clrMapOvr>
-  <p:timing>
-    <p:tnLst>
-      <p:par>
-        <p:cTn id="1" dur="indefinite" restart="never" nodeType="tmRoot"/>
-      </p:par>
-    </p:tnLst>
-  </p:timing>
-</p:sld>
-</file>
-
-<file path=ppt/slides/slide12.xml><?xml version="1.0" encoding="utf-8"?>
-<p:sld xmlns:a="http://schemas.openxmlformats.org/drawingml/2006/main" xmlns:r="http://schemas.openxmlformats.org/officeDocument/2006/relationships" xmlns:p="http://schemas.openxmlformats.org/presentationml/2006/main">
-  <p:cSld>
-    <p:spTree>
-      <p:nvGrpSpPr>
-        <p:cNvPr id="1" name=""/>
-        <p:cNvGrpSpPr/>
-        <p:nvPr/>
-      </p:nvGrpSpPr>
-      <p:grpSpPr>
-        <a:xfrm>
-          <a:off x="0" y="0"/>
-          <a:ext cx="0" cy="0"/>
-          <a:chOff x="0" y="0"/>
-          <a:chExt cx="0" cy="0"/>
-        </a:xfrm>
-      </p:grpSpPr>
-      <p:sp>
-        <p:nvSpPr>
-          <p:cNvPr id="2" name="Title 1"/>
-          <p:cNvSpPr>
-            <a:spLocks noGrp="1"/>
-          </p:cNvSpPr>
-          <p:nvPr>
-            <p:ph type="title"/>
-          </p:nvPr>
-        </p:nvSpPr>
-        <p:spPr/>
-        <p:txBody>
-          <a:bodyPr/>
-          <a:lstStyle/>
-          <a:p>
-            <a:endParaRPr lang="en-US"/>
-          </a:p>
-        </p:txBody>
-      </p:sp>
-      <p:sp>
-        <p:nvSpPr>
-          <p:cNvPr id="3" name="Content Placeholder 2"/>
-          <p:cNvSpPr>
-            <a:spLocks noGrp="1"/>
-          </p:cNvSpPr>
-          <p:nvPr>
-            <p:ph idx="1"/>
-          </p:nvPr>
-        </p:nvSpPr>
-        <p:spPr>
-          <a:xfrm>
-            <a:off x="838200" y="1825625"/>
-            <a:ext cx="10928684" cy="4351338"/>
-          </a:xfrm>
-        </p:spPr>
-        <p:txBody>
-          <a:bodyPr/>
-          <a:lstStyle/>
-          <a:p>
-            <a:r>
-              <a:rPr lang="en-US" b="1" dirty="0"/>
-              <a:t>Why derivatives ?</a:t>
-            </a:r>
-          </a:p>
-          <a:p>
-            <a:r>
-              <a:rPr lang="en-US" dirty="0"/>
-              <a:t>The derivative of a function (in our case </a:t>
-            </a:r>
-            <a:r>
-              <a:rPr lang="en-US" b="1" i="1" dirty="0"/>
-              <a:t>J(θ)</a:t>
-            </a:r>
-            <a:r>
-              <a:rPr lang="en-US" dirty="0"/>
-              <a:t>) on each variable (in our case weight </a:t>
-            </a:r>
-            <a:r>
-              <a:rPr lang="en-US" b="1" i="1" dirty="0"/>
-              <a:t>θ</a:t>
-            </a:r>
-            <a:r>
-              <a:rPr lang="en-US" dirty="0"/>
-              <a:t>) tells us the </a:t>
-            </a:r>
-            <a:r>
-              <a:rPr lang="en-US" b="1" dirty="0"/>
-              <a:t>sensitivity of the function with respect to that variable</a:t>
-            </a:r>
-            <a:r>
-              <a:rPr lang="en-US" dirty="0"/>
-              <a:t> or </a:t>
-            </a:r>
-            <a:r>
-              <a:rPr lang="en-US" b="1" dirty="0"/>
-              <a:t>how changing the variable impacts the function value</a:t>
-            </a:r>
-            <a:r>
-              <a:rPr lang="en-US" dirty="0"/>
-              <a:t>.</a:t>
-            </a:r>
-          </a:p>
-          <a:p>
-            <a:r>
-              <a:rPr lang="en-US" dirty="0"/>
-              <a:t>Let’s look at a simple example neural network</a:t>
-            </a:r>
-          </a:p>
-          <a:p>
-            <a:endParaRPr lang="en-US" dirty="0"/>
-          </a:p>
-        </p:txBody>
-      </p:sp>
-      <p:pic>
-        <p:nvPicPr>
-          <p:cNvPr id="5122" name="Picture 2" descr="https://miro.medium.com/max/388/1*xILhQuB9c7cByW6odMaieQ.png"/>
-          <p:cNvPicPr>
-            <a:picLocks noChangeAspect="1" noChangeArrowheads="1"/>
-          </p:cNvPicPr>
-          <p:nvPr/>
-        </p:nvPicPr>
-        <p:blipFill>
-          <a:blip r:embed="rId2">
-            <a:extLst>
-              <a:ext uri="{28A0092B-C50C-407E-A947-70E740481C1C}">
-                <a14:useLocalDpi xmlns:a14="http://schemas.microsoft.com/office/drawing/2010/main" val="0"/>
-              </a:ext>
-            </a:extLst>
-          </a:blip>
-          <a:srcRect/>
-          <a:stretch>
-            <a:fillRect/>
-          </a:stretch>
-        </p:blipFill>
-        <p:spPr bwMode="auto">
-          <a:xfrm>
-            <a:off x="3283786" y="4412915"/>
-            <a:ext cx="3935162" cy="2150141"/>
-          </a:xfrm>
-          <a:prstGeom prst="rect">
-            <a:avLst/>
-          </a:prstGeom>
-          <a:noFill/>
-          <a:extLst>
-            <a:ext uri="{909E8E84-426E-40DD-AFC4-6F175D3DCCD1}">
-              <a14:hiddenFill xmlns:a14="http://schemas.microsoft.com/office/drawing/2010/main">
-                <a:solidFill>
-                  <a:srgbClr val="FFFFFF"/>
-                </a:solidFill>
-              </a14:hiddenFill>
-            </a:ext>
-          </a:extLst>
-        </p:spPr>
-      </p:pic>
-    </p:spTree>
-    <p:extLst>
-      <p:ext uri="{BB962C8B-B14F-4D97-AF65-F5344CB8AC3E}">
-        <p14:creationId xmlns:p14="http://schemas.microsoft.com/office/powerpoint/2010/main" val="1986025618"/>
-      </p:ext>
-    </p:extLst>
-  </p:cSld>
-  <p:clrMapOvr>
-    <a:masterClrMapping/>
-  </p:clrMapOvr>
-  <p:timing>
-    <p:tnLst>
-      <p:par>
-        <p:cTn id="1" dur="indefinite" restart="never" nodeType="tmRoot"/>
-      </p:par>
-    </p:tnLst>
-  </p:timing>
-</p:sld>
-</file>
-
-<file path=ppt/slides/slide13.xml><?xml version="1.0" encoding="utf-8"?>
-<p:sld xmlns:a="http://schemas.openxmlformats.org/drawingml/2006/main" xmlns:r="http://schemas.openxmlformats.org/officeDocument/2006/relationships" xmlns:p="http://schemas.openxmlformats.org/presentationml/2006/main">
-  <p:cSld>
-    <p:spTree>
-      <p:nvGrpSpPr>
-        <p:cNvPr id="1" name=""/>
-        <p:cNvGrpSpPr/>
-        <p:nvPr/>
-      </p:nvGrpSpPr>
-      <p:grpSpPr>
-        <a:xfrm>
-          <a:off x="0" y="0"/>
-          <a:ext cx="0" cy="0"/>
-          <a:chOff x="0" y="0"/>
-          <a:chExt cx="0" cy="0"/>
-        </a:xfrm>
-      </p:grpSpPr>
-      <p:sp>
-        <p:nvSpPr>
-          <p:cNvPr id="2" name="Title 1"/>
-          <p:cNvSpPr>
-            <a:spLocks noGrp="1"/>
-          </p:cNvSpPr>
-          <p:nvPr>
-            <p:ph type="title"/>
-          </p:nvPr>
-        </p:nvSpPr>
-        <p:spPr/>
-        <p:txBody>
-          <a:bodyPr/>
-          <a:lstStyle/>
-          <a:p>
-            <a:endParaRPr lang="en-US"/>
-          </a:p>
-        </p:txBody>
-      </p:sp>
-      <p:sp>
-        <p:nvSpPr>
-          <p:cNvPr id="3" name="Content Placeholder 2"/>
-          <p:cNvSpPr>
-            <a:spLocks noGrp="1"/>
-          </p:cNvSpPr>
-          <p:nvPr>
-            <p:ph idx="1"/>
-          </p:nvPr>
-        </p:nvSpPr>
-        <p:spPr>
-          <a:xfrm>
-            <a:off x="838200" y="1825624"/>
-            <a:ext cx="7126705" cy="4791743"/>
-          </a:xfrm>
-        </p:spPr>
-        <p:txBody>
-          <a:bodyPr>
-            <a:normAutofit fontScale="92500"/>
-          </a:bodyPr>
-          <a:lstStyle/>
-          <a:p>
-            <a:pPr algn="just">
-              <a:lnSpc>
-                <a:spcPct val="110000"/>
-              </a:lnSpc>
-            </a:pPr>
-            <a:r>
-              <a:rPr lang="en-US" dirty="0"/>
-              <a:t>There are two input nodes </a:t>
-            </a:r>
-            <a:r>
-              <a:rPr lang="en-US" i="1" dirty="0"/>
-              <a:t>x</a:t>
-            </a:r>
-            <a:r>
-              <a:rPr lang="en-US" dirty="0"/>
-              <a:t> and </a:t>
-            </a:r>
-            <a:r>
-              <a:rPr lang="en-US" i="1" dirty="0"/>
-              <a:t>y</a:t>
-            </a:r>
-            <a:r>
-              <a:rPr lang="en-US" dirty="0"/>
-              <a:t>. The output function is calculating the product </a:t>
-            </a:r>
-            <a:r>
-              <a:rPr lang="en-US" b="1" i="1" dirty="0"/>
-              <a:t>x</a:t>
-            </a:r>
-            <a:r>
-              <a:rPr lang="en-US" dirty="0"/>
-              <a:t> and </a:t>
-            </a:r>
-            <a:r>
-              <a:rPr lang="en-US" b="1" i="1" dirty="0"/>
-              <a:t>y</a:t>
-            </a:r>
-            <a:r>
-              <a:rPr lang="en-US" dirty="0"/>
-              <a:t>. We can now compute the partial derivatives for both </a:t>
-            </a:r>
-            <a:r>
-              <a:rPr lang="en-US" dirty="0" smtClean="0"/>
-              <a:t>nodes</a:t>
-            </a:r>
-          </a:p>
-          <a:p>
-            <a:pPr algn="just">
-              <a:lnSpc>
-                <a:spcPct val="110000"/>
-              </a:lnSpc>
-            </a:pPr>
-            <a:r>
-              <a:rPr lang="en-US" dirty="0"/>
-              <a:t>The partial derivative with respect to </a:t>
-            </a:r>
-            <a:r>
-              <a:rPr lang="en-US" b="1" i="1" dirty="0"/>
-              <a:t>x</a:t>
-            </a:r>
-            <a:r>
-              <a:rPr lang="en-US" dirty="0"/>
-              <a:t> is saying that if </a:t>
-            </a:r>
-            <a:r>
-              <a:rPr lang="en-US" b="1" i="1" dirty="0"/>
-              <a:t>x</a:t>
-            </a:r>
-            <a:r>
-              <a:rPr lang="en-US" dirty="0"/>
-              <a:t> value increase for some value </a:t>
-            </a:r>
-            <a:r>
-              <a:rPr lang="en-US" b="1" i="1" dirty="0"/>
-              <a:t>ϵ </a:t>
-            </a:r>
-            <a:r>
-              <a:rPr lang="en-US" dirty="0"/>
-              <a:t>then it would increase the function (product </a:t>
-            </a:r>
-            <a:r>
-              <a:rPr lang="en-US" b="1" i="1" dirty="0" err="1"/>
-              <a:t>xy</a:t>
-            </a:r>
-            <a:r>
-              <a:rPr lang="en-US" dirty="0"/>
-              <a:t>) by </a:t>
-            </a:r>
-            <a:r>
-              <a:rPr lang="en-US" b="1" i="1" dirty="0"/>
-              <a:t>7ϵ</a:t>
-            </a:r>
-            <a:r>
-              <a:rPr lang="en-US" dirty="0"/>
-              <a:t> and the partial derivative with respect to </a:t>
-            </a:r>
-            <a:r>
-              <a:rPr lang="en-US" b="1" i="1" dirty="0"/>
-              <a:t>y</a:t>
-            </a:r>
-            <a:r>
-              <a:rPr lang="en-US" dirty="0"/>
-              <a:t> is saying that if </a:t>
-            </a:r>
-            <a:r>
-              <a:rPr lang="en-US" b="1" i="1" dirty="0"/>
-              <a:t>y</a:t>
-            </a:r>
-            <a:r>
-              <a:rPr lang="en-US" dirty="0"/>
-              <a:t> value increase for some value </a:t>
-            </a:r>
-            <a:r>
-              <a:rPr lang="en-US" b="1" i="1" dirty="0"/>
-              <a:t>ϵ</a:t>
-            </a:r>
-            <a:r>
-              <a:rPr lang="en-US" dirty="0"/>
-              <a:t> then it would increase the function by </a:t>
-            </a:r>
-            <a:r>
-              <a:rPr lang="en-US" b="1" i="1" dirty="0"/>
-              <a:t>3ϵ</a:t>
-            </a:r>
-            <a:r>
-              <a:rPr lang="en-US" dirty="0"/>
-              <a:t>.</a:t>
-            </a:r>
-          </a:p>
-        </p:txBody>
-      </p:sp>
-      <p:pic>
-        <p:nvPicPr>
-          <p:cNvPr id="6146" name="Picture 2" descr="https://miro.medium.com/max/181/1*XIQYcgWQYLbIvgu6Rn-JrA.png"/>
-          <p:cNvPicPr>
-            <a:picLocks noChangeAspect="1" noChangeArrowheads="1"/>
-          </p:cNvPicPr>
-          <p:nvPr/>
-        </p:nvPicPr>
-        <p:blipFill>
-          <a:blip r:embed="rId2">
-            <a:extLst>
-              <a:ext uri="{28A0092B-C50C-407E-A947-70E740481C1C}">
-                <a14:useLocalDpi xmlns:a14="http://schemas.microsoft.com/office/drawing/2010/main" val="0"/>
-              </a:ext>
-            </a:extLst>
-          </a:blip>
-          <a:srcRect/>
-          <a:stretch>
-            <a:fillRect/>
-          </a:stretch>
-        </p:blipFill>
-        <p:spPr bwMode="auto">
-          <a:xfrm>
-            <a:off x="8284913" y="2788998"/>
-            <a:ext cx="3068887" cy="2424591"/>
-          </a:xfrm>
-          <a:prstGeom prst="rect">
-            <a:avLst/>
-          </a:prstGeom>
-          <a:noFill/>
-          <a:extLst>
-            <a:ext uri="{909E8E84-426E-40DD-AFC4-6F175D3DCCD1}">
-              <a14:hiddenFill xmlns:a14="http://schemas.microsoft.com/office/drawing/2010/main">
-                <a:solidFill>
-                  <a:srgbClr val="FFFFFF"/>
-                </a:solidFill>
-              </a14:hiddenFill>
-            </a:ext>
-          </a:extLst>
-        </p:spPr>
-      </p:pic>
-    </p:spTree>
-    <p:extLst>
-      <p:ext uri="{BB962C8B-B14F-4D97-AF65-F5344CB8AC3E}">
-        <p14:creationId xmlns:p14="http://schemas.microsoft.com/office/powerpoint/2010/main" val="3291957434"/>
-      </p:ext>
-    </p:extLst>
-  </p:cSld>
-  <p:clrMapOvr>
-    <a:masterClrMapping/>
-  </p:clrMapOvr>
-  <p:timing>
-    <p:tnLst>
-      <p:par>
-        <p:cTn id="1" dur="indefinite" restart="never" nodeType="tmRoot"/>
-      </p:par>
-    </p:tnLst>
-  </p:timing>
-</p:sld>
-</file>
-
-<file path=ppt/slides/slide14.xml><?xml version="1.0" encoding="utf-8"?>
-<p:sld xmlns:a="http://schemas.openxmlformats.org/drawingml/2006/main" xmlns:r="http://schemas.openxmlformats.org/officeDocument/2006/relationships" xmlns:p="http://schemas.openxmlformats.org/presentationml/2006/main">
-  <p:cSld>
-    <p:spTree>
-      <p:nvGrpSpPr>
-        <p:cNvPr id="1" name=""/>
-        <p:cNvGrpSpPr/>
-        <p:nvPr/>
-      </p:nvGrpSpPr>
-      <p:grpSpPr>
-        <a:xfrm>
-          <a:off x="0" y="0"/>
-          <a:ext cx="0" cy="0"/>
-          <a:chOff x="0" y="0"/>
-          <a:chExt cx="0" cy="0"/>
-        </a:xfrm>
-      </p:grpSpPr>
-      <p:sp>
-        <p:nvSpPr>
-          <p:cNvPr id="2" name="Title 1"/>
-          <p:cNvSpPr>
-            <a:spLocks noGrp="1"/>
-          </p:cNvSpPr>
-          <p:nvPr>
-            <p:ph type="title"/>
-          </p:nvPr>
-        </p:nvSpPr>
-        <p:spPr/>
-        <p:txBody>
-          <a:bodyPr/>
-          <a:lstStyle/>
-          <a:p>
-            <a:r>
-              <a:rPr lang="en-US" dirty="0" smtClean="0"/>
-              <a:t>Types of RNN</a:t>
-            </a:r>
-            <a:endParaRPr lang="en-US" dirty="0"/>
-          </a:p>
-        </p:txBody>
-      </p:sp>
-      <p:sp>
-        <p:nvSpPr>
-          <p:cNvPr id="3" name="Content Placeholder 2"/>
-          <p:cNvSpPr>
-            <a:spLocks noGrp="1"/>
-          </p:cNvSpPr>
-          <p:nvPr>
-            <p:ph idx="1"/>
-          </p:nvPr>
-        </p:nvSpPr>
-        <p:spPr/>
-        <p:txBody>
-          <a:bodyPr/>
-          <a:lstStyle/>
-          <a:p>
-            <a:r>
-              <a:rPr lang="en-US" dirty="0" smtClean="0"/>
-              <a:t> </a:t>
-            </a:r>
-            <a:endParaRPr lang="en-US" dirty="0"/>
-          </a:p>
-        </p:txBody>
-      </p:sp>
-      <p:pic>
-        <p:nvPicPr>
-          <p:cNvPr id="1026" name="Picture 2" descr="TensorFlow | Types of RNN - Javatpoint"/>
-          <p:cNvPicPr>
-            <a:picLocks noChangeAspect="1" noChangeArrowheads="1"/>
-          </p:cNvPicPr>
-          <p:nvPr/>
-        </p:nvPicPr>
-        <p:blipFill>
-          <a:blip r:embed="rId2">
-            <a:extLst>
-              <a:ext uri="{28A0092B-C50C-407E-A947-70E740481C1C}">
-                <a14:useLocalDpi xmlns:a14="http://schemas.microsoft.com/office/drawing/2010/main" val="0"/>
-              </a:ext>
-            </a:extLst>
-          </a:blip>
-          <a:srcRect/>
-          <a:stretch>
-            <a:fillRect/>
-          </a:stretch>
-        </p:blipFill>
-        <p:spPr bwMode="auto">
-          <a:xfrm>
-            <a:off x="1137708" y="1825625"/>
-            <a:ext cx="10580158" cy="4534353"/>
-          </a:xfrm>
-          <a:prstGeom prst="rect">
-            <a:avLst/>
-          </a:prstGeom>
-          <a:noFill/>
-          <a:extLst>
-            <a:ext uri="{909E8E84-426E-40DD-AFC4-6F175D3DCCD1}">
-              <a14:hiddenFill xmlns:a14="http://schemas.microsoft.com/office/drawing/2010/main">
-                <a:solidFill>
-                  <a:srgbClr val="FFFFFF"/>
-                </a:solidFill>
-              </a14:hiddenFill>
-            </a:ext>
-          </a:extLst>
-        </p:spPr>
-      </p:pic>
-    </p:spTree>
-    <p:extLst>
-      <p:ext uri="{BB962C8B-B14F-4D97-AF65-F5344CB8AC3E}">
-        <p14:creationId xmlns:p14="http://schemas.microsoft.com/office/powerpoint/2010/main" val="2141310495"/>
-      </p:ext>
-    </p:extLst>
-  </p:cSld>
-  <p:clrMapOvr>
-    <a:masterClrMapping/>
-  </p:clrMapOvr>
-  <p:timing>
-    <p:tnLst>
-      <p:par>
-        <p:cTn id="1" dur="indefinite" restart="never" nodeType="tmRoot"/>
-      </p:par>
-    </p:tnLst>
-  </p:timing>
-</p:sld>
-</file>
-
-<file path=ppt/slides/slide15.xml><?xml version="1.0" encoding="utf-8"?>
-<p:sld xmlns:a="http://schemas.openxmlformats.org/drawingml/2006/main" xmlns:r="http://schemas.openxmlformats.org/officeDocument/2006/relationships" xmlns:p="http://schemas.openxmlformats.org/presentationml/2006/main">
-  <p:cSld>
-    <p:spTree>
-      <p:nvGrpSpPr>
-        <p:cNvPr id="1" name=""/>
-        <p:cNvGrpSpPr/>
-        <p:nvPr/>
-      </p:nvGrpSpPr>
-      <p:grpSpPr>
-        <a:xfrm>
-          <a:off x="0" y="0"/>
-          <a:ext cx="0" cy="0"/>
-          <a:chOff x="0" y="0"/>
-          <a:chExt cx="0" cy="0"/>
-        </a:xfrm>
-      </p:grpSpPr>
-      <p:sp>
-        <p:nvSpPr>
-          <p:cNvPr id="2" name="Title 1"/>
-          <p:cNvSpPr>
-            <a:spLocks noGrp="1"/>
-          </p:cNvSpPr>
-          <p:nvPr>
-            <p:ph type="title"/>
-          </p:nvPr>
-        </p:nvSpPr>
-        <p:spPr/>
-        <p:txBody>
-          <a:bodyPr/>
-          <a:lstStyle/>
-          <a:p>
-            <a:endParaRPr lang="en-US" dirty="0"/>
-          </a:p>
-        </p:txBody>
-      </p:sp>
-      <p:sp>
-        <p:nvSpPr>
-          <p:cNvPr id="3" name="Content Placeholder 2"/>
-          <p:cNvSpPr>
-            <a:spLocks noGrp="1"/>
-          </p:cNvSpPr>
-          <p:nvPr>
-            <p:ph idx="1"/>
-          </p:nvPr>
-        </p:nvSpPr>
-        <p:spPr/>
-        <p:txBody>
-          <a:bodyPr/>
-          <a:lstStyle/>
-          <a:p>
-            <a:endParaRPr lang="en-US"/>
-          </a:p>
-        </p:txBody>
-      </p:sp>
-    </p:spTree>
-    <p:extLst>
-      <p:ext uri="{BB962C8B-B14F-4D97-AF65-F5344CB8AC3E}">
-        <p14:creationId xmlns:p14="http://schemas.microsoft.com/office/powerpoint/2010/main" val="3188959871"/>
-      </p:ext>
-    </p:extLst>
-  </p:cSld>
-  <p:clrMapOvr>
-    <a:masterClrMapping/>
-  </p:clrMapOvr>
-  <p:timing>
-    <p:tnLst>
-      <p:par>
-        <p:cTn id="1" dur="indefinite" restart="never" nodeType="tmRoot"/>
-      </p:par>
-    </p:tnLst>
-  </p:timing>
-</p:sld>
-</file>
-
-<file path=ppt/slides/slide2.xml><?xml version="1.0" encoding="utf-8"?>
-<p:sld xmlns:a="http://schemas.openxmlformats.org/drawingml/2006/main" xmlns:r="http://schemas.openxmlformats.org/officeDocument/2006/relationships" xmlns:p="http://schemas.openxmlformats.org/presentationml/2006/main">
-  <p:cSld>
-    <p:spTree>
-      <p:nvGrpSpPr>
-        <p:cNvPr id="1" name=""/>
-        <p:cNvGrpSpPr/>
-        <p:nvPr/>
-      </p:nvGrpSpPr>
-      <p:grpSpPr>
-        <a:xfrm>
-          <a:off x="0" y="0"/>
-          <a:ext cx="0" cy="0"/>
-          <a:chOff x="0" y="0"/>
-          <a:chExt cx="0" cy="0"/>
-        </a:xfrm>
-      </p:grpSpPr>
-      <p:sp>
-        <p:nvSpPr>
-          <p:cNvPr id="2" name="Title 1"/>
-          <p:cNvSpPr>
-            <a:spLocks noGrp="1"/>
-          </p:cNvSpPr>
-          <p:nvPr>
-            <p:ph type="title"/>
-          </p:nvPr>
-        </p:nvSpPr>
-        <p:spPr>
-          <a:xfrm>
-            <a:off x="838200" y="365126"/>
-            <a:ext cx="10515600" cy="684742"/>
-          </a:xfrm>
-        </p:spPr>
-        <p:txBody>
-          <a:bodyPr>
-            <a:normAutofit fontScale="90000"/>
-          </a:bodyPr>
-          <a:lstStyle/>
-          <a:p>
-            <a:r>
-              <a:rPr lang="en-US" dirty="0" smtClean="0"/>
-              <a:t>Contents</a:t>
-            </a:r>
-            <a:endParaRPr lang="en-US" dirty="0"/>
-          </a:p>
-        </p:txBody>
-      </p:sp>
-      <p:sp>
-        <p:nvSpPr>
-          <p:cNvPr id="3" name="Content Placeholder 2"/>
-          <p:cNvSpPr>
-            <a:spLocks noGrp="1"/>
-          </p:cNvSpPr>
-          <p:nvPr>
-            <p:ph idx="1"/>
-          </p:nvPr>
-        </p:nvSpPr>
-        <p:spPr>
-          <a:xfrm>
-            <a:off x="838200" y="1320800"/>
-            <a:ext cx="10515600" cy="4856163"/>
-          </a:xfrm>
-        </p:spPr>
-        <p:txBody>
-          <a:bodyPr/>
-          <a:lstStyle/>
-          <a:p>
-            <a:pPr marL="0" indent="0">
-              <a:buNone/>
-            </a:pPr>
-            <a:endParaRPr lang="en-US" dirty="0"/>
-          </a:p>
-        </p:txBody>
-      </p:sp>
-    </p:spTree>
-    <p:extLst>
-      <p:ext uri="{BB962C8B-B14F-4D97-AF65-F5344CB8AC3E}">
-        <p14:creationId xmlns:p14="http://schemas.microsoft.com/office/powerpoint/2010/main" val="706458376"/>
-      </p:ext>
-    </p:extLst>
-  </p:cSld>
-  <p:clrMapOvr>
-    <a:masterClrMapping/>
-  </p:clrMapOvr>
-  <p:timing>
-    <p:tnLst>
-      <p:par>
-        <p:cTn id="1" dur="indefinite" restart="never" nodeType="tmRoot"/>
-      </p:par>
-    </p:tnLst>
-  </p:timing>
-</p:sld>
-</file>
-
-<file path=ppt/slides/slide3.xml><?xml version="1.0" encoding="utf-8"?>
-<p:sld xmlns:a="http://schemas.openxmlformats.org/drawingml/2006/main" xmlns:r="http://schemas.openxmlformats.org/officeDocument/2006/relationships" xmlns:p="http://schemas.openxmlformats.org/presentationml/2006/main">
-  <p:cSld>
-    <p:spTree>
-      <p:nvGrpSpPr>
-        <p:cNvPr id="1" name=""/>
-        <p:cNvGrpSpPr/>
-        <p:nvPr/>
-      </p:nvGrpSpPr>
-      <p:grpSpPr>
-        <a:xfrm>
-          <a:off x="0" y="0"/>
-          <a:ext cx="0" cy="0"/>
-          <a:chOff x="0" y="0"/>
-          <a:chExt cx="0" cy="0"/>
-        </a:xfrm>
-      </p:grpSpPr>
-      <p:sp>
-        <p:nvSpPr>
-          <p:cNvPr id="2" name="Title 1"/>
-          <p:cNvSpPr>
-            <a:spLocks noGrp="1"/>
-          </p:cNvSpPr>
-          <p:nvPr>
-            <p:ph type="title"/>
-          </p:nvPr>
-        </p:nvSpPr>
-        <p:spPr/>
-        <p:txBody>
-          <a:bodyPr/>
-          <a:lstStyle/>
-          <a:p>
-            <a:r>
-              <a:rPr lang="en-US" dirty="0" smtClean="0"/>
-              <a:t>Neural Network Concept</a:t>
-            </a:r>
-            <a:endParaRPr lang="en-US" dirty="0"/>
-          </a:p>
-        </p:txBody>
-      </p:sp>
-      <p:pic>
-        <p:nvPicPr>
-          <p:cNvPr id="7" name="Picture 6"/>
-          <p:cNvPicPr>
-            <a:picLocks noChangeAspect="1"/>
-          </p:cNvPicPr>
-          <p:nvPr/>
-        </p:nvPicPr>
-        <p:blipFill>
-          <a:blip r:embed="rId2"/>
-          <a:stretch>
-            <a:fillRect/>
-          </a:stretch>
-        </p:blipFill>
-        <p:spPr>
-          <a:xfrm>
-            <a:off x="771525" y="1690688"/>
-            <a:ext cx="10648950" cy="4505325"/>
-          </a:xfrm>
-          <a:prstGeom prst="rect">
-            <a:avLst/>
-          </a:prstGeom>
-        </p:spPr>
-      </p:pic>
-    </p:spTree>
-    <p:extLst>
-      <p:ext uri="{BB962C8B-B14F-4D97-AF65-F5344CB8AC3E}">
-        <p14:creationId xmlns:p14="http://schemas.microsoft.com/office/powerpoint/2010/main" val="2296222608"/>
-      </p:ext>
-    </p:extLst>
-  </p:cSld>
-  <p:clrMapOvr>
-    <a:masterClrMapping/>
-  </p:clrMapOvr>
-  <p:timing>
-    <p:tnLst>
-      <p:par>
-        <p:cTn id="1" dur="indefinite" restart="never" nodeType="tmRoot"/>
-      </p:par>
-    </p:tnLst>
-  </p:timing>
-</p:sld>
-</file>
-
-<file path=ppt/slides/slide4.xml><?xml version="1.0" encoding="utf-8"?>
-<p:sld xmlns:a="http://schemas.openxmlformats.org/drawingml/2006/main" xmlns:r="http://schemas.openxmlformats.org/officeDocument/2006/relationships" xmlns:p="http://schemas.openxmlformats.org/presentationml/2006/main">
-  <p:cSld>
-    <p:spTree>
-      <p:nvGrpSpPr>
-        <p:cNvPr id="1" name=""/>
-        <p:cNvGrpSpPr/>
-        <p:nvPr/>
-      </p:nvGrpSpPr>
-      <p:grpSpPr>
-        <a:xfrm>
-          <a:off x="0" y="0"/>
-          <a:ext cx="0" cy="0"/>
-          <a:chOff x="0" y="0"/>
-          <a:chExt cx="0" cy="0"/>
-        </a:xfrm>
-      </p:grpSpPr>
-      <p:sp>
-        <p:nvSpPr>
-          <p:cNvPr id="2" name="Title 1"/>
-          <p:cNvSpPr>
-            <a:spLocks noGrp="1"/>
-          </p:cNvSpPr>
-          <p:nvPr>
-            <p:ph type="title"/>
-          </p:nvPr>
-        </p:nvSpPr>
-        <p:spPr/>
-        <p:txBody>
-          <a:bodyPr/>
-          <a:lstStyle/>
-          <a:p>
-            <a:r>
-              <a:rPr lang="en-US" dirty="0" smtClean="0"/>
-              <a:t>Neural Network Concept</a:t>
-            </a:r>
-            <a:endParaRPr lang="en-US" dirty="0"/>
-          </a:p>
-        </p:txBody>
-      </p:sp>
-      <p:pic>
-        <p:nvPicPr>
-          <p:cNvPr id="5" name="Picture 4"/>
-          <p:cNvPicPr>
-            <a:picLocks noChangeAspect="1"/>
-          </p:cNvPicPr>
-          <p:nvPr/>
-        </p:nvPicPr>
-        <p:blipFill>
-          <a:blip r:embed="rId2"/>
-          <a:stretch>
-            <a:fillRect/>
-          </a:stretch>
-        </p:blipFill>
-        <p:spPr>
-          <a:xfrm>
-            <a:off x="1656346" y="1690688"/>
-            <a:ext cx="8450179" cy="5070107"/>
-          </a:xfrm>
-          <a:prstGeom prst="rect">
-            <a:avLst/>
-          </a:prstGeom>
-        </p:spPr>
-      </p:pic>
-    </p:spTree>
-    <p:extLst>
-      <p:ext uri="{BB962C8B-B14F-4D97-AF65-F5344CB8AC3E}">
-        <p14:creationId xmlns:p14="http://schemas.microsoft.com/office/powerpoint/2010/main" val="2672488515"/>
-      </p:ext>
-    </p:extLst>
-  </p:cSld>
-  <p:clrMapOvr>
-    <a:masterClrMapping/>
-  </p:clrMapOvr>
-  <p:timing>
-    <p:tnLst>
-      <p:par>
-        <p:cTn id="1" dur="indefinite" restart="never" nodeType="tmRoot"/>
-      </p:par>
-    </p:tnLst>
-  </p:timing>
-</p:sld>
-</file>
-
-<file path=ppt/slides/slide5.xml><?xml version="1.0" encoding="utf-8"?>
-<p:sld xmlns:a="http://schemas.openxmlformats.org/drawingml/2006/main" xmlns:r="http://schemas.openxmlformats.org/officeDocument/2006/relationships" xmlns:p="http://schemas.openxmlformats.org/presentationml/2006/main">
-  <p:cSld>
-    <p:spTree>
-      <p:nvGrpSpPr>
-        <p:cNvPr id="1" name=""/>
-        <p:cNvGrpSpPr/>
-        <p:nvPr/>
-      </p:nvGrpSpPr>
-      <p:grpSpPr>
-        <a:xfrm>
-          <a:off x="0" y="0"/>
-          <a:ext cx="0" cy="0"/>
-          <a:chOff x="0" y="0"/>
-          <a:chExt cx="0" cy="0"/>
-        </a:xfrm>
-      </p:grpSpPr>
-      <p:sp>
-        <p:nvSpPr>
-          <p:cNvPr id="2" name="Title 1"/>
-          <p:cNvSpPr>
-            <a:spLocks noGrp="1"/>
-          </p:cNvSpPr>
-          <p:nvPr>
-            <p:ph type="title"/>
-          </p:nvPr>
-        </p:nvSpPr>
-        <p:spPr/>
-        <p:txBody>
-          <a:bodyPr/>
-          <a:lstStyle/>
-          <a:p>
-            <a:r>
-              <a:rPr lang="en-US" b="1" dirty="0" smtClean="0"/>
-              <a:t>Activation Functions</a:t>
-            </a:r>
-            <a:br>
-              <a:rPr lang="en-US" b="1" dirty="0" smtClean="0"/>
-            </a:br>
-            <a:endParaRPr lang="en-US" dirty="0"/>
-          </a:p>
-        </p:txBody>
-      </p:sp>
-      <p:sp>
-        <p:nvSpPr>
-          <p:cNvPr id="3" name="Content Placeholder 2"/>
-          <p:cNvSpPr>
-            <a:spLocks noGrp="1"/>
-          </p:cNvSpPr>
-          <p:nvPr>
-            <p:ph idx="1"/>
-          </p:nvPr>
-        </p:nvSpPr>
-        <p:spPr/>
-        <p:txBody>
-          <a:bodyPr/>
-          <a:lstStyle/>
-          <a:p>
-            <a:r>
-              <a:rPr lang="en-US" dirty="0" smtClean="0"/>
-              <a:t>In </a:t>
-            </a:r>
-            <a:r>
-              <a:rPr lang="en-US" dirty="0"/>
-              <a:t>Neural Network the activation function defines if given node should be “activated” or not based on the weighted sum. Let’s define this weighted sum value as </a:t>
-            </a:r>
-            <a:r>
-              <a:rPr lang="en-US" b="1" i="1" dirty="0"/>
-              <a:t>z</a:t>
-            </a:r>
-            <a:r>
-              <a:rPr lang="en-US" dirty="0"/>
-              <a:t>. In this section I would explain why “Step Function” and “Linear Function” won’t work and talk about “</a:t>
-            </a:r>
-            <a:r>
-              <a:rPr lang="en-US" i="1" dirty="0"/>
-              <a:t>Sigmoid Function</a:t>
-            </a:r>
-            <a:r>
-              <a:rPr lang="en-US" dirty="0"/>
-              <a:t>” one of the most popular activation functions. There are also other functions which I will leave aside for now.</a:t>
-            </a:r>
-          </a:p>
-          <a:p>
-            <a:endParaRPr lang="en-US" dirty="0"/>
-          </a:p>
-        </p:txBody>
-      </p:sp>
-    </p:spTree>
-    <p:extLst>
-      <p:ext uri="{BB962C8B-B14F-4D97-AF65-F5344CB8AC3E}">
-        <p14:creationId xmlns:p14="http://schemas.microsoft.com/office/powerpoint/2010/main" val="2733774951"/>
-      </p:ext>
-    </p:extLst>
-  </p:cSld>
-  <p:clrMapOvr>
-    <a:masterClrMapping/>
-  </p:clrMapOvr>
-  <p:timing>
-    <p:tnLst>
-      <p:par>
-        <p:cTn id="1" dur="indefinite" restart="never" nodeType="tmRoot"/>
-      </p:par>
-    </p:tnLst>
-  </p:timing>
-</p:sld>
-</file>
-
-<file path=ppt/slides/slide6.xml><?xml version="1.0" encoding="utf-8"?>
-<p:sld xmlns:a="http://schemas.openxmlformats.org/drawingml/2006/main" xmlns:r="http://schemas.openxmlformats.org/officeDocument/2006/relationships" xmlns:p="http://schemas.openxmlformats.org/presentationml/2006/main">
-  <p:cSld>
-    <p:spTree>
-      <p:nvGrpSpPr>
-        <p:cNvPr id="1" name=""/>
-        <p:cNvGrpSpPr/>
-        <p:nvPr/>
-      </p:nvGrpSpPr>
-      <p:grpSpPr>
-        <a:xfrm>
-          <a:off x="0" y="0"/>
-          <a:ext cx="0" cy="0"/>
-          <a:chOff x="0" y="0"/>
-          <a:chExt cx="0" cy="0"/>
-        </a:xfrm>
-      </p:grpSpPr>
-      <p:sp>
-        <p:nvSpPr>
-          <p:cNvPr id="2" name="Title 1"/>
-          <p:cNvSpPr>
-            <a:spLocks noGrp="1"/>
-          </p:cNvSpPr>
-          <p:nvPr>
-            <p:ph type="title"/>
-          </p:nvPr>
-        </p:nvSpPr>
-        <p:spPr/>
-        <p:txBody>
-          <a:bodyPr/>
-          <a:lstStyle/>
-          <a:p>
-            <a:r>
-              <a:rPr lang="en-US" b="1" dirty="0" smtClean="0"/>
               <a:t>Step Function</a:t>
             </a:r>
             <a:br>
@@ -4540,7 +3231,7 @@
 </p:sld>
 </file>
 
-<file path=ppt/slides/slide7.xml><?xml version="1.0" encoding="utf-8"?>
+<file path=ppt/slides/slide11.xml><?xml version="1.0" encoding="utf-8"?>
 <p:sld xmlns:a="http://schemas.openxmlformats.org/drawingml/2006/main" xmlns:r="http://schemas.openxmlformats.org/officeDocument/2006/relationships" xmlns:p="http://schemas.openxmlformats.org/presentationml/2006/main">
   <p:cSld>
     <p:spTree>
@@ -5306,7 +3997,7 @@
 </p:sld>
 </file>
 
-<file path=ppt/slides/slide8.xml><?xml version="1.0" encoding="utf-8"?>
+<file path=ppt/slides/slide12.xml><?xml version="1.0" encoding="utf-8"?>
 <p:sld xmlns:a="http://schemas.openxmlformats.org/drawingml/2006/main" xmlns:r="http://schemas.openxmlformats.org/officeDocument/2006/relationships" xmlns:p="http://schemas.openxmlformats.org/presentationml/2006/main">
   <p:cSld>
     <p:spTree>
@@ -5507,6 +4198,1856 @@
 </p:sld>
 </file>
 
+<file path=ppt/slides/slide13.xml><?xml version="1.0" encoding="utf-8"?>
+<p:sld xmlns:a="http://schemas.openxmlformats.org/drawingml/2006/main" xmlns:r="http://schemas.openxmlformats.org/officeDocument/2006/relationships" xmlns:p="http://schemas.openxmlformats.org/presentationml/2006/main">
+  <p:cSld>
+    <p:spTree>
+      <p:nvGrpSpPr>
+        <p:cNvPr id="1" name=""/>
+        <p:cNvGrpSpPr/>
+        <p:nvPr/>
+      </p:nvGrpSpPr>
+      <p:grpSpPr>
+        <a:xfrm>
+          <a:off x="0" y="0"/>
+          <a:ext cx="0" cy="0"/>
+          <a:chOff x="0" y="0"/>
+          <a:chExt cx="0" cy="0"/>
+        </a:xfrm>
+      </p:grpSpPr>
+      <p:sp>
+        <p:nvSpPr>
+          <p:cNvPr id="2" name="Title 1"/>
+          <p:cNvSpPr>
+            <a:spLocks noGrp="1"/>
+          </p:cNvSpPr>
+          <p:nvPr>
+            <p:ph type="title"/>
+          </p:nvPr>
+        </p:nvSpPr>
+        <p:spPr/>
+        <p:txBody>
+          <a:bodyPr/>
+          <a:lstStyle/>
+          <a:p>
+            <a:r>
+              <a:rPr lang="en-US" b="1" dirty="0" smtClean="0"/>
+              <a:t>Bias Node</a:t>
+            </a:r>
+            <a:br>
+              <a:rPr lang="en-US" b="1" dirty="0" smtClean="0"/>
+            </a:br>
+            <a:endParaRPr lang="en-US" dirty="0"/>
+          </a:p>
+        </p:txBody>
+      </p:sp>
+      <p:sp>
+        <p:nvSpPr>
+          <p:cNvPr id="3" name="Content Placeholder 2"/>
+          <p:cNvSpPr>
+            <a:spLocks noGrp="1"/>
+          </p:cNvSpPr>
+          <p:nvPr>
+            <p:ph idx="1"/>
+          </p:nvPr>
+        </p:nvSpPr>
+        <p:spPr/>
+        <p:txBody>
+          <a:bodyPr>
+            <a:normAutofit/>
+          </a:bodyPr>
+          <a:lstStyle/>
+          <a:p>
+            <a:r>
+              <a:rPr lang="en-US" dirty="0" smtClean="0"/>
+              <a:t>Using </a:t>
+            </a:r>
+            <a:r>
+              <a:rPr lang="en-US" dirty="0"/>
+              <a:t>“bias” node is usually critical for creating successful learning model. In short, </a:t>
+            </a:r>
+            <a:r>
+              <a:rPr lang="en-US" b="1" i="1" dirty="0"/>
+              <a:t>a bias value allows to shift the activation function to the left or right </a:t>
+            </a:r>
+            <a:r>
+              <a:rPr lang="en-US" dirty="0"/>
+              <a:t>and it helps getting </a:t>
+            </a:r>
+            <a:r>
+              <a:rPr lang="en-US" b="1" dirty="0"/>
+              <a:t>better fit for the data</a:t>
+            </a:r>
+            <a:r>
+              <a:rPr lang="en-US" dirty="0"/>
+              <a:t> (better prediction function as output).</a:t>
+            </a:r>
+          </a:p>
+          <a:p>
+            <a:r>
+              <a:rPr lang="en-US" dirty="0"/>
+              <a:t>Below there are 3 Sigmoid functions that I draw where you can notice how multiplication/add/subtract the variable </a:t>
+            </a:r>
+            <a:r>
+              <a:rPr lang="en-US" i="1" dirty="0"/>
+              <a:t>x</a:t>
+            </a:r>
+            <a:r>
+              <a:rPr lang="en-US" dirty="0"/>
+              <a:t> by some value can influence the function.</a:t>
+            </a:r>
+          </a:p>
+          <a:p>
+            <a:r>
+              <a:rPr lang="en-US" dirty="0"/>
+              <a:t>Multiplying </a:t>
+            </a:r>
+            <a:r>
+              <a:rPr lang="en-US" b="1" i="1" dirty="0"/>
+              <a:t>x</a:t>
+            </a:r>
+            <a:r>
+              <a:rPr lang="en-US" dirty="0"/>
+              <a:t> — makes the function steeper</a:t>
+            </a:r>
+          </a:p>
+          <a:p>
+            <a:r>
+              <a:rPr lang="en-US" dirty="0"/>
+              <a:t>Add/Subtract </a:t>
+            </a:r>
+            <a:r>
+              <a:rPr lang="en-US" b="1" i="1" dirty="0"/>
+              <a:t>x</a:t>
+            </a:r>
+            <a:r>
+              <a:rPr lang="en-US" dirty="0"/>
+              <a:t> — shift the function left/right</a:t>
+            </a:r>
+          </a:p>
+          <a:p>
+            <a:endParaRPr lang="en-US" dirty="0"/>
+          </a:p>
+        </p:txBody>
+      </p:sp>
+    </p:spTree>
+    <p:extLst>
+      <p:ext uri="{BB962C8B-B14F-4D97-AF65-F5344CB8AC3E}">
+        <p14:creationId xmlns:p14="http://schemas.microsoft.com/office/powerpoint/2010/main" val="4101312261"/>
+      </p:ext>
+    </p:extLst>
+  </p:cSld>
+  <p:clrMapOvr>
+    <a:masterClrMapping/>
+  </p:clrMapOvr>
+  <p:timing>
+    <p:tnLst>
+      <p:par>
+        <p:cTn id="1" dur="indefinite" restart="never" nodeType="tmRoot"/>
+      </p:par>
+    </p:tnLst>
+  </p:timing>
+</p:sld>
+</file>
+
+<file path=ppt/slides/slide14.xml><?xml version="1.0" encoding="utf-8"?>
+<p:sld xmlns:a="http://schemas.openxmlformats.org/drawingml/2006/main" xmlns:r="http://schemas.openxmlformats.org/officeDocument/2006/relationships" xmlns:p="http://schemas.openxmlformats.org/presentationml/2006/main">
+  <p:cSld>
+    <p:spTree>
+      <p:nvGrpSpPr>
+        <p:cNvPr id="1" name=""/>
+        <p:cNvGrpSpPr/>
+        <p:nvPr/>
+      </p:nvGrpSpPr>
+      <p:grpSpPr>
+        <a:xfrm>
+          <a:off x="0" y="0"/>
+          <a:ext cx="0" cy="0"/>
+          <a:chOff x="0" y="0"/>
+          <a:chExt cx="0" cy="0"/>
+        </a:xfrm>
+      </p:grpSpPr>
+      <p:sp>
+        <p:nvSpPr>
+          <p:cNvPr id="2" name="Title 1"/>
+          <p:cNvSpPr>
+            <a:spLocks noGrp="1"/>
+          </p:cNvSpPr>
+          <p:nvPr>
+            <p:ph type="title"/>
+          </p:nvPr>
+        </p:nvSpPr>
+        <p:spPr/>
+        <p:txBody>
+          <a:bodyPr/>
+          <a:lstStyle/>
+          <a:p>
+            <a:r>
+              <a:rPr lang="en-US" b="1" dirty="0" smtClean="0"/>
+              <a:t>Forward Propagation Calculation</a:t>
+            </a:r>
+            <a:br>
+              <a:rPr lang="en-US" b="1" dirty="0" smtClean="0"/>
+            </a:br>
+            <a:endParaRPr lang="en-US" dirty="0"/>
+          </a:p>
+        </p:txBody>
+      </p:sp>
+      <p:sp>
+        <p:nvSpPr>
+          <p:cNvPr id="3" name="Content Placeholder 2"/>
+          <p:cNvSpPr>
+            <a:spLocks noGrp="1"/>
+          </p:cNvSpPr>
+          <p:nvPr>
+            <p:ph idx="1"/>
+          </p:nvPr>
+        </p:nvSpPr>
+        <p:spPr/>
+        <p:txBody>
+          <a:bodyPr/>
+          <a:lstStyle/>
+          <a:p>
+            <a:r>
+              <a:rPr lang="en-US" dirty="0" smtClean="0"/>
+              <a:t>This </a:t>
+            </a:r>
+            <a:r>
+              <a:rPr lang="en-US" dirty="0"/>
+              <a:t>process of Forward propagation is actually getting the Neural Network output value based on a given input. This algorithm is used to calculate the cost value. What it does is the same mathematical process as the one described in section 2 “Model Representation Mathematics”. Where in the end we get our hypothesis value</a:t>
+            </a:r>
+          </a:p>
+          <a:p>
+            <a:endParaRPr lang="en-US" dirty="0"/>
+          </a:p>
+        </p:txBody>
+      </p:sp>
+    </p:spTree>
+    <p:extLst>
+      <p:ext uri="{BB962C8B-B14F-4D97-AF65-F5344CB8AC3E}">
+        <p14:creationId xmlns:p14="http://schemas.microsoft.com/office/powerpoint/2010/main" val="1999080789"/>
+      </p:ext>
+    </p:extLst>
+  </p:cSld>
+  <p:clrMapOvr>
+    <a:masterClrMapping/>
+  </p:clrMapOvr>
+  <p:timing>
+    <p:tnLst>
+      <p:par>
+        <p:cTn id="1" dur="indefinite" restart="never" nodeType="tmRoot"/>
+      </p:par>
+    </p:tnLst>
+  </p:timing>
+</p:sld>
+</file>
+
+<file path=ppt/slides/slide15.xml><?xml version="1.0" encoding="utf-8"?>
+<p:sld xmlns:a="http://schemas.openxmlformats.org/drawingml/2006/main" xmlns:r="http://schemas.openxmlformats.org/officeDocument/2006/relationships" xmlns:p="http://schemas.openxmlformats.org/presentationml/2006/main">
+  <p:cSld>
+    <p:spTree>
+      <p:nvGrpSpPr>
+        <p:cNvPr id="1" name=""/>
+        <p:cNvGrpSpPr/>
+        <p:nvPr/>
+      </p:nvGrpSpPr>
+      <p:grpSpPr>
+        <a:xfrm>
+          <a:off x="0" y="0"/>
+          <a:ext cx="0" cy="0"/>
+          <a:chOff x="0" y="0"/>
+          <a:chExt cx="0" cy="0"/>
+        </a:xfrm>
+      </p:grpSpPr>
+      <p:sp>
+        <p:nvSpPr>
+          <p:cNvPr id="2" name="Title 1"/>
+          <p:cNvSpPr>
+            <a:spLocks noGrp="1"/>
+          </p:cNvSpPr>
+          <p:nvPr>
+            <p:ph type="title"/>
+          </p:nvPr>
+        </p:nvSpPr>
+        <p:spPr/>
+        <p:txBody>
+          <a:bodyPr/>
+          <a:lstStyle/>
+          <a:p>
+            <a:r>
+              <a:rPr lang="en-US" b="1" dirty="0" smtClean="0"/>
+              <a:t>Backpropagation Algorithm</a:t>
+            </a:r>
+            <a:br>
+              <a:rPr lang="en-US" b="1" dirty="0" smtClean="0"/>
+            </a:br>
+            <a:endParaRPr lang="en-US" dirty="0"/>
+          </a:p>
+        </p:txBody>
+      </p:sp>
+      <p:sp>
+        <p:nvSpPr>
+          <p:cNvPr id="3" name="Content Placeholder 2"/>
+          <p:cNvSpPr>
+            <a:spLocks noGrp="1"/>
+          </p:cNvSpPr>
+          <p:nvPr>
+            <p:ph idx="1"/>
+          </p:nvPr>
+        </p:nvSpPr>
+        <p:spPr/>
+        <p:txBody>
+          <a:bodyPr/>
+          <a:lstStyle/>
+          <a:p>
+            <a:r>
+              <a:rPr lang="en-US" dirty="0" smtClean="0">
+                <a:latin typeface="Times New Roman" panose="02020603050405020304" pitchFamily="18" charset="0"/>
+                <a:cs typeface="Times New Roman" panose="02020603050405020304" pitchFamily="18" charset="0"/>
+              </a:rPr>
+              <a:t>What </a:t>
+            </a:r>
+            <a:r>
+              <a:rPr lang="en-US" dirty="0">
+                <a:latin typeface="Times New Roman" panose="02020603050405020304" pitchFamily="18" charset="0"/>
+                <a:cs typeface="Times New Roman" panose="02020603050405020304" pitchFamily="18" charset="0"/>
+              </a:rPr>
+              <a:t>we want to do is minimize the cost function </a:t>
+            </a:r>
+            <a:r>
+              <a:rPr lang="en-US" b="1" i="1" dirty="0">
+                <a:latin typeface="Times New Roman" panose="02020603050405020304" pitchFamily="18" charset="0"/>
+                <a:cs typeface="Times New Roman" panose="02020603050405020304" pitchFamily="18" charset="0"/>
+              </a:rPr>
+              <a:t>J(θ)</a:t>
+            </a:r>
+            <a:r>
+              <a:rPr lang="en-US" dirty="0">
+                <a:latin typeface="Times New Roman" panose="02020603050405020304" pitchFamily="18" charset="0"/>
+                <a:cs typeface="Times New Roman" panose="02020603050405020304" pitchFamily="18" charset="0"/>
+              </a:rPr>
+              <a:t> using the optimal set of values for </a:t>
+            </a:r>
+            <a:r>
+              <a:rPr lang="en-US" b="1" i="1" dirty="0">
+                <a:latin typeface="Times New Roman" panose="02020603050405020304" pitchFamily="18" charset="0"/>
+                <a:cs typeface="Times New Roman" panose="02020603050405020304" pitchFamily="18" charset="0"/>
+              </a:rPr>
+              <a:t>θ</a:t>
+            </a:r>
+            <a:r>
+              <a:rPr lang="en-US" dirty="0">
+                <a:latin typeface="Times New Roman" panose="02020603050405020304" pitchFamily="18" charset="0"/>
+                <a:cs typeface="Times New Roman" panose="02020603050405020304" pitchFamily="18" charset="0"/>
+              </a:rPr>
+              <a:t> (weights). Backpropagation is a method we use in order to</a:t>
+            </a:r>
+            <a:r>
+              <a:rPr lang="en-US" b="1" dirty="0">
+                <a:latin typeface="Times New Roman" panose="02020603050405020304" pitchFamily="18" charset="0"/>
+                <a:cs typeface="Times New Roman" panose="02020603050405020304" pitchFamily="18" charset="0"/>
+              </a:rPr>
+              <a:t> compute the partial derivative of</a:t>
+            </a:r>
+            <a:r>
+              <a:rPr lang="en-US" b="1" i="1" dirty="0">
+                <a:latin typeface="Times New Roman" panose="02020603050405020304" pitchFamily="18" charset="0"/>
+                <a:cs typeface="Times New Roman" panose="02020603050405020304" pitchFamily="18" charset="0"/>
+              </a:rPr>
+              <a:t> J(θ)</a:t>
+            </a:r>
+            <a:r>
+              <a:rPr lang="en-US" dirty="0">
+                <a:latin typeface="Times New Roman" panose="02020603050405020304" pitchFamily="18" charset="0"/>
+                <a:cs typeface="Times New Roman" panose="02020603050405020304" pitchFamily="18" charset="0"/>
+              </a:rPr>
+              <a:t>.</a:t>
+            </a:r>
+          </a:p>
+          <a:p>
+            <a:r>
+              <a:rPr lang="en-US" dirty="0">
+                <a:latin typeface="Times New Roman" panose="02020603050405020304" pitchFamily="18" charset="0"/>
+                <a:cs typeface="Times New Roman" panose="02020603050405020304" pitchFamily="18" charset="0"/>
+              </a:rPr>
+              <a:t>This partial derivative value is then used in Gradient descent algorithm </a:t>
+            </a:r>
+            <a:r>
+              <a:rPr lang="en-US" dirty="0" smtClean="0">
+                <a:latin typeface="Times New Roman" panose="02020603050405020304" pitchFamily="18" charset="0"/>
+                <a:cs typeface="Times New Roman" panose="02020603050405020304" pitchFamily="18" charset="0"/>
+              </a:rPr>
+              <a:t>for </a:t>
+            </a:r>
+            <a:r>
+              <a:rPr lang="en-US" dirty="0">
+                <a:latin typeface="Times New Roman" panose="02020603050405020304" pitchFamily="18" charset="0"/>
+                <a:cs typeface="Times New Roman" panose="02020603050405020304" pitchFamily="18" charset="0"/>
+              </a:rPr>
+              <a:t>calculating the </a:t>
+            </a:r>
+            <a:r>
+              <a:rPr lang="en-US" b="1" i="1" dirty="0">
+                <a:latin typeface="Times New Roman" panose="02020603050405020304" pitchFamily="18" charset="0"/>
+                <a:cs typeface="Times New Roman" panose="02020603050405020304" pitchFamily="18" charset="0"/>
+              </a:rPr>
+              <a:t>θ</a:t>
+            </a:r>
+            <a:r>
+              <a:rPr lang="en-US" dirty="0">
+                <a:latin typeface="Times New Roman" panose="02020603050405020304" pitchFamily="18" charset="0"/>
+                <a:cs typeface="Times New Roman" panose="02020603050405020304" pitchFamily="18" charset="0"/>
+              </a:rPr>
+              <a:t> values for the Neural Network that minimize the cost function </a:t>
+            </a:r>
+            <a:r>
+              <a:rPr lang="en-US" b="1" i="1" dirty="0">
+                <a:latin typeface="Times New Roman" panose="02020603050405020304" pitchFamily="18" charset="0"/>
+                <a:cs typeface="Times New Roman" panose="02020603050405020304" pitchFamily="18" charset="0"/>
+              </a:rPr>
+              <a:t>J(θ</a:t>
+            </a:r>
+            <a:r>
+              <a:rPr lang="en-US" b="1" i="1" dirty="0" smtClean="0">
+                <a:latin typeface="Times New Roman" panose="02020603050405020304" pitchFamily="18" charset="0"/>
+                <a:cs typeface="Times New Roman" panose="02020603050405020304" pitchFamily="18" charset="0"/>
+              </a:rPr>
+              <a:t>)</a:t>
+            </a:r>
+            <a:endParaRPr lang="en-US" dirty="0" smtClean="0">
+              <a:latin typeface="Times New Roman" panose="02020603050405020304" pitchFamily="18" charset="0"/>
+              <a:cs typeface="Times New Roman" panose="02020603050405020304" pitchFamily="18" charset="0"/>
+            </a:endParaRPr>
+          </a:p>
+          <a:p>
+            <a:endParaRPr lang="en-US" dirty="0">
+              <a:latin typeface="Times New Roman" panose="02020603050405020304" pitchFamily="18" charset="0"/>
+              <a:cs typeface="Times New Roman" panose="02020603050405020304" pitchFamily="18" charset="0"/>
+            </a:endParaRPr>
+          </a:p>
+          <a:p>
+            <a:r>
+              <a:rPr lang="en-US" b="1" dirty="0" smtClean="0">
+                <a:solidFill>
+                  <a:schemeClr val="accent2"/>
+                </a:solidFill>
+                <a:latin typeface="Times New Roman" panose="02020603050405020304" pitchFamily="18" charset="0"/>
+                <a:cs typeface="Times New Roman" panose="02020603050405020304" pitchFamily="18" charset="0"/>
+              </a:rPr>
+              <a:t>Backpropagation is about determining how changing the weights impact the overall cost in the neural network.</a:t>
+            </a:r>
+            <a:endParaRPr lang="en-US" b="1" dirty="0">
+              <a:solidFill>
+                <a:schemeClr val="accent2"/>
+              </a:solidFill>
+              <a:latin typeface="Times New Roman" panose="02020603050405020304" pitchFamily="18" charset="0"/>
+              <a:cs typeface="Times New Roman" panose="02020603050405020304" pitchFamily="18" charset="0"/>
+            </a:endParaRPr>
+          </a:p>
+          <a:p>
+            <a:endParaRPr lang="en-US" dirty="0"/>
+          </a:p>
+        </p:txBody>
+      </p:sp>
+    </p:spTree>
+    <p:extLst>
+      <p:ext uri="{BB962C8B-B14F-4D97-AF65-F5344CB8AC3E}">
+        <p14:creationId xmlns:p14="http://schemas.microsoft.com/office/powerpoint/2010/main" val="2092762971"/>
+      </p:ext>
+    </p:extLst>
+  </p:cSld>
+  <p:clrMapOvr>
+    <a:masterClrMapping/>
+  </p:clrMapOvr>
+  <p:timing>
+    <p:tnLst>
+      <p:par>
+        <p:cTn id="1" dur="indefinite" restart="never" nodeType="tmRoot"/>
+      </p:par>
+    </p:tnLst>
+  </p:timing>
+</p:sld>
+</file>
+
+<file path=ppt/slides/slide16.xml><?xml version="1.0" encoding="utf-8"?>
+<p:sld xmlns:a="http://schemas.openxmlformats.org/drawingml/2006/main" xmlns:r="http://schemas.openxmlformats.org/officeDocument/2006/relationships" xmlns:p="http://schemas.openxmlformats.org/presentationml/2006/main">
+  <p:cSld>
+    <p:spTree>
+      <p:nvGrpSpPr>
+        <p:cNvPr id="1" name=""/>
+        <p:cNvGrpSpPr/>
+        <p:nvPr/>
+      </p:nvGrpSpPr>
+      <p:grpSpPr>
+        <a:xfrm>
+          <a:off x="0" y="0"/>
+          <a:ext cx="0" cy="0"/>
+          <a:chOff x="0" y="0"/>
+          <a:chExt cx="0" cy="0"/>
+        </a:xfrm>
+      </p:grpSpPr>
+      <p:sp>
+        <p:nvSpPr>
+          <p:cNvPr id="2" name="Title 1"/>
+          <p:cNvSpPr>
+            <a:spLocks noGrp="1"/>
+          </p:cNvSpPr>
+          <p:nvPr>
+            <p:ph type="title"/>
+          </p:nvPr>
+        </p:nvSpPr>
+        <p:spPr/>
+        <p:txBody>
+          <a:bodyPr/>
+          <a:lstStyle/>
+          <a:p>
+            <a:endParaRPr lang="en-US"/>
+          </a:p>
+        </p:txBody>
+      </p:sp>
+      <p:sp>
+        <p:nvSpPr>
+          <p:cNvPr id="3" name="Content Placeholder 2"/>
+          <p:cNvSpPr>
+            <a:spLocks noGrp="1"/>
+          </p:cNvSpPr>
+          <p:nvPr>
+            <p:ph idx="1"/>
+          </p:nvPr>
+        </p:nvSpPr>
+        <p:spPr>
+          <a:xfrm>
+            <a:off x="838200" y="1825625"/>
+            <a:ext cx="10928684" cy="4351338"/>
+          </a:xfrm>
+        </p:spPr>
+        <p:txBody>
+          <a:bodyPr/>
+          <a:lstStyle/>
+          <a:p>
+            <a:r>
+              <a:rPr lang="en-US" b="1" dirty="0"/>
+              <a:t>Why derivatives ?</a:t>
+            </a:r>
+          </a:p>
+          <a:p>
+            <a:r>
+              <a:rPr lang="en-US" dirty="0"/>
+              <a:t>The derivative of a function (in our case </a:t>
+            </a:r>
+            <a:r>
+              <a:rPr lang="en-US" b="1" i="1" dirty="0"/>
+              <a:t>J(θ)</a:t>
+            </a:r>
+            <a:r>
+              <a:rPr lang="en-US" dirty="0"/>
+              <a:t>) on each variable (in our case weight </a:t>
+            </a:r>
+            <a:r>
+              <a:rPr lang="en-US" b="1" i="1" dirty="0"/>
+              <a:t>θ</a:t>
+            </a:r>
+            <a:r>
+              <a:rPr lang="en-US" dirty="0"/>
+              <a:t>) tells us the </a:t>
+            </a:r>
+            <a:r>
+              <a:rPr lang="en-US" b="1" dirty="0"/>
+              <a:t>sensitivity of the function with respect to that variable</a:t>
+            </a:r>
+            <a:r>
+              <a:rPr lang="en-US" dirty="0"/>
+              <a:t> or </a:t>
+            </a:r>
+            <a:r>
+              <a:rPr lang="en-US" b="1" dirty="0"/>
+              <a:t>how changing the variable impacts the function value</a:t>
+            </a:r>
+            <a:r>
+              <a:rPr lang="en-US" dirty="0"/>
+              <a:t>.</a:t>
+            </a:r>
+          </a:p>
+          <a:p>
+            <a:r>
+              <a:rPr lang="en-US" dirty="0"/>
+              <a:t>Let’s look at a simple example neural network</a:t>
+            </a:r>
+          </a:p>
+          <a:p>
+            <a:endParaRPr lang="en-US" dirty="0"/>
+          </a:p>
+        </p:txBody>
+      </p:sp>
+      <p:pic>
+        <p:nvPicPr>
+          <p:cNvPr id="5122" name="Picture 2" descr="https://miro.medium.com/max/388/1*xILhQuB9c7cByW6odMaieQ.png"/>
+          <p:cNvPicPr>
+            <a:picLocks noChangeAspect="1" noChangeArrowheads="1"/>
+          </p:cNvPicPr>
+          <p:nvPr/>
+        </p:nvPicPr>
+        <p:blipFill>
+          <a:blip r:embed="rId2">
+            <a:extLst>
+              <a:ext uri="{28A0092B-C50C-407E-A947-70E740481C1C}">
+                <a14:useLocalDpi xmlns:a14="http://schemas.microsoft.com/office/drawing/2010/main" val="0"/>
+              </a:ext>
+            </a:extLst>
+          </a:blip>
+          <a:srcRect/>
+          <a:stretch>
+            <a:fillRect/>
+          </a:stretch>
+        </p:blipFill>
+        <p:spPr bwMode="auto">
+          <a:xfrm>
+            <a:off x="3283786" y="4412915"/>
+            <a:ext cx="3935162" cy="2150141"/>
+          </a:xfrm>
+          <a:prstGeom prst="rect">
+            <a:avLst/>
+          </a:prstGeom>
+          <a:noFill/>
+          <a:extLst>
+            <a:ext uri="{909E8E84-426E-40DD-AFC4-6F175D3DCCD1}">
+              <a14:hiddenFill xmlns:a14="http://schemas.microsoft.com/office/drawing/2010/main">
+                <a:solidFill>
+                  <a:srgbClr val="FFFFFF"/>
+                </a:solidFill>
+              </a14:hiddenFill>
+            </a:ext>
+          </a:extLst>
+        </p:spPr>
+      </p:pic>
+    </p:spTree>
+    <p:extLst>
+      <p:ext uri="{BB962C8B-B14F-4D97-AF65-F5344CB8AC3E}">
+        <p14:creationId xmlns:p14="http://schemas.microsoft.com/office/powerpoint/2010/main" val="1986025618"/>
+      </p:ext>
+    </p:extLst>
+  </p:cSld>
+  <p:clrMapOvr>
+    <a:masterClrMapping/>
+  </p:clrMapOvr>
+  <p:timing>
+    <p:tnLst>
+      <p:par>
+        <p:cTn id="1" dur="indefinite" restart="never" nodeType="tmRoot"/>
+      </p:par>
+    </p:tnLst>
+  </p:timing>
+</p:sld>
+</file>
+
+<file path=ppt/slides/slide17.xml><?xml version="1.0" encoding="utf-8"?>
+<p:sld xmlns:a="http://schemas.openxmlformats.org/drawingml/2006/main" xmlns:r="http://schemas.openxmlformats.org/officeDocument/2006/relationships" xmlns:p="http://schemas.openxmlformats.org/presentationml/2006/main">
+  <p:cSld>
+    <p:spTree>
+      <p:nvGrpSpPr>
+        <p:cNvPr id="1" name=""/>
+        <p:cNvGrpSpPr/>
+        <p:nvPr/>
+      </p:nvGrpSpPr>
+      <p:grpSpPr>
+        <a:xfrm>
+          <a:off x="0" y="0"/>
+          <a:ext cx="0" cy="0"/>
+          <a:chOff x="0" y="0"/>
+          <a:chExt cx="0" cy="0"/>
+        </a:xfrm>
+      </p:grpSpPr>
+      <p:sp>
+        <p:nvSpPr>
+          <p:cNvPr id="2" name="Title 1"/>
+          <p:cNvSpPr>
+            <a:spLocks noGrp="1"/>
+          </p:cNvSpPr>
+          <p:nvPr>
+            <p:ph type="title"/>
+          </p:nvPr>
+        </p:nvSpPr>
+        <p:spPr/>
+        <p:txBody>
+          <a:bodyPr/>
+          <a:lstStyle/>
+          <a:p>
+            <a:endParaRPr lang="en-US"/>
+          </a:p>
+        </p:txBody>
+      </p:sp>
+      <p:sp>
+        <p:nvSpPr>
+          <p:cNvPr id="3" name="Content Placeholder 2"/>
+          <p:cNvSpPr>
+            <a:spLocks noGrp="1"/>
+          </p:cNvSpPr>
+          <p:nvPr>
+            <p:ph idx="1"/>
+          </p:nvPr>
+        </p:nvSpPr>
+        <p:spPr>
+          <a:xfrm>
+            <a:off x="838200" y="1825624"/>
+            <a:ext cx="7126705" cy="4791743"/>
+          </a:xfrm>
+        </p:spPr>
+        <p:txBody>
+          <a:bodyPr>
+            <a:normAutofit fontScale="92500"/>
+          </a:bodyPr>
+          <a:lstStyle/>
+          <a:p>
+            <a:pPr algn="just">
+              <a:lnSpc>
+                <a:spcPct val="110000"/>
+              </a:lnSpc>
+            </a:pPr>
+            <a:r>
+              <a:rPr lang="en-US" dirty="0"/>
+              <a:t>There are two input nodes </a:t>
+            </a:r>
+            <a:r>
+              <a:rPr lang="en-US" i="1" dirty="0"/>
+              <a:t>x</a:t>
+            </a:r>
+            <a:r>
+              <a:rPr lang="en-US" dirty="0"/>
+              <a:t> and </a:t>
+            </a:r>
+            <a:r>
+              <a:rPr lang="en-US" i="1" dirty="0"/>
+              <a:t>y</a:t>
+            </a:r>
+            <a:r>
+              <a:rPr lang="en-US" dirty="0"/>
+              <a:t>. The output function is calculating the product </a:t>
+            </a:r>
+            <a:r>
+              <a:rPr lang="en-US" b="1" i="1" dirty="0"/>
+              <a:t>x</a:t>
+            </a:r>
+            <a:r>
+              <a:rPr lang="en-US" dirty="0"/>
+              <a:t> and </a:t>
+            </a:r>
+            <a:r>
+              <a:rPr lang="en-US" b="1" i="1" dirty="0"/>
+              <a:t>y</a:t>
+            </a:r>
+            <a:r>
+              <a:rPr lang="en-US" dirty="0"/>
+              <a:t>. We can now compute the partial derivatives for both </a:t>
+            </a:r>
+            <a:r>
+              <a:rPr lang="en-US" dirty="0" smtClean="0"/>
+              <a:t>nodes</a:t>
+            </a:r>
+          </a:p>
+          <a:p>
+            <a:pPr algn="just">
+              <a:lnSpc>
+                <a:spcPct val="110000"/>
+              </a:lnSpc>
+            </a:pPr>
+            <a:r>
+              <a:rPr lang="en-US" dirty="0"/>
+              <a:t>The partial derivative with respect to </a:t>
+            </a:r>
+            <a:r>
+              <a:rPr lang="en-US" b="1" i="1" dirty="0"/>
+              <a:t>x</a:t>
+            </a:r>
+            <a:r>
+              <a:rPr lang="en-US" dirty="0"/>
+              <a:t> is saying that if </a:t>
+            </a:r>
+            <a:r>
+              <a:rPr lang="en-US" b="1" i="1" dirty="0"/>
+              <a:t>x</a:t>
+            </a:r>
+            <a:r>
+              <a:rPr lang="en-US" dirty="0"/>
+              <a:t> value increase for some value </a:t>
+            </a:r>
+            <a:r>
+              <a:rPr lang="en-US" b="1" i="1" dirty="0"/>
+              <a:t>ϵ </a:t>
+            </a:r>
+            <a:r>
+              <a:rPr lang="en-US" dirty="0"/>
+              <a:t>then it would increase the function (product </a:t>
+            </a:r>
+            <a:r>
+              <a:rPr lang="en-US" b="1" i="1" dirty="0" err="1"/>
+              <a:t>xy</a:t>
+            </a:r>
+            <a:r>
+              <a:rPr lang="en-US" dirty="0"/>
+              <a:t>) by </a:t>
+            </a:r>
+            <a:r>
+              <a:rPr lang="en-US" b="1" i="1" dirty="0"/>
+              <a:t>7ϵ</a:t>
+            </a:r>
+            <a:r>
+              <a:rPr lang="en-US" dirty="0"/>
+              <a:t> and the partial derivative with respect to </a:t>
+            </a:r>
+            <a:r>
+              <a:rPr lang="en-US" b="1" i="1" dirty="0"/>
+              <a:t>y</a:t>
+            </a:r>
+            <a:r>
+              <a:rPr lang="en-US" dirty="0"/>
+              <a:t> is saying that if </a:t>
+            </a:r>
+            <a:r>
+              <a:rPr lang="en-US" b="1" i="1" dirty="0"/>
+              <a:t>y</a:t>
+            </a:r>
+            <a:r>
+              <a:rPr lang="en-US" dirty="0"/>
+              <a:t> value increase for some value </a:t>
+            </a:r>
+            <a:r>
+              <a:rPr lang="en-US" b="1" i="1" dirty="0"/>
+              <a:t>ϵ</a:t>
+            </a:r>
+            <a:r>
+              <a:rPr lang="en-US" dirty="0"/>
+              <a:t> then it would increase the function by </a:t>
+            </a:r>
+            <a:r>
+              <a:rPr lang="en-US" b="1" i="1" dirty="0"/>
+              <a:t>3ϵ</a:t>
+            </a:r>
+            <a:r>
+              <a:rPr lang="en-US" dirty="0"/>
+              <a:t>.</a:t>
+            </a:r>
+          </a:p>
+        </p:txBody>
+      </p:sp>
+      <p:pic>
+        <p:nvPicPr>
+          <p:cNvPr id="6146" name="Picture 2" descr="https://miro.medium.com/max/181/1*XIQYcgWQYLbIvgu6Rn-JrA.png"/>
+          <p:cNvPicPr>
+            <a:picLocks noChangeAspect="1" noChangeArrowheads="1"/>
+          </p:cNvPicPr>
+          <p:nvPr/>
+        </p:nvPicPr>
+        <p:blipFill>
+          <a:blip r:embed="rId2">
+            <a:extLst>
+              <a:ext uri="{28A0092B-C50C-407E-A947-70E740481C1C}">
+                <a14:useLocalDpi xmlns:a14="http://schemas.microsoft.com/office/drawing/2010/main" val="0"/>
+              </a:ext>
+            </a:extLst>
+          </a:blip>
+          <a:srcRect/>
+          <a:stretch>
+            <a:fillRect/>
+          </a:stretch>
+        </p:blipFill>
+        <p:spPr bwMode="auto">
+          <a:xfrm>
+            <a:off x="8284913" y="2788998"/>
+            <a:ext cx="3068887" cy="2424591"/>
+          </a:xfrm>
+          <a:prstGeom prst="rect">
+            <a:avLst/>
+          </a:prstGeom>
+          <a:noFill/>
+          <a:extLst>
+            <a:ext uri="{909E8E84-426E-40DD-AFC4-6F175D3DCCD1}">
+              <a14:hiddenFill xmlns:a14="http://schemas.microsoft.com/office/drawing/2010/main">
+                <a:solidFill>
+                  <a:srgbClr val="FFFFFF"/>
+                </a:solidFill>
+              </a14:hiddenFill>
+            </a:ext>
+          </a:extLst>
+        </p:spPr>
+      </p:pic>
+    </p:spTree>
+    <p:extLst>
+      <p:ext uri="{BB962C8B-B14F-4D97-AF65-F5344CB8AC3E}">
+        <p14:creationId xmlns:p14="http://schemas.microsoft.com/office/powerpoint/2010/main" val="3291957434"/>
+      </p:ext>
+    </p:extLst>
+  </p:cSld>
+  <p:clrMapOvr>
+    <a:masterClrMapping/>
+  </p:clrMapOvr>
+  <p:timing>
+    <p:tnLst>
+      <p:par>
+        <p:cTn id="1" dur="indefinite" restart="never" nodeType="tmRoot"/>
+      </p:par>
+    </p:tnLst>
+  </p:timing>
+</p:sld>
+</file>
+
+<file path=ppt/slides/slide18.xml><?xml version="1.0" encoding="utf-8"?>
+<p:sld xmlns:a="http://schemas.openxmlformats.org/drawingml/2006/main" xmlns:r="http://schemas.openxmlformats.org/officeDocument/2006/relationships" xmlns:p="http://schemas.openxmlformats.org/presentationml/2006/main">
+  <p:cSld>
+    <p:spTree>
+      <p:nvGrpSpPr>
+        <p:cNvPr id="1" name=""/>
+        <p:cNvGrpSpPr/>
+        <p:nvPr/>
+      </p:nvGrpSpPr>
+      <p:grpSpPr>
+        <a:xfrm>
+          <a:off x="0" y="0"/>
+          <a:ext cx="0" cy="0"/>
+          <a:chOff x="0" y="0"/>
+          <a:chExt cx="0" cy="0"/>
+        </a:xfrm>
+      </p:grpSpPr>
+      <p:sp>
+        <p:nvSpPr>
+          <p:cNvPr id="2" name="Title 1"/>
+          <p:cNvSpPr>
+            <a:spLocks noGrp="1"/>
+          </p:cNvSpPr>
+          <p:nvPr>
+            <p:ph type="title"/>
+          </p:nvPr>
+        </p:nvSpPr>
+        <p:spPr/>
+        <p:txBody>
+          <a:bodyPr/>
+          <a:lstStyle/>
+          <a:p>
+            <a:r>
+              <a:rPr lang="en-US" dirty="0" smtClean="0"/>
+              <a:t>Types of RNN</a:t>
+            </a:r>
+            <a:endParaRPr lang="en-US" dirty="0"/>
+          </a:p>
+        </p:txBody>
+      </p:sp>
+      <p:sp>
+        <p:nvSpPr>
+          <p:cNvPr id="3" name="Content Placeholder 2"/>
+          <p:cNvSpPr>
+            <a:spLocks noGrp="1"/>
+          </p:cNvSpPr>
+          <p:nvPr>
+            <p:ph idx="1"/>
+          </p:nvPr>
+        </p:nvSpPr>
+        <p:spPr/>
+        <p:txBody>
+          <a:bodyPr/>
+          <a:lstStyle/>
+          <a:p>
+            <a:r>
+              <a:rPr lang="en-US" dirty="0" smtClean="0"/>
+              <a:t> </a:t>
+            </a:r>
+            <a:endParaRPr lang="en-US" dirty="0"/>
+          </a:p>
+        </p:txBody>
+      </p:sp>
+      <p:pic>
+        <p:nvPicPr>
+          <p:cNvPr id="1026" name="Picture 2" descr="TensorFlow | Types of RNN - Javatpoint"/>
+          <p:cNvPicPr>
+            <a:picLocks noChangeAspect="1" noChangeArrowheads="1"/>
+          </p:cNvPicPr>
+          <p:nvPr/>
+        </p:nvPicPr>
+        <p:blipFill>
+          <a:blip r:embed="rId2">
+            <a:extLst>
+              <a:ext uri="{28A0092B-C50C-407E-A947-70E740481C1C}">
+                <a14:useLocalDpi xmlns:a14="http://schemas.microsoft.com/office/drawing/2010/main" val="0"/>
+              </a:ext>
+            </a:extLst>
+          </a:blip>
+          <a:srcRect/>
+          <a:stretch>
+            <a:fillRect/>
+          </a:stretch>
+        </p:blipFill>
+        <p:spPr bwMode="auto">
+          <a:xfrm>
+            <a:off x="1137708" y="1825625"/>
+            <a:ext cx="10580158" cy="4534353"/>
+          </a:xfrm>
+          <a:prstGeom prst="rect">
+            <a:avLst/>
+          </a:prstGeom>
+          <a:noFill/>
+          <a:extLst>
+            <a:ext uri="{909E8E84-426E-40DD-AFC4-6F175D3DCCD1}">
+              <a14:hiddenFill xmlns:a14="http://schemas.microsoft.com/office/drawing/2010/main">
+                <a:solidFill>
+                  <a:srgbClr val="FFFFFF"/>
+                </a:solidFill>
+              </a14:hiddenFill>
+            </a:ext>
+          </a:extLst>
+        </p:spPr>
+      </p:pic>
+    </p:spTree>
+    <p:extLst>
+      <p:ext uri="{BB962C8B-B14F-4D97-AF65-F5344CB8AC3E}">
+        <p14:creationId xmlns:p14="http://schemas.microsoft.com/office/powerpoint/2010/main" val="2141310495"/>
+      </p:ext>
+    </p:extLst>
+  </p:cSld>
+  <p:clrMapOvr>
+    <a:masterClrMapping/>
+  </p:clrMapOvr>
+  <p:timing>
+    <p:tnLst>
+      <p:par>
+        <p:cTn id="1" dur="indefinite" restart="never" nodeType="tmRoot"/>
+      </p:par>
+    </p:tnLst>
+  </p:timing>
+</p:sld>
+</file>
+
+<file path=ppt/slides/slide19.xml><?xml version="1.0" encoding="utf-8"?>
+<p:sld xmlns:a="http://schemas.openxmlformats.org/drawingml/2006/main" xmlns:r="http://schemas.openxmlformats.org/officeDocument/2006/relationships" xmlns:p="http://schemas.openxmlformats.org/presentationml/2006/main">
+  <p:cSld>
+    <p:spTree>
+      <p:nvGrpSpPr>
+        <p:cNvPr id="1" name=""/>
+        <p:cNvGrpSpPr/>
+        <p:nvPr/>
+      </p:nvGrpSpPr>
+      <p:grpSpPr>
+        <a:xfrm>
+          <a:off x="0" y="0"/>
+          <a:ext cx="0" cy="0"/>
+          <a:chOff x="0" y="0"/>
+          <a:chExt cx="0" cy="0"/>
+        </a:xfrm>
+      </p:grpSpPr>
+      <p:sp>
+        <p:nvSpPr>
+          <p:cNvPr id="2" name="Title 1"/>
+          <p:cNvSpPr>
+            <a:spLocks noGrp="1"/>
+          </p:cNvSpPr>
+          <p:nvPr>
+            <p:ph type="title"/>
+          </p:nvPr>
+        </p:nvSpPr>
+        <p:spPr/>
+        <p:txBody>
+          <a:bodyPr/>
+          <a:lstStyle/>
+          <a:p>
+            <a:endParaRPr lang="en-US" dirty="0"/>
+          </a:p>
+        </p:txBody>
+      </p:sp>
+      <p:sp>
+        <p:nvSpPr>
+          <p:cNvPr id="3" name="Content Placeholder 2"/>
+          <p:cNvSpPr>
+            <a:spLocks noGrp="1"/>
+          </p:cNvSpPr>
+          <p:nvPr>
+            <p:ph idx="1"/>
+          </p:nvPr>
+        </p:nvSpPr>
+        <p:spPr/>
+        <p:txBody>
+          <a:bodyPr/>
+          <a:lstStyle/>
+          <a:p>
+            <a:endParaRPr lang="en-US"/>
+          </a:p>
+        </p:txBody>
+      </p:sp>
+    </p:spTree>
+    <p:extLst>
+      <p:ext uri="{BB962C8B-B14F-4D97-AF65-F5344CB8AC3E}">
+        <p14:creationId xmlns:p14="http://schemas.microsoft.com/office/powerpoint/2010/main" val="3188959871"/>
+      </p:ext>
+    </p:extLst>
+  </p:cSld>
+  <p:clrMapOvr>
+    <a:masterClrMapping/>
+  </p:clrMapOvr>
+  <p:timing>
+    <p:tnLst>
+      <p:par>
+        <p:cTn id="1" dur="indefinite" restart="never" nodeType="tmRoot"/>
+      </p:par>
+    </p:tnLst>
+  </p:timing>
+</p:sld>
+</file>
+
+<file path=ppt/slides/slide2.xml><?xml version="1.0" encoding="utf-8"?>
+<p:sld xmlns:a="http://schemas.openxmlformats.org/drawingml/2006/main" xmlns:r="http://schemas.openxmlformats.org/officeDocument/2006/relationships" xmlns:p="http://schemas.openxmlformats.org/presentationml/2006/main">
+  <p:cSld>
+    <p:spTree>
+      <p:nvGrpSpPr>
+        <p:cNvPr id="1" name=""/>
+        <p:cNvGrpSpPr/>
+        <p:nvPr/>
+      </p:nvGrpSpPr>
+      <p:grpSpPr>
+        <a:xfrm>
+          <a:off x="0" y="0"/>
+          <a:ext cx="0" cy="0"/>
+          <a:chOff x="0" y="0"/>
+          <a:chExt cx="0" cy="0"/>
+        </a:xfrm>
+      </p:grpSpPr>
+      <p:sp>
+        <p:nvSpPr>
+          <p:cNvPr id="2" name="Title 1"/>
+          <p:cNvSpPr>
+            <a:spLocks noGrp="1"/>
+          </p:cNvSpPr>
+          <p:nvPr>
+            <p:ph type="title"/>
+          </p:nvPr>
+        </p:nvSpPr>
+        <p:spPr>
+          <a:xfrm>
+            <a:off x="838200" y="702010"/>
+            <a:ext cx="10515600" cy="684742"/>
+          </a:xfrm>
+        </p:spPr>
+        <p:txBody>
+          <a:bodyPr>
+            <a:normAutofit fontScale="90000"/>
+          </a:bodyPr>
+          <a:lstStyle/>
+          <a:p>
+            <a:r>
+              <a:rPr lang="en-US" dirty="0" smtClean="0"/>
+              <a:t>Contents</a:t>
+            </a:r>
+            <a:endParaRPr lang="en-US" dirty="0"/>
+          </a:p>
+        </p:txBody>
+      </p:sp>
+      <p:sp>
+        <p:nvSpPr>
+          <p:cNvPr id="3" name="Content Placeholder 2"/>
+          <p:cNvSpPr>
+            <a:spLocks noGrp="1"/>
+          </p:cNvSpPr>
+          <p:nvPr>
+            <p:ph idx="1"/>
+          </p:nvPr>
+        </p:nvSpPr>
+        <p:spPr>
+          <a:xfrm>
+            <a:off x="838200" y="1660358"/>
+            <a:ext cx="10515600" cy="4516605"/>
+          </a:xfrm>
+        </p:spPr>
+        <p:txBody>
+          <a:bodyPr/>
+          <a:lstStyle/>
+          <a:p>
+            <a:r>
+              <a:rPr lang="en-US" sz="3600" b="1" dirty="0" smtClean="0"/>
+              <a:t>Introduction to deep learning</a:t>
+            </a:r>
+          </a:p>
+          <a:p>
+            <a:r>
+              <a:rPr lang="en-US" sz="3600" b="1" dirty="0" smtClean="0"/>
+              <a:t>Deep learning Continued</a:t>
+            </a:r>
+          </a:p>
+          <a:p>
+            <a:r>
+              <a:rPr lang="en-US" sz="3600" b="1" dirty="0" smtClean="0"/>
+              <a:t>Introduction to shallow Neural Networks</a:t>
+            </a:r>
+          </a:p>
+          <a:p>
+            <a:r>
+              <a:rPr lang="en-US" sz="3600" b="1" dirty="0" smtClean="0"/>
+              <a:t>Introduction to Deep Neural Networks</a:t>
+            </a:r>
+          </a:p>
+          <a:p>
+            <a:pPr marL="0" indent="0">
+              <a:buNone/>
+            </a:pPr>
+            <a:endParaRPr lang="en-US" b="1" dirty="0"/>
+          </a:p>
+        </p:txBody>
+      </p:sp>
+    </p:spTree>
+    <p:extLst>
+      <p:ext uri="{BB962C8B-B14F-4D97-AF65-F5344CB8AC3E}">
+        <p14:creationId xmlns:p14="http://schemas.microsoft.com/office/powerpoint/2010/main" val="706458376"/>
+      </p:ext>
+    </p:extLst>
+  </p:cSld>
+  <p:clrMapOvr>
+    <a:masterClrMapping/>
+  </p:clrMapOvr>
+  <p:timing>
+    <p:tnLst>
+      <p:par>
+        <p:cTn id="1" dur="indefinite" restart="never" nodeType="tmRoot"/>
+      </p:par>
+    </p:tnLst>
+  </p:timing>
+</p:sld>
+</file>
+
+<file path=ppt/slides/slide3.xml><?xml version="1.0" encoding="utf-8"?>
+<p:sld xmlns:a="http://schemas.openxmlformats.org/drawingml/2006/main" xmlns:r="http://schemas.openxmlformats.org/officeDocument/2006/relationships" xmlns:p="http://schemas.openxmlformats.org/presentationml/2006/main">
+  <p:cSld>
+    <p:spTree>
+      <p:nvGrpSpPr>
+        <p:cNvPr id="1" name=""/>
+        <p:cNvGrpSpPr/>
+        <p:nvPr/>
+      </p:nvGrpSpPr>
+      <p:grpSpPr>
+        <a:xfrm>
+          <a:off x="0" y="0"/>
+          <a:ext cx="0" cy="0"/>
+          <a:chOff x="0" y="0"/>
+          <a:chExt cx="0" cy="0"/>
+        </a:xfrm>
+      </p:grpSpPr>
+      <p:sp>
+        <p:nvSpPr>
+          <p:cNvPr id="2" name="Title 1"/>
+          <p:cNvSpPr>
+            <a:spLocks noGrp="1"/>
+          </p:cNvSpPr>
+          <p:nvPr>
+            <p:ph type="title"/>
+          </p:nvPr>
+        </p:nvSpPr>
+        <p:spPr/>
+        <p:txBody>
+          <a:bodyPr/>
+          <a:lstStyle/>
+          <a:p>
+            <a:r>
+              <a:rPr lang="en-US" dirty="0" smtClean="0"/>
+              <a:t>What's deep learning</a:t>
+            </a:r>
+            <a:endParaRPr lang="en-US" dirty="0"/>
+          </a:p>
+        </p:txBody>
+      </p:sp>
+      <p:sp>
+        <p:nvSpPr>
+          <p:cNvPr id="3" name="Content Placeholder 2"/>
+          <p:cNvSpPr>
+            <a:spLocks noGrp="1"/>
+          </p:cNvSpPr>
+          <p:nvPr>
+            <p:ph idx="1"/>
+          </p:nvPr>
+        </p:nvSpPr>
+        <p:spPr/>
+        <p:txBody>
+          <a:bodyPr>
+            <a:normAutofit/>
+          </a:bodyPr>
+          <a:lstStyle/>
+          <a:p>
+            <a:pPr marL="0" indent="0" algn="just">
+              <a:lnSpc>
+                <a:spcPct val="150000"/>
+              </a:lnSpc>
+              <a:buNone/>
+            </a:pPr>
+            <a:r>
+              <a:rPr lang="en-US" sz="3600" b="1" dirty="0"/>
+              <a:t>Deep learning is a branch of </a:t>
+            </a:r>
+            <a:r>
+              <a:rPr lang="en-US" sz="3600" b="1" dirty="0">
+                <a:solidFill>
+                  <a:schemeClr val="accent5"/>
+                </a:solidFill>
+              </a:rPr>
+              <a:t>machine learning </a:t>
+            </a:r>
+            <a:r>
+              <a:rPr lang="en-US" sz="3600" b="1" dirty="0"/>
+              <a:t>which is completely based on </a:t>
+            </a:r>
+            <a:r>
+              <a:rPr lang="en-US" sz="3600" b="1" dirty="0">
+                <a:solidFill>
+                  <a:schemeClr val="accent5"/>
+                </a:solidFill>
+              </a:rPr>
+              <a:t>artificial neural networks</a:t>
+            </a:r>
+            <a:r>
+              <a:rPr lang="en-US" sz="3600" b="1" dirty="0"/>
+              <a:t>, as neural network is going to mimic </a:t>
+            </a:r>
+            <a:r>
+              <a:rPr lang="en-US" sz="3600" b="1" dirty="0">
+                <a:solidFill>
+                  <a:schemeClr val="accent5"/>
+                </a:solidFill>
+              </a:rPr>
+              <a:t>the human brain </a:t>
+            </a:r>
+            <a:r>
+              <a:rPr lang="en-US" sz="3600" b="1" dirty="0"/>
+              <a:t>so </a:t>
+            </a:r>
+            <a:r>
+              <a:rPr lang="en-US" sz="3600" b="1" dirty="0">
+                <a:solidFill>
+                  <a:schemeClr val="accent5"/>
+                </a:solidFill>
+              </a:rPr>
+              <a:t>deep learning </a:t>
+            </a:r>
+            <a:r>
+              <a:rPr lang="en-US" sz="3600" b="1" dirty="0"/>
+              <a:t>is also a kind of mimic of human brain. </a:t>
+            </a:r>
+          </a:p>
+        </p:txBody>
+      </p:sp>
+    </p:spTree>
+    <p:extLst>
+      <p:ext uri="{BB962C8B-B14F-4D97-AF65-F5344CB8AC3E}">
+        <p14:creationId xmlns:p14="http://schemas.microsoft.com/office/powerpoint/2010/main" val="2214684984"/>
+      </p:ext>
+    </p:extLst>
+  </p:cSld>
+  <p:clrMapOvr>
+    <a:masterClrMapping/>
+  </p:clrMapOvr>
+  <p:timing>
+    <p:tnLst>
+      <p:par>
+        <p:cTn id="1" dur="indefinite" restart="never" nodeType="tmRoot"/>
+      </p:par>
+    </p:tnLst>
+  </p:timing>
+</p:sld>
+</file>
+
+<file path=ppt/slides/slide4.xml><?xml version="1.0" encoding="utf-8"?>
+<p:sld xmlns:a="http://schemas.openxmlformats.org/drawingml/2006/main" xmlns:r="http://schemas.openxmlformats.org/officeDocument/2006/relationships" xmlns:p="http://schemas.openxmlformats.org/presentationml/2006/main">
+  <p:cSld>
+    <p:spTree>
+      <p:nvGrpSpPr>
+        <p:cNvPr id="1" name=""/>
+        <p:cNvGrpSpPr/>
+        <p:nvPr/>
+      </p:nvGrpSpPr>
+      <p:grpSpPr>
+        <a:xfrm>
+          <a:off x="0" y="0"/>
+          <a:ext cx="0" cy="0"/>
+          <a:chOff x="0" y="0"/>
+          <a:chExt cx="0" cy="0"/>
+        </a:xfrm>
+      </p:grpSpPr>
+      <p:sp>
+        <p:nvSpPr>
+          <p:cNvPr id="2" name="Title 1"/>
+          <p:cNvSpPr>
+            <a:spLocks noGrp="1"/>
+          </p:cNvSpPr>
+          <p:nvPr>
+            <p:ph type="title"/>
+          </p:nvPr>
+        </p:nvSpPr>
+        <p:spPr/>
+        <p:txBody>
+          <a:bodyPr/>
+          <a:lstStyle/>
+          <a:p>
+            <a:r>
+              <a:rPr lang="en-US" dirty="0" smtClean="0"/>
+              <a:t>Introduction To Deep Learning</a:t>
+            </a:r>
+            <a:endParaRPr lang="en-US" dirty="0"/>
+          </a:p>
+        </p:txBody>
+      </p:sp>
+      <p:sp>
+        <p:nvSpPr>
+          <p:cNvPr id="3" name="Content Placeholder 2"/>
+          <p:cNvSpPr>
+            <a:spLocks noGrp="1"/>
+          </p:cNvSpPr>
+          <p:nvPr>
+            <p:ph idx="1"/>
+          </p:nvPr>
+        </p:nvSpPr>
+        <p:spPr>
+          <a:xfrm>
+            <a:off x="838200" y="1464678"/>
+            <a:ext cx="10515600" cy="4351338"/>
+          </a:xfrm>
+        </p:spPr>
+        <p:txBody>
+          <a:bodyPr/>
+          <a:lstStyle/>
+          <a:p>
+            <a:pPr marL="0" indent="0" algn="just">
+              <a:lnSpc>
+                <a:spcPct val="150000"/>
+              </a:lnSpc>
+              <a:buNone/>
+            </a:pPr>
+            <a:r>
+              <a:rPr lang="en-US" dirty="0"/>
+              <a:t>Deep learning is a particular kind of machine learning that achieves great power and flexibility by learning to represent the world as a nested hierarchy of concepts, with each concept defined in relation to simpler concepts, and more abstract representations computed in terms of less abstract ones.</a:t>
+            </a:r>
+          </a:p>
+        </p:txBody>
+      </p:sp>
+    </p:spTree>
+    <p:extLst>
+      <p:ext uri="{BB962C8B-B14F-4D97-AF65-F5344CB8AC3E}">
+        <p14:creationId xmlns:p14="http://schemas.microsoft.com/office/powerpoint/2010/main" val="722790221"/>
+      </p:ext>
+    </p:extLst>
+  </p:cSld>
+  <p:clrMapOvr>
+    <a:masterClrMapping/>
+  </p:clrMapOvr>
+  <p:timing>
+    <p:tnLst>
+      <p:par>
+        <p:cTn id="1" dur="indefinite" restart="never" nodeType="tmRoot"/>
+      </p:par>
+    </p:tnLst>
+  </p:timing>
+</p:sld>
+</file>
+
+<file path=ppt/slides/slide5.xml><?xml version="1.0" encoding="utf-8"?>
+<p:sld xmlns:a="http://schemas.openxmlformats.org/drawingml/2006/main" xmlns:r="http://schemas.openxmlformats.org/officeDocument/2006/relationships" xmlns:p="http://schemas.openxmlformats.org/presentationml/2006/main">
+  <p:cSld>
+    <p:spTree>
+      <p:nvGrpSpPr>
+        <p:cNvPr id="1" name=""/>
+        <p:cNvGrpSpPr/>
+        <p:nvPr/>
+      </p:nvGrpSpPr>
+      <p:grpSpPr>
+        <a:xfrm>
+          <a:off x="0" y="0"/>
+          <a:ext cx="0" cy="0"/>
+          <a:chOff x="0" y="0"/>
+          <a:chExt cx="0" cy="0"/>
+        </a:xfrm>
+      </p:grpSpPr>
+      <p:sp>
+        <p:nvSpPr>
+          <p:cNvPr id="2" name="Title 1"/>
+          <p:cNvSpPr>
+            <a:spLocks noGrp="1"/>
+          </p:cNvSpPr>
+          <p:nvPr>
+            <p:ph type="title"/>
+          </p:nvPr>
+        </p:nvSpPr>
+        <p:spPr/>
+        <p:txBody>
+          <a:bodyPr/>
+          <a:lstStyle/>
+          <a:p>
+            <a:r>
+              <a:rPr lang="en-US" dirty="0"/>
+              <a:t>Architectures </a:t>
+            </a:r>
+          </a:p>
+        </p:txBody>
+      </p:sp>
+      <p:sp>
+        <p:nvSpPr>
+          <p:cNvPr id="3" name="Content Placeholder 2"/>
+          <p:cNvSpPr>
+            <a:spLocks noGrp="1"/>
+          </p:cNvSpPr>
+          <p:nvPr>
+            <p:ph idx="1"/>
+          </p:nvPr>
+        </p:nvSpPr>
+        <p:spPr>
+          <a:xfrm>
+            <a:off x="838200" y="1825625"/>
+            <a:ext cx="10515600" cy="4767680"/>
+          </a:xfrm>
+        </p:spPr>
+        <p:txBody>
+          <a:bodyPr>
+            <a:normAutofit fontScale="92500" lnSpcReduction="20000"/>
+          </a:bodyPr>
+          <a:lstStyle/>
+          <a:p>
+            <a:pPr>
+              <a:lnSpc>
+                <a:spcPct val="150000"/>
+              </a:lnSpc>
+            </a:pPr>
+            <a:r>
+              <a:rPr lang="en-US" dirty="0"/>
+              <a:t>In human brain approximately 100 billion neurons all together this is a picture of an individual neuron and each neuron is connected through thousand of their </a:t>
+            </a:r>
+            <a:r>
+              <a:rPr lang="en-US" dirty="0" smtClean="0"/>
+              <a:t>neighbors.</a:t>
+            </a:r>
+            <a:endParaRPr lang="en-US" dirty="0"/>
+          </a:p>
+          <a:p>
+            <a:pPr>
+              <a:lnSpc>
+                <a:spcPct val="150000"/>
+              </a:lnSpc>
+            </a:pPr>
+            <a:r>
+              <a:rPr lang="en-US" dirty="0"/>
+              <a:t>The question here is how do we recreate these neurons in a computer. So, we create an artificial structure called an artificial neural net where we have nodes or neurons. </a:t>
+            </a:r>
+            <a:endParaRPr lang="en-US" dirty="0" smtClean="0"/>
+          </a:p>
+          <a:p>
+            <a:pPr>
+              <a:lnSpc>
+                <a:spcPct val="150000"/>
+              </a:lnSpc>
+            </a:pPr>
+            <a:r>
+              <a:rPr lang="en-US" dirty="0" smtClean="0"/>
+              <a:t>We </a:t>
+            </a:r>
+            <a:r>
+              <a:rPr lang="en-US" dirty="0"/>
+              <a:t>have some neurons for input value and some for output value and in between, there may be lots of neurons interconnected in the hidden layer.</a:t>
+            </a:r>
+          </a:p>
+        </p:txBody>
+      </p:sp>
+    </p:spTree>
+    <p:extLst>
+      <p:ext uri="{BB962C8B-B14F-4D97-AF65-F5344CB8AC3E}">
+        <p14:creationId xmlns:p14="http://schemas.microsoft.com/office/powerpoint/2010/main" val="2226053930"/>
+      </p:ext>
+    </p:extLst>
+  </p:cSld>
+  <p:clrMapOvr>
+    <a:masterClrMapping/>
+  </p:clrMapOvr>
+  <p:timing>
+    <p:tnLst>
+      <p:par>
+        <p:cTn id="1" dur="indefinite" restart="never" nodeType="tmRoot"/>
+      </p:par>
+    </p:tnLst>
+  </p:timing>
+</p:sld>
+</file>
+
+<file path=ppt/slides/slide6.xml><?xml version="1.0" encoding="utf-8"?>
+<p:sld xmlns:a="http://schemas.openxmlformats.org/drawingml/2006/main" xmlns:r="http://schemas.openxmlformats.org/officeDocument/2006/relationships" xmlns:p="http://schemas.openxmlformats.org/presentationml/2006/main">
+  <p:cSld>
+    <p:spTree>
+      <p:nvGrpSpPr>
+        <p:cNvPr id="1" name=""/>
+        <p:cNvGrpSpPr/>
+        <p:nvPr/>
+      </p:nvGrpSpPr>
+      <p:grpSpPr>
+        <a:xfrm>
+          <a:off x="0" y="0"/>
+          <a:ext cx="0" cy="0"/>
+          <a:chOff x="0" y="0"/>
+          <a:chExt cx="0" cy="0"/>
+        </a:xfrm>
+      </p:grpSpPr>
+      <p:sp>
+        <p:nvSpPr>
+          <p:cNvPr id="2" name="Title 1"/>
+          <p:cNvSpPr>
+            <a:spLocks noGrp="1"/>
+          </p:cNvSpPr>
+          <p:nvPr>
+            <p:ph type="title"/>
+          </p:nvPr>
+        </p:nvSpPr>
+        <p:spPr/>
+        <p:txBody>
+          <a:bodyPr/>
+          <a:lstStyle/>
+          <a:p>
+            <a:r>
+              <a:rPr lang="en-US" dirty="0" smtClean="0"/>
+              <a:t> </a:t>
+            </a:r>
+            <a:endParaRPr lang="en-US" dirty="0"/>
+          </a:p>
+        </p:txBody>
+      </p:sp>
+      <p:pic>
+        <p:nvPicPr>
+          <p:cNvPr id="2050" name="Picture 2" descr="Lightbox"/>
+          <p:cNvPicPr>
+            <a:picLocks noChangeAspect="1" noChangeArrowheads="1"/>
+          </p:cNvPicPr>
+          <p:nvPr/>
+        </p:nvPicPr>
+        <p:blipFill>
+          <a:blip r:embed="rId2">
+            <a:extLst>
+              <a:ext uri="{28A0092B-C50C-407E-A947-70E740481C1C}">
+                <a14:useLocalDpi xmlns:a14="http://schemas.microsoft.com/office/drawing/2010/main" val="0"/>
+              </a:ext>
+            </a:extLst>
+          </a:blip>
+          <a:srcRect/>
+          <a:stretch>
+            <a:fillRect/>
+          </a:stretch>
+        </p:blipFill>
+        <p:spPr bwMode="auto">
+          <a:xfrm>
+            <a:off x="2754103" y="186794"/>
+            <a:ext cx="6683793" cy="6671206"/>
+          </a:xfrm>
+          <a:prstGeom prst="rect">
+            <a:avLst/>
+          </a:prstGeom>
+          <a:noFill/>
+          <a:extLst>
+            <a:ext uri="{909E8E84-426E-40DD-AFC4-6F175D3DCCD1}">
+              <a14:hiddenFill xmlns:a14="http://schemas.microsoft.com/office/drawing/2010/main">
+                <a:solidFill>
+                  <a:srgbClr val="FFFFFF"/>
+                </a:solidFill>
+              </a14:hiddenFill>
+            </a:ext>
+          </a:extLst>
+        </p:spPr>
+      </p:pic>
+    </p:spTree>
+    <p:extLst>
+      <p:ext uri="{BB962C8B-B14F-4D97-AF65-F5344CB8AC3E}">
+        <p14:creationId xmlns:p14="http://schemas.microsoft.com/office/powerpoint/2010/main" val="119472369"/>
+      </p:ext>
+    </p:extLst>
+  </p:cSld>
+  <p:clrMapOvr>
+    <a:masterClrMapping/>
+  </p:clrMapOvr>
+  <p:timing>
+    <p:tnLst>
+      <p:par>
+        <p:cTn id="1" dur="indefinite" restart="never" nodeType="tmRoot"/>
+      </p:par>
+    </p:tnLst>
+  </p:timing>
+</p:sld>
+</file>
+
+<file path=ppt/slides/slide7.xml><?xml version="1.0" encoding="utf-8"?>
+<p:sld xmlns:a="http://schemas.openxmlformats.org/drawingml/2006/main" xmlns:r="http://schemas.openxmlformats.org/officeDocument/2006/relationships" xmlns:p="http://schemas.openxmlformats.org/presentationml/2006/main">
+  <p:cSld>
+    <p:spTree>
+      <p:nvGrpSpPr>
+        <p:cNvPr id="1" name=""/>
+        <p:cNvGrpSpPr/>
+        <p:nvPr/>
+      </p:nvGrpSpPr>
+      <p:grpSpPr>
+        <a:xfrm>
+          <a:off x="0" y="0"/>
+          <a:ext cx="0" cy="0"/>
+          <a:chOff x="0" y="0"/>
+          <a:chExt cx="0" cy="0"/>
+        </a:xfrm>
+      </p:grpSpPr>
+      <p:sp>
+        <p:nvSpPr>
+          <p:cNvPr id="2" name="Title 1"/>
+          <p:cNvSpPr>
+            <a:spLocks noGrp="1"/>
+          </p:cNvSpPr>
+          <p:nvPr>
+            <p:ph type="title"/>
+          </p:nvPr>
+        </p:nvSpPr>
+        <p:spPr/>
+        <p:txBody>
+          <a:bodyPr/>
+          <a:lstStyle/>
+          <a:p>
+            <a:r>
+              <a:rPr lang="en-US" dirty="0" smtClean="0"/>
+              <a:t>Neural Network Concept</a:t>
+            </a:r>
+            <a:endParaRPr lang="en-US" dirty="0"/>
+          </a:p>
+        </p:txBody>
+      </p:sp>
+      <p:pic>
+        <p:nvPicPr>
+          <p:cNvPr id="7" name="Picture 6"/>
+          <p:cNvPicPr>
+            <a:picLocks noChangeAspect="1"/>
+          </p:cNvPicPr>
+          <p:nvPr/>
+        </p:nvPicPr>
+        <p:blipFill>
+          <a:blip r:embed="rId2"/>
+          <a:stretch>
+            <a:fillRect/>
+          </a:stretch>
+        </p:blipFill>
+        <p:spPr>
+          <a:xfrm>
+            <a:off x="771525" y="1690688"/>
+            <a:ext cx="10648950" cy="4505325"/>
+          </a:xfrm>
+          <a:prstGeom prst="rect">
+            <a:avLst/>
+          </a:prstGeom>
+        </p:spPr>
+      </p:pic>
+    </p:spTree>
+    <p:extLst>
+      <p:ext uri="{BB962C8B-B14F-4D97-AF65-F5344CB8AC3E}">
+        <p14:creationId xmlns:p14="http://schemas.microsoft.com/office/powerpoint/2010/main" val="2296222608"/>
+      </p:ext>
+    </p:extLst>
+  </p:cSld>
+  <p:clrMapOvr>
+    <a:masterClrMapping/>
+  </p:clrMapOvr>
+  <p:timing>
+    <p:tnLst>
+      <p:par>
+        <p:cTn id="1" dur="indefinite" restart="never" nodeType="tmRoot"/>
+      </p:par>
+    </p:tnLst>
+  </p:timing>
+</p:sld>
+</file>
+
+<file path=ppt/slides/slide8.xml><?xml version="1.0" encoding="utf-8"?>
+<p:sld xmlns:a="http://schemas.openxmlformats.org/drawingml/2006/main" xmlns:r="http://schemas.openxmlformats.org/officeDocument/2006/relationships" xmlns:p="http://schemas.openxmlformats.org/presentationml/2006/main">
+  <p:cSld>
+    <p:spTree>
+      <p:nvGrpSpPr>
+        <p:cNvPr id="1" name=""/>
+        <p:cNvGrpSpPr/>
+        <p:nvPr/>
+      </p:nvGrpSpPr>
+      <p:grpSpPr>
+        <a:xfrm>
+          <a:off x="0" y="0"/>
+          <a:ext cx="0" cy="0"/>
+          <a:chOff x="0" y="0"/>
+          <a:chExt cx="0" cy="0"/>
+        </a:xfrm>
+      </p:grpSpPr>
+      <p:sp>
+        <p:nvSpPr>
+          <p:cNvPr id="2" name="Title 1"/>
+          <p:cNvSpPr>
+            <a:spLocks noGrp="1"/>
+          </p:cNvSpPr>
+          <p:nvPr>
+            <p:ph type="title"/>
+          </p:nvPr>
+        </p:nvSpPr>
+        <p:spPr/>
+        <p:txBody>
+          <a:bodyPr/>
+          <a:lstStyle/>
+          <a:p>
+            <a:r>
+              <a:rPr lang="en-US" dirty="0"/>
+              <a:t>Architectures </a:t>
+            </a:r>
+          </a:p>
+        </p:txBody>
+      </p:sp>
+      <p:pic>
+        <p:nvPicPr>
+          <p:cNvPr id="1026" name="Picture 2" descr="https://miro.medium.com/max/720/1*7tgDGwjdz9TFsRVCEJROPA.png"/>
+          <p:cNvPicPr>
+            <a:picLocks noChangeAspect="1" noChangeArrowheads="1"/>
+          </p:cNvPicPr>
+          <p:nvPr/>
+        </p:nvPicPr>
+        <p:blipFill>
+          <a:blip r:embed="rId2">
+            <a:extLst>
+              <a:ext uri="{28A0092B-C50C-407E-A947-70E740481C1C}">
+                <a14:useLocalDpi xmlns:a14="http://schemas.microsoft.com/office/drawing/2010/main" val="0"/>
+              </a:ext>
+            </a:extLst>
+          </a:blip>
+          <a:srcRect/>
+          <a:stretch>
+            <a:fillRect/>
+          </a:stretch>
+        </p:blipFill>
+        <p:spPr bwMode="auto">
+          <a:xfrm>
+            <a:off x="299953" y="1690688"/>
+            <a:ext cx="11418805" cy="4693217"/>
+          </a:xfrm>
+          <a:prstGeom prst="rect">
+            <a:avLst/>
+          </a:prstGeom>
+          <a:noFill/>
+          <a:extLst>
+            <a:ext uri="{909E8E84-426E-40DD-AFC4-6F175D3DCCD1}">
+              <a14:hiddenFill xmlns:a14="http://schemas.microsoft.com/office/drawing/2010/main">
+                <a:solidFill>
+                  <a:srgbClr val="FFFFFF"/>
+                </a:solidFill>
+              </a14:hiddenFill>
+            </a:ext>
+          </a:extLst>
+        </p:spPr>
+      </p:pic>
+    </p:spTree>
+    <p:extLst>
+      <p:ext uri="{BB962C8B-B14F-4D97-AF65-F5344CB8AC3E}">
+        <p14:creationId xmlns:p14="http://schemas.microsoft.com/office/powerpoint/2010/main" val="401099315"/>
+      </p:ext>
+    </p:extLst>
+  </p:cSld>
+  <p:clrMapOvr>
+    <a:masterClrMapping/>
+  </p:clrMapOvr>
+  <p:timing>
+    <p:tnLst>
+      <p:par>
+        <p:cTn id="1" dur="indefinite" restart="never" nodeType="tmRoot"/>
+      </p:par>
+    </p:tnLst>
+  </p:timing>
+</p:sld>
+</file>
+
 <file path=ppt/slides/slide9.xml><?xml version="1.0" encoding="utf-8"?>
 <p:sld xmlns:a="http://schemas.openxmlformats.org/drawingml/2006/main" xmlns:r="http://schemas.openxmlformats.org/officeDocument/2006/relationships" xmlns:p="http://schemas.openxmlformats.org/presentationml/2006/main">
   <p:cSld>
@@ -5541,7 +6082,7 @@
           <a:p>
             <a:r>
               <a:rPr lang="en-US" b="1" dirty="0" smtClean="0"/>
-              <a:t>Bias Node</a:t>
+              <a:t>Activation Functions</a:t>
             </a:r>
             <a:br>
               <a:rPr lang="en-US" b="1" dirty="0" smtClean="0"/>
@@ -5562,76 +6103,32 @@
         </p:nvSpPr>
         <p:spPr/>
         <p:txBody>
-          <a:bodyPr>
-            <a:normAutofit/>
-          </a:bodyPr>
+          <a:bodyPr/>
           <a:lstStyle/>
           <a:p>
             <a:r>
               <a:rPr lang="en-US" dirty="0" smtClean="0"/>
-              <a:t>Using </a:t>
+              <a:t>In </a:t>
             </a:r>
             <a:r>
               <a:rPr lang="en-US" dirty="0"/>
-              <a:t>“bias” node is usually critical for creating successful learning model. In short, </a:t>
+              <a:t>Neural Network the activation function defines if given node should be “activated” or not based on the weighted sum. Let’s define this weighted sum value as </a:t>
             </a:r>
             <a:r>
               <a:rPr lang="en-US" b="1" i="1" dirty="0"/>
-              <a:t>a bias value allows to shift the activation function to the left or right </a:t>
+              <a:t>z</a:t>
             </a:r>
             <a:r>
               <a:rPr lang="en-US" dirty="0"/>
-              <a:t>and it helps getting </a:t>
-            </a:r>
-            <a:r>
-              <a:rPr lang="en-US" b="1" dirty="0"/>
-              <a:t>better fit for the data</a:t>
+              <a:t>. In this section I would explain why “Step Function” and “Linear Function” won’t work and talk about “</a:t>
+            </a:r>
+            <a:r>
+              <a:rPr lang="en-US" i="1" dirty="0"/>
+              <a:t>Sigmoid Function</a:t>
             </a:r>
             <a:r>
               <a:rPr lang="en-US" dirty="0"/>
-              <a:t> (better prediction function as output).</a:t>
-            </a:r>
-          </a:p>
-          <a:p>
-            <a:r>
-              <a:rPr lang="en-US" dirty="0"/>
-              <a:t>Below there are 3 Sigmoid functions that I draw where you can notice how multiplication/add/subtract the variable </a:t>
-            </a:r>
-            <a:r>
-              <a:rPr lang="en-US" i="1" dirty="0"/>
-              <a:t>x</a:t>
-            </a:r>
-            <a:r>
-              <a:rPr lang="en-US" dirty="0"/>
-              <a:t> by some value can influence the function.</a:t>
-            </a:r>
-          </a:p>
-          <a:p>
-            <a:r>
-              <a:rPr lang="en-US" dirty="0"/>
-              <a:t>Multiplying </a:t>
-            </a:r>
-            <a:r>
-              <a:rPr lang="en-US" b="1" i="1" dirty="0"/>
-              <a:t>x</a:t>
-            </a:r>
-            <a:r>
-              <a:rPr lang="en-US" dirty="0"/>
-              <a:t> — makes the function steeper</a:t>
-            </a:r>
-          </a:p>
-          <a:p>
-            <a:r>
-              <a:rPr lang="en-US" dirty="0"/>
-              <a:t>Add/Subtract </a:t>
-            </a:r>
-            <a:r>
-              <a:rPr lang="en-US" b="1" i="1" dirty="0"/>
-              <a:t>x</a:t>
-            </a:r>
-            <a:r>
-              <a:rPr lang="en-US" dirty="0"/>
-              <a:t> — shift the function left/right</a:t>
+              <a:t>” one of the most popular activation functions. There are also other functions which I will leave aside for now.</a:t>
             </a:r>
           </a:p>
           <a:p>
@@ -5642,7 +6139,7 @@
     </p:spTree>
     <p:extLst>
       <p:ext uri="{BB962C8B-B14F-4D97-AF65-F5344CB8AC3E}">
-        <p14:creationId xmlns:p14="http://schemas.microsoft.com/office/powerpoint/2010/main" val="4101312261"/>
+        <p14:creationId xmlns:p14="http://schemas.microsoft.com/office/powerpoint/2010/main" val="2733774951"/>
       </p:ext>
     </p:extLst>
   </p:cSld>

--- a/Module7/7ppt.pptx
+++ b/Module7/7ppt.pptx
@@ -7,23 +7,29 @@
   <p:sldIdLst>
     <p:sldId id="256" r:id="rId2"/>
     <p:sldId id="270" r:id="rId3"/>
-    <p:sldId id="271" r:id="rId4"/>
-    <p:sldId id="272" r:id="rId5"/>
-    <p:sldId id="273" r:id="rId6"/>
-    <p:sldId id="275" r:id="rId7"/>
-    <p:sldId id="257" r:id="rId8"/>
-    <p:sldId id="274" r:id="rId9"/>
-    <p:sldId id="258" r:id="rId10"/>
-    <p:sldId id="259" r:id="rId11"/>
-    <p:sldId id="260" r:id="rId12"/>
-    <p:sldId id="261" r:id="rId13"/>
-    <p:sldId id="262" r:id="rId14"/>
-    <p:sldId id="263" r:id="rId15"/>
-    <p:sldId id="264" r:id="rId16"/>
-    <p:sldId id="265" r:id="rId17"/>
-    <p:sldId id="266" r:id="rId18"/>
-    <p:sldId id="268" r:id="rId19"/>
-    <p:sldId id="269" r:id="rId20"/>
+    <p:sldId id="281" r:id="rId4"/>
+    <p:sldId id="280" r:id="rId5"/>
+    <p:sldId id="271" r:id="rId6"/>
+    <p:sldId id="272" r:id="rId7"/>
+    <p:sldId id="275" r:id="rId8"/>
+    <p:sldId id="273" r:id="rId9"/>
+    <p:sldId id="274" r:id="rId10"/>
+    <p:sldId id="257" r:id="rId11"/>
+    <p:sldId id="258" r:id="rId12"/>
+    <p:sldId id="259" r:id="rId13"/>
+    <p:sldId id="260" r:id="rId14"/>
+    <p:sldId id="261" r:id="rId15"/>
+    <p:sldId id="262" r:id="rId16"/>
+    <p:sldId id="263" r:id="rId17"/>
+    <p:sldId id="264" r:id="rId18"/>
+    <p:sldId id="265" r:id="rId19"/>
+    <p:sldId id="266" r:id="rId20"/>
+    <p:sldId id="268" r:id="rId21"/>
+    <p:sldId id="277" r:id="rId22"/>
+    <p:sldId id="269" r:id="rId23"/>
+    <p:sldId id="278" r:id="rId24"/>
+    <p:sldId id="276" r:id="rId25"/>
+    <p:sldId id="279" r:id="rId26"/>
   </p:sldIdLst>
   <p:sldSz cx="12192000" cy="6858000"/>
   <p:notesSz cx="6858000" cy="9144000"/>
@@ -261,7 +267,7 @@
           <a:p>
             <a:fld id="{B91EF97D-1F30-4156-A168-DAEF7BA4869F}" type="datetimeFigureOut">
               <a:rPr lang="en-US" smtClean="0"/>
-              <a:t>10/25/2022</a:t>
+              <a:t>11/4/2022</a:t>
             </a:fld>
             <a:endParaRPr lang="en-US"/>
           </a:p>
@@ -431,7 +437,7 @@
           <a:p>
             <a:fld id="{B91EF97D-1F30-4156-A168-DAEF7BA4869F}" type="datetimeFigureOut">
               <a:rPr lang="en-US" smtClean="0"/>
-              <a:t>10/25/2022</a:t>
+              <a:t>11/4/2022</a:t>
             </a:fld>
             <a:endParaRPr lang="en-US"/>
           </a:p>
@@ -611,7 +617,7 @@
           <a:p>
             <a:fld id="{B91EF97D-1F30-4156-A168-DAEF7BA4869F}" type="datetimeFigureOut">
               <a:rPr lang="en-US" smtClean="0"/>
-              <a:t>10/25/2022</a:t>
+              <a:t>11/4/2022</a:t>
             </a:fld>
             <a:endParaRPr lang="en-US"/>
           </a:p>
@@ -781,7 +787,7 @@
           <a:p>
             <a:fld id="{B91EF97D-1F30-4156-A168-DAEF7BA4869F}" type="datetimeFigureOut">
               <a:rPr lang="en-US" smtClean="0"/>
-              <a:t>10/25/2022</a:t>
+              <a:t>11/4/2022</a:t>
             </a:fld>
             <a:endParaRPr lang="en-US"/>
           </a:p>
@@ -1027,7 +1033,7 @@
           <a:p>
             <a:fld id="{B91EF97D-1F30-4156-A168-DAEF7BA4869F}" type="datetimeFigureOut">
               <a:rPr lang="en-US" smtClean="0"/>
-              <a:t>10/25/2022</a:t>
+              <a:t>11/4/2022</a:t>
             </a:fld>
             <a:endParaRPr lang="en-US"/>
           </a:p>
@@ -1259,7 +1265,7 @@
           <a:p>
             <a:fld id="{B91EF97D-1F30-4156-A168-DAEF7BA4869F}" type="datetimeFigureOut">
               <a:rPr lang="en-US" smtClean="0"/>
-              <a:t>10/25/2022</a:t>
+              <a:t>11/4/2022</a:t>
             </a:fld>
             <a:endParaRPr lang="en-US"/>
           </a:p>
@@ -1626,7 +1632,7 @@
           <a:p>
             <a:fld id="{B91EF97D-1F30-4156-A168-DAEF7BA4869F}" type="datetimeFigureOut">
               <a:rPr lang="en-US" smtClean="0"/>
-              <a:t>10/25/2022</a:t>
+              <a:t>11/4/2022</a:t>
             </a:fld>
             <a:endParaRPr lang="en-US"/>
           </a:p>
@@ -1744,7 +1750,7 @@
           <a:p>
             <a:fld id="{B91EF97D-1F30-4156-A168-DAEF7BA4869F}" type="datetimeFigureOut">
               <a:rPr lang="en-US" smtClean="0"/>
-              <a:t>10/25/2022</a:t>
+              <a:t>11/4/2022</a:t>
             </a:fld>
             <a:endParaRPr lang="en-US"/>
           </a:p>
@@ -1839,7 +1845,7 @@
           <a:p>
             <a:fld id="{B91EF97D-1F30-4156-A168-DAEF7BA4869F}" type="datetimeFigureOut">
               <a:rPr lang="en-US" smtClean="0"/>
-              <a:t>10/25/2022</a:t>
+              <a:t>11/4/2022</a:t>
             </a:fld>
             <a:endParaRPr lang="en-US"/>
           </a:p>
@@ -2116,7 +2122,7 @@
           <a:p>
             <a:fld id="{B91EF97D-1F30-4156-A168-DAEF7BA4869F}" type="datetimeFigureOut">
               <a:rPr lang="en-US" smtClean="0"/>
-              <a:t>10/25/2022</a:t>
+              <a:t>11/4/2022</a:t>
             </a:fld>
             <a:endParaRPr lang="en-US"/>
           </a:p>
@@ -2369,7 +2375,7 @@
           <a:p>
             <a:fld id="{B91EF97D-1F30-4156-A168-DAEF7BA4869F}" type="datetimeFigureOut">
               <a:rPr lang="en-US" smtClean="0"/>
-              <a:t>10/25/2022</a:t>
+              <a:t>11/4/2022</a:t>
             </a:fld>
             <a:endParaRPr lang="en-US"/>
           </a:p>
@@ -2582,7 +2588,7 @@
           <a:p>
             <a:fld id="{B91EF97D-1F30-4156-A168-DAEF7BA4869F}" type="datetimeFigureOut">
               <a:rPr lang="en-US" smtClean="0"/>
-              <a:t>10/25/2022</a:t>
+              <a:t>11/4/2022</a:t>
             </a:fld>
             <a:endParaRPr lang="en-US"/>
           </a:p>
@@ -2987,71 +2993,103 @@
           <a:chExt cx="0" cy="0"/>
         </a:xfrm>
       </p:grpSpPr>
-      <p:sp>
-        <p:nvSpPr>
-          <p:cNvPr id="2" name="Title 1"/>
-          <p:cNvSpPr>
-            <a:spLocks noGrp="1"/>
-          </p:cNvSpPr>
-          <p:nvPr>
-            <p:ph type="ctrTitle"/>
-          </p:nvPr>
-        </p:nvSpPr>
-        <p:spPr>
-          <a:xfrm>
-            <a:off x="440265" y="440268"/>
-            <a:ext cx="11311468" cy="983122"/>
-          </a:xfrm>
-        </p:spPr>
-        <p:txBody>
-          <a:bodyPr>
-            <a:normAutofit fontScale="90000"/>
-          </a:bodyPr>
-          <a:lstStyle/>
-          <a:p>
-            <a:r>
-              <a:rPr lang="en-US" sz="2800" dirty="0" smtClean="0"/>
-              <a:t>Module - 07</a:t>
-            </a:r>
-            <a:r>
-              <a:rPr lang="en-US" dirty="0" smtClean="0"/>
-              <a:t/>
-            </a:r>
-            <a:br>
-              <a:rPr lang="en-US" dirty="0" smtClean="0"/>
-            </a:br>
-            <a:r>
-              <a:rPr lang="en-US" sz="4400" dirty="0" smtClean="0"/>
-              <a:t>Neural Network and Deep Learning</a:t>
-            </a:r>
-            <a:endParaRPr lang="en-US" sz="4400" dirty="0"/>
-          </a:p>
-        </p:txBody>
-      </p:sp>
       <p:pic>
         <p:nvPicPr>
-          <p:cNvPr id="5" name="Picture 4"/>
+          <p:cNvPr id="3074" name="Picture 2" descr="What is Deep Learning? and What are its Significance"/>
           <p:cNvPicPr>
-            <a:picLocks noChangeAspect="1"/>
+            <a:picLocks noChangeAspect="1" noChangeArrowheads="1"/>
           </p:cNvPicPr>
           <p:nvPr/>
         </p:nvPicPr>
         <p:blipFill>
-          <a:blip r:embed="rId2"/>
+          <a:blip r:embed="rId2">
+            <a:extLst>
+              <a:ext uri="{28A0092B-C50C-407E-A947-70E740481C1C}">
+                <a14:useLocalDpi xmlns:a14="http://schemas.microsoft.com/office/drawing/2010/main" val="0"/>
+              </a:ext>
+            </a:extLst>
+          </a:blip>
+          <a:srcRect/>
           <a:stretch>
             <a:fillRect/>
           </a:stretch>
         </p:blipFill>
-        <p:spPr>
+        <p:spPr bwMode="auto">
           <a:xfrm>
-            <a:off x="-1" y="1423390"/>
-            <a:ext cx="12192001" cy="5434610"/>
+            <a:off x="0" y="0"/>
+            <a:ext cx="12192000" cy="6879500"/>
           </a:xfrm>
           <a:prstGeom prst="rect">
             <a:avLst/>
           </a:prstGeom>
+          <a:noFill/>
+          <a:extLst>
+            <a:ext uri="{909E8E84-426E-40DD-AFC4-6F175D3DCCD1}">
+              <a14:hiddenFill xmlns:a14="http://schemas.microsoft.com/office/drawing/2010/main">
+                <a:solidFill>
+                  <a:srgbClr val="FFFFFF"/>
+                </a:solidFill>
+              </a14:hiddenFill>
+            </a:ext>
+          </a:extLst>
         </p:spPr>
       </p:pic>
+      <p:sp>
+        <p:nvSpPr>
+          <p:cNvPr id="2" name="Title 1"/>
+          <p:cNvSpPr>
+            <a:spLocks noGrp="1"/>
+          </p:cNvSpPr>
+          <p:nvPr>
+            <p:ph type="ctrTitle"/>
+          </p:nvPr>
+        </p:nvSpPr>
+        <p:spPr>
+          <a:xfrm>
+            <a:off x="440266" y="371475"/>
+            <a:ext cx="11311468" cy="1337665"/>
+          </a:xfrm>
+          <a:solidFill>
+            <a:schemeClr val="tx1"/>
+          </a:solidFill>
+        </p:spPr>
+        <p:txBody>
+          <a:bodyPr>
+            <a:noAutofit/>
+          </a:bodyPr>
+          <a:lstStyle/>
+          <a:p>
+            <a:r>
+              <a:rPr lang="en-US" sz="4800" b="1" dirty="0" smtClean="0">
+                <a:solidFill>
+                  <a:schemeClr val="bg1"/>
+                </a:solidFill>
+              </a:rPr>
+              <a:t>Module - 07</a:t>
+            </a:r>
+            <a:br>
+              <a:rPr lang="en-US" sz="4800" b="1" dirty="0" smtClean="0">
+                <a:solidFill>
+                  <a:schemeClr val="bg1"/>
+                </a:solidFill>
+              </a:rPr>
+            </a:br>
+            <a:r>
+              <a:rPr lang="en-US" sz="4800" b="1" dirty="0" smtClean="0">
+                <a:solidFill>
+                  <a:schemeClr val="bg1"/>
+                </a:solidFill>
+              </a:rPr>
+              <a:t>Neural Network and Deep Learning</a:t>
+            </a:r>
+            <a:endParaRPr lang="en-US" sz="4800" b="1" dirty="0">
+              <a:solidFill>
+                <a:schemeClr val="bg1"/>
+              </a:solidFill>
+            </a:endParaRPr>
+          </a:p>
+        </p:txBody>
+      </p:sp>
       <p:sp>
         <p:nvSpPr>
           <p:cNvPr id="3" name="Subtitle 2"/>
@@ -3142,6 +3180,198 @@
           <a:lstStyle/>
           <a:p>
             <a:r>
+              <a:rPr lang="en-US" dirty="0" smtClean="0"/>
+              <a:t>Neural Network Concept</a:t>
+            </a:r>
+            <a:endParaRPr lang="en-US" dirty="0"/>
+          </a:p>
+        </p:txBody>
+      </p:sp>
+      <p:pic>
+        <p:nvPicPr>
+          <p:cNvPr id="7" name="Picture 6"/>
+          <p:cNvPicPr>
+            <a:picLocks noChangeAspect="1"/>
+          </p:cNvPicPr>
+          <p:nvPr/>
+        </p:nvPicPr>
+        <p:blipFill>
+          <a:blip r:embed="rId2"/>
+          <a:stretch>
+            <a:fillRect/>
+          </a:stretch>
+        </p:blipFill>
+        <p:spPr>
+          <a:xfrm>
+            <a:off x="771525" y="1690688"/>
+            <a:ext cx="10648950" cy="4505325"/>
+          </a:xfrm>
+          <a:prstGeom prst="rect">
+            <a:avLst/>
+          </a:prstGeom>
+        </p:spPr>
+      </p:pic>
+    </p:spTree>
+    <p:extLst>
+      <p:ext uri="{BB962C8B-B14F-4D97-AF65-F5344CB8AC3E}">
+        <p14:creationId xmlns:p14="http://schemas.microsoft.com/office/powerpoint/2010/main" val="2296222608"/>
+      </p:ext>
+    </p:extLst>
+  </p:cSld>
+  <p:clrMapOvr>
+    <a:masterClrMapping/>
+  </p:clrMapOvr>
+  <p:timing>
+    <p:tnLst>
+      <p:par>
+        <p:cTn id="1" dur="indefinite" restart="never" nodeType="tmRoot"/>
+      </p:par>
+    </p:tnLst>
+  </p:timing>
+</p:sld>
+</file>
+
+<file path=ppt/slides/slide11.xml><?xml version="1.0" encoding="utf-8"?>
+<p:sld xmlns:a="http://schemas.openxmlformats.org/drawingml/2006/main" xmlns:r="http://schemas.openxmlformats.org/officeDocument/2006/relationships" xmlns:p="http://schemas.openxmlformats.org/presentationml/2006/main">
+  <p:cSld>
+    <p:spTree>
+      <p:nvGrpSpPr>
+        <p:cNvPr id="1" name=""/>
+        <p:cNvGrpSpPr/>
+        <p:nvPr/>
+      </p:nvGrpSpPr>
+      <p:grpSpPr>
+        <a:xfrm>
+          <a:off x="0" y="0"/>
+          <a:ext cx="0" cy="0"/>
+          <a:chOff x="0" y="0"/>
+          <a:chExt cx="0" cy="0"/>
+        </a:xfrm>
+      </p:grpSpPr>
+      <p:sp>
+        <p:nvSpPr>
+          <p:cNvPr id="2" name="Title 1"/>
+          <p:cNvSpPr>
+            <a:spLocks noGrp="1"/>
+          </p:cNvSpPr>
+          <p:nvPr>
+            <p:ph type="title"/>
+          </p:nvPr>
+        </p:nvSpPr>
+        <p:spPr/>
+        <p:txBody>
+          <a:bodyPr/>
+          <a:lstStyle/>
+          <a:p>
+            <a:r>
+              <a:rPr lang="en-US" b="1" dirty="0" smtClean="0"/>
+              <a:t>Activation Functions</a:t>
+            </a:r>
+            <a:br>
+              <a:rPr lang="en-US" b="1" dirty="0" smtClean="0"/>
+            </a:br>
+            <a:endParaRPr lang="en-US" dirty="0"/>
+          </a:p>
+        </p:txBody>
+      </p:sp>
+      <p:sp>
+        <p:nvSpPr>
+          <p:cNvPr id="3" name="Content Placeholder 2"/>
+          <p:cNvSpPr>
+            <a:spLocks noGrp="1"/>
+          </p:cNvSpPr>
+          <p:nvPr>
+            <p:ph idx="1"/>
+          </p:nvPr>
+        </p:nvSpPr>
+        <p:spPr/>
+        <p:txBody>
+          <a:bodyPr/>
+          <a:lstStyle/>
+          <a:p>
+            <a:r>
+              <a:rPr lang="en-US" dirty="0" smtClean="0"/>
+              <a:t>In </a:t>
+            </a:r>
+            <a:r>
+              <a:rPr lang="en-US" dirty="0"/>
+              <a:t>Neural Network the activation function defines if given node should be “activated” or not based on the weighted sum. Let’s define this weighted sum value as </a:t>
+            </a:r>
+            <a:r>
+              <a:rPr lang="en-US" b="1" i="1" dirty="0"/>
+              <a:t>z</a:t>
+            </a:r>
+            <a:r>
+              <a:rPr lang="en-US" dirty="0"/>
+              <a:t>. In this section I would explain why “Step Function” and “Linear Function” won’t work and talk about “</a:t>
+            </a:r>
+            <a:r>
+              <a:rPr lang="en-US" i="1" dirty="0"/>
+              <a:t>Sigmoid Function</a:t>
+            </a:r>
+            <a:r>
+              <a:rPr lang="en-US" dirty="0"/>
+              <a:t>” one of the most popular activation functions. There are also other functions which I will leave aside for now.</a:t>
+            </a:r>
+          </a:p>
+          <a:p>
+            <a:endParaRPr lang="en-US" dirty="0"/>
+          </a:p>
+        </p:txBody>
+      </p:sp>
+    </p:spTree>
+    <p:extLst>
+      <p:ext uri="{BB962C8B-B14F-4D97-AF65-F5344CB8AC3E}">
+        <p14:creationId xmlns:p14="http://schemas.microsoft.com/office/powerpoint/2010/main" val="2733774951"/>
+      </p:ext>
+    </p:extLst>
+  </p:cSld>
+  <p:clrMapOvr>
+    <a:masterClrMapping/>
+  </p:clrMapOvr>
+  <p:timing>
+    <p:tnLst>
+      <p:par>
+        <p:cTn id="1" dur="indefinite" restart="never" nodeType="tmRoot"/>
+      </p:par>
+    </p:tnLst>
+  </p:timing>
+</p:sld>
+</file>
+
+<file path=ppt/slides/slide12.xml><?xml version="1.0" encoding="utf-8"?>
+<p:sld xmlns:a="http://schemas.openxmlformats.org/drawingml/2006/main" xmlns:r="http://schemas.openxmlformats.org/officeDocument/2006/relationships" xmlns:p="http://schemas.openxmlformats.org/presentationml/2006/main">
+  <p:cSld>
+    <p:spTree>
+      <p:nvGrpSpPr>
+        <p:cNvPr id="1" name=""/>
+        <p:cNvGrpSpPr/>
+        <p:nvPr/>
+      </p:nvGrpSpPr>
+      <p:grpSpPr>
+        <a:xfrm>
+          <a:off x="0" y="0"/>
+          <a:ext cx="0" cy="0"/>
+          <a:chOff x="0" y="0"/>
+          <a:chExt cx="0" cy="0"/>
+        </a:xfrm>
+      </p:grpSpPr>
+      <p:sp>
+        <p:nvSpPr>
+          <p:cNvPr id="2" name="Title 1"/>
+          <p:cNvSpPr>
+            <a:spLocks noGrp="1"/>
+          </p:cNvSpPr>
+          <p:nvPr>
+            <p:ph type="title"/>
+          </p:nvPr>
+        </p:nvSpPr>
+        <p:spPr/>
+        <p:txBody>
+          <a:bodyPr/>
+          <a:lstStyle/>
+          <a:p>
+            <a:r>
               <a:rPr lang="en-US" b="1" dirty="0" smtClean="0"/>
               <a:t>Step Function</a:t>
             </a:r>
@@ -3231,7 +3461,7 @@
 </p:sld>
 </file>
 
-<file path=ppt/slides/slide11.xml><?xml version="1.0" encoding="utf-8"?>
+<file path=ppt/slides/slide13.xml><?xml version="1.0" encoding="utf-8"?>
 <p:sld xmlns:a="http://schemas.openxmlformats.org/drawingml/2006/main" xmlns:r="http://schemas.openxmlformats.org/officeDocument/2006/relationships" xmlns:p="http://schemas.openxmlformats.org/presentationml/2006/main">
   <p:cSld>
     <p:spTree>
@@ -3997,7 +4227,7 @@
 </p:sld>
 </file>
 
-<file path=ppt/slides/slide12.xml><?xml version="1.0" encoding="utf-8"?>
+<file path=ppt/slides/slide14.xml><?xml version="1.0" encoding="utf-8"?>
 <p:sld xmlns:a="http://schemas.openxmlformats.org/drawingml/2006/main" xmlns:r="http://schemas.openxmlformats.org/officeDocument/2006/relationships" xmlns:p="http://schemas.openxmlformats.org/presentationml/2006/main">
   <p:cSld>
     <p:spTree>
@@ -4198,250 +4428,6 @@
 </p:sld>
 </file>
 
-<file path=ppt/slides/slide13.xml><?xml version="1.0" encoding="utf-8"?>
-<p:sld xmlns:a="http://schemas.openxmlformats.org/drawingml/2006/main" xmlns:r="http://schemas.openxmlformats.org/officeDocument/2006/relationships" xmlns:p="http://schemas.openxmlformats.org/presentationml/2006/main">
-  <p:cSld>
-    <p:spTree>
-      <p:nvGrpSpPr>
-        <p:cNvPr id="1" name=""/>
-        <p:cNvGrpSpPr/>
-        <p:nvPr/>
-      </p:nvGrpSpPr>
-      <p:grpSpPr>
-        <a:xfrm>
-          <a:off x="0" y="0"/>
-          <a:ext cx="0" cy="0"/>
-          <a:chOff x="0" y="0"/>
-          <a:chExt cx="0" cy="0"/>
-        </a:xfrm>
-      </p:grpSpPr>
-      <p:sp>
-        <p:nvSpPr>
-          <p:cNvPr id="2" name="Title 1"/>
-          <p:cNvSpPr>
-            <a:spLocks noGrp="1"/>
-          </p:cNvSpPr>
-          <p:nvPr>
-            <p:ph type="title"/>
-          </p:nvPr>
-        </p:nvSpPr>
-        <p:spPr/>
-        <p:txBody>
-          <a:bodyPr/>
-          <a:lstStyle/>
-          <a:p>
-            <a:r>
-              <a:rPr lang="en-US" b="1" dirty="0" smtClean="0"/>
-              <a:t>Bias Node</a:t>
-            </a:r>
-            <a:br>
-              <a:rPr lang="en-US" b="1" dirty="0" smtClean="0"/>
-            </a:br>
-            <a:endParaRPr lang="en-US" dirty="0"/>
-          </a:p>
-        </p:txBody>
-      </p:sp>
-      <p:sp>
-        <p:nvSpPr>
-          <p:cNvPr id="3" name="Content Placeholder 2"/>
-          <p:cNvSpPr>
-            <a:spLocks noGrp="1"/>
-          </p:cNvSpPr>
-          <p:nvPr>
-            <p:ph idx="1"/>
-          </p:nvPr>
-        </p:nvSpPr>
-        <p:spPr/>
-        <p:txBody>
-          <a:bodyPr>
-            <a:normAutofit/>
-          </a:bodyPr>
-          <a:lstStyle/>
-          <a:p>
-            <a:r>
-              <a:rPr lang="en-US" dirty="0" smtClean="0"/>
-              <a:t>Using </a:t>
-            </a:r>
-            <a:r>
-              <a:rPr lang="en-US" dirty="0"/>
-              <a:t>“bias” node is usually critical for creating successful learning model. In short, </a:t>
-            </a:r>
-            <a:r>
-              <a:rPr lang="en-US" b="1" i="1" dirty="0"/>
-              <a:t>a bias value allows to shift the activation function to the left or right </a:t>
-            </a:r>
-            <a:r>
-              <a:rPr lang="en-US" dirty="0"/>
-              <a:t>and it helps getting </a:t>
-            </a:r>
-            <a:r>
-              <a:rPr lang="en-US" b="1" dirty="0"/>
-              <a:t>better fit for the data</a:t>
-            </a:r>
-            <a:r>
-              <a:rPr lang="en-US" dirty="0"/>
-              <a:t> (better prediction function as output).</a:t>
-            </a:r>
-          </a:p>
-          <a:p>
-            <a:r>
-              <a:rPr lang="en-US" dirty="0"/>
-              <a:t>Below there are 3 Sigmoid functions that I draw where you can notice how multiplication/add/subtract the variable </a:t>
-            </a:r>
-            <a:r>
-              <a:rPr lang="en-US" i="1" dirty="0"/>
-              <a:t>x</a:t>
-            </a:r>
-            <a:r>
-              <a:rPr lang="en-US" dirty="0"/>
-              <a:t> by some value can influence the function.</a:t>
-            </a:r>
-          </a:p>
-          <a:p>
-            <a:r>
-              <a:rPr lang="en-US" dirty="0"/>
-              <a:t>Multiplying </a:t>
-            </a:r>
-            <a:r>
-              <a:rPr lang="en-US" b="1" i="1" dirty="0"/>
-              <a:t>x</a:t>
-            </a:r>
-            <a:r>
-              <a:rPr lang="en-US" dirty="0"/>
-              <a:t> — makes the function steeper</a:t>
-            </a:r>
-          </a:p>
-          <a:p>
-            <a:r>
-              <a:rPr lang="en-US" dirty="0"/>
-              <a:t>Add/Subtract </a:t>
-            </a:r>
-            <a:r>
-              <a:rPr lang="en-US" b="1" i="1" dirty="0"/>
-              <a:t>x</a:t>
-            </a:r>
-            <a:r>
-              <a:rPr lang="en-US" dirty="0"/>
-              <a:t> — shift the function left/right</a:t>
-            </a:r>
-          </a:p>
-          <a:p>
-            <a:endParaRPr lang="en-US" dirty="0"/>
-          </a:p>
-        </p:txBody>
-      </p:sp>
-    </p:spTree>
-    <p:extLst>
-      <p:ext uri="{BB962C8B-B14F-4D97-AF65-F5344CB8AC3E}">
-        <p14:creationId xmlns:p14="http://schemas.microsoft.com/office/powerpoint/2010/main" val="4101312261"/>
-      </p:ext>
-    </p:extLst>
-  </p:cSld>
-  <p:clrMapOvr>
-    <a:masterClrMapping/>
-  </p:clrMapOvr>
-  <p:timing>
-    <p:tnLst>
-      <p:par>
-        <p:cTn id="1" dur="indefinite" restart="never" nodeType="tmRoot"/>
-      </p:par>
-    </p:tnLst>
-  </p:timing>
-</p:sld>
-</file>
-
-<file path=ppt/slides/slide14.xml><?xml version="1.0" encoding="utf-8"?>
-<p:sld xmlns:a="http://schemas.openxmlformats.org/drawingml/2006/main" xmlns:r="http://schemas.openxmlformats.org/officeDocument/2006/relationships" xmlns:p="http://schemas.openxmlformats.org/presentationml/2006/main">
-  <p:cSld>
-    <p:spTree>
-      <p:nvGrpSpPr>
-        <p:cNvPr id="1" name=""/>
-        <p:cNvGrpSpPr/>
-        <p:nvPr/>
-      </p:nvGrpSpPr>
-      <p:grpSpPr>
-        <a:xfrm>
-          <a:off x="0" y="0"/>
-          <a:ext cx="0" cy="0"/>
-          <a:chOff x="0" y="0"/>
-          <a:chExt cx="0" cy="0"/>
-        </a:xfrm>
-      </p:grpSpPr>
-      <p:sp>
-        <p:nvSpPr>
-          <p:cNvPr id="2" name="Title 1"/>
-          <p:cNvSpPr>
-            <a:spLocks noGrp="1"/>
-          </p:cNvSpPr>
-          <p:nvPr>
-            <p:ph type="title"/>
-          </p:nvPr>
-        </p:nvSpPr>
-        <p:spPr/>
-        <p:txBody>
-          <a:bodyPr/>
-          <a:lstStyle/>
-          <a:p>
-            <a:r>
-              <a:rPr lang="en-US" b="1" dirty="0" smtClean="0"/>
-              <a:t>Forward Propagation Calculation</a:t>
-            </a:r>
-            <a:br>
-              <a:rPr lang="en-US" b="1" dirty="0" smtClean="0"/>
-            </a:br>
-            <a:endParaRPr lang="en-US" dirty="0"/>
-          </a:p>
-        </p:txBody>
-      </p:sp>
-      <p:sp>
-        <p:nvSpPr>
-          <p:cNvPr id="3" name="Content Placeholder 2"/>
-          <p:cNvSpPr>
-            <a:spLocks noGrp="1"/>
-          </p:cNvSpPr>
-          <p:nvPr>
-            <p:ph idx="1"/>
-          </p:nvPr>
-        </p:nvSpPr>
-        <p:spPr/>
-        <p:txBody>
-          <a:bodyPr/>
-          <a:lstStyle/>
-          <a:p>
-            <a:r>
-              <a:rPr lang="en-US" dirty="0" smtClean="0"/>
-              <a:t>This </a:t>
-            </a:r>
-            <a:r>
-              <a:rPr lang="en-US" dirty="0"/>
-              <a:t>process of Forward propagation is actually getting the Neural Network output value based on a given input. This algorithm is used to calculate the cost value. What it does is the same mathematical process as the one described in section 2 “Model Representation Mathematics”. Where in the end we get our hypothesis value</a:t>
-            </a:r>
-          </a:p>
-          <a:p>
-            <a:endParaRPr lang="en-US" dirty="0"/>
-          </a:p>
-        </p:txBody>
-      </p:sp>
-    </p:spTree>
-    <p:extLst>
-      <p:ext uri="{BB962C8B-B14F-4D97-AF65-F5344CB8AC3E}">
-        <p14:creationId xmlns:p14="http://schemas.microsoft.com/office/powerpoint/2010/main" val="1999080789"/>
-      </p:ext>
-    </p:extLst>
-  </p:cSld>
-  <p:clrMapOvr>
-    <a:masterClrMapping/>
-  </p:clrMapOvr>
-  <p:timing>
-    <p:tnLst>
-      <p:par>
-        <p:cTn id="1" dur="indefinite" restart="never" nodeType="tmRoot"/>
-      </p:par>
-    </p:tnLst>
-  </p:timing>
-</p:sld>
-</file>
-
 <file path=ppt/slides/slide15.xml><?xml version="1.0" encoding="utf-8"?>
 <p:sld xmlns:a="http://schemas.openxmlformats.org/drawingml/2006/main" xmlns:r="http://schemas.openxmlformats.org/officeDocument/2006/relationships" xmlns:p="http://schemas.openxmlformats.org/presentationml/2006/main">
   <p:cSld>
@@ -4476,7 +4462,7 @@
           <a:p>
             <a:r>
               <a:rPr lang="en-US" b="1" dirty="0" smtClean="0"/>
-              <a:t>Backpropagation Algorithm</a:t>
+              <a:t>Bias Node</a:t>
             </a:r>
             <a:br>
               <a:rPr lang="en-US" b="1" dirty="0" smtClean="0"/>
@@ -4497,152 +4483,77 @@
         </p:nvSpPr>
         <p:spPr/>
         <p:txBody>
-          <a:bodyPr/>
-          <a:lstStyle/>
-          <a:p>
-            <a:r>
-              <a:rPr lang="en-US" dirty="0" smtClean="0">
-                <a:latin typeface="Times New Roman" panose="02020603050405020304" pitchFamily="18" charset="0"/>
-                <a:cs typeface="Times New Roman" panose="02020603050405020304" pitchFamily="18" charset="0"/>
-              </a:rPr>
-              <a:t>What </a:t>
-            </a:r>
-            <a:r>
-              <a:rPr lang="en-US" dirty="0">
-                <a:latin typeface="Times New Roman" panose="02020603050405020304" pitchFamily="18" charset="0"/>
-                <a:cs typeface="Times New Roman" panose="02020603050405020304" pitchFamily="18" charset="0"/>
-              </a:rPr>
-              <a:t>we want to do is minimize the cost function </a:t>
-            </a:r>
-            <a:r>
-              <a:rPr lang="en-US" b="1" i="1" dirty="0">
-                <a:latin typeface="Times New Roman" panose="02020603050405020304" pitchFamily="18" charset="0"/>
-                <a:cs typeface="Times New Roman" panose="02020603050405020304" pitchFamily="18" charset="0"/>
-              </a:rPr>
-              <a:t>J(θ)</a:t>
-            </a:r>
-            <a:r>
-              <a:rPr lang="en-US" dirty="0">
-                <a:latin typeface="Times New Roman" panose="02020603050405020304" pitchFamily="18" charset="0"/>
-                <a:cs typeface="Times New Roman" panose="02020603050405020304" pitchFamily="18" charset="0"/>
-              </a:rPr>
-              <a:t> using the optimal set of values for </a:t>
-            </a:r>
-            <a:r>
-              <a:rPr lang="en-US" b="1" i="1" dirty="0">
-                <a:latin typeface="Times New Roman" panose="02020603050405020304" pitchFamily="18" charset="0"/>
-                <a:cs typeface="Times New Roman" panose="02020603050405020304" pitchFamily="18" charset="0"/>
-              </a:rPr>
-              <a:t>θ</a:t>
-            </a:r>
-            <a:r>
-              <a:rPr lang="en-US" dirty="0">
-                <a:latin typeface="Times New Roman" panose="02020603050405020304" pitchFamily="18" charset="0"/>
-                <a:cs typeface="Times New Roman" panose="02020603050405020304" pitchFamily="18" charset="0"/>
-              </a:rPr>
-              <a:t> (weights). Backpropagation is a method we use in order to</a:t>
-            </a:r>
-            <a:r>
-              <a:rPr lang="en-US" b="1" dirty="0">
-                <a:latin typeface="Times New Roman" panose="02020603050405020304" pitchFamily="18" charset="0"/>
-                <a:cs typeface="Times New Roman" panose="02020603050405020304" pitchFamily="18" charset="0"/>
-              </a:rPr>
-              <a:t> compute the partial derivative of</a:t>
-            </a:r>
-            <a:r>
-              <a:rPr lang="en-US" b="1" i="1" dirty="0">
-                <a:latin typeface="Times New Roman" panose="02020603050405020304" pitchFamily="18" charset="0"/>
-                <a:cs typeface="Times New Roman" panose="02020603050405020304" pitchFamily="18" charset="0"/>
-              </a:rPr>
-              <a:t> J(θ)</a:t>
-            </a:r>
-            <a:r>
-              <a:rPr lang="en-US" dirty="0">
-                <a:latin typeface="Times New Roman" panose="02020603050405020304" pitchFamily="18" charset="0"/>
-                <a:cs typeface="Times New Roman" panose="02020603050405020304" pitchFamily="18" charset="0"/>
-              </a:rPr>
-              <a:t>.</a:t>
-            </a:r>
-          </a:p>
-          <a:p>
-            <a:r>
-              <a:rPr lang="en-US" dirty="0">
-                <a:latin typeface="Times New Roman" panose="02020603050405020304" pitchFamily="18" charset="0"/>
-                <a:cs typeface="Times New Roman" panose="02020603050405020304" pitchFamily="18" charset="0"/>
-              </a:rPr>
-              <a:t>This partial derivative value is then used in Gradient descent algorithm </a:t>
-            </a:r>
-            <a:r>
-              <a:rPr lang="en-US" dirty="0" smtClean="0">
-                <a:latin typeface="Times New Roman" panose="02020603050405020304" pitchFamily="18" charset="0"/>
-                <a:cs typeface="Times New Roman" panose="02020603050405020304" pitchFamily="18" charset="0"/>
-              </a:rPr>
-              <a:t>for </a:t>
-            </a:r>
-            <a:r>
-              <a:rPr lang="en-US" dirty="0">
-                <a:latin typeface="Times New Roman" panose="02020603050405020304" pitchFamily="18" charset="0"/>
-                <a:cs typeface="Times New Roman" panose="02020603050405020304" pitchFamily="18" charset="0"/>
-              </a:rPr>
-              <a:t>calculating the </a:t>
-            </a:r>
-            <a:r>
-              <a:rPr lang="en-US" b="1" i="1" dirty="0">
-                <a:latin typeface="Times New Roman" panose="02020603050405020304" pitchFamily="18" charset="0"/>
-                <a:cs typeface="Times New Roman" panose="02020603050405020304" pitchFamily="18" charset="0"/>
-              </a:rPr>
-              <a:t>θ</a:t>
-            </a:r>
-            <a:r>
-              <a:rPr lang="en-US" dirty="0">
-                <a:latin typeface="Times New Roman" panose="02020603050405020304" pitchFamily="18" charset="0"/>
-                <a:cs typeface="Times New Roman" panose="02020603050405020304" pitchFamily="18" charset="0"/>
-              </a:rPr>
-              <a:t> values for the Neural Network that minimize the cost function </a:t>
-            </a:r>
-            <a:r>
-              <a:rPr lang="en-US" b="1" i="1" dirty="0">
-                <a:latin typeface="Times New Roman" panose="02020603050405020304" pitchFamily="18" charset="0"/>
-                <a:cs typeface="Times New Roman" panose="02020603050405020304" pitchFamily="18" charset="0"/>
-              </a:rPr>
-              <a:t>J(θ</a:t>
-            </a:r>
-            <a:r>
-              <a:rPr lang="en-US" b="1" i="1" dirty="0" smtClean="0">
-                <a:latin typeface="Times New Roman" panose="02020603050405020304" pitchFamily="18" charset="0"/>
-                <a:cs typeface="Times New Roman" panose="02020603050405020304" pitchFamily="18" charset="0"/>
-              </a:rPr>
-              <a:t>)</a:t>
-            </a:r>
-            <a:endParaRPr lang="en-US" dirty="0" smtClean="0">
-              <a:latin typeface="Times New Roman" panose="02020603050405020304" pitchFamily="18" charset="0"/>
-              <a:cs typeface="Times New Roman" panose="02020603050405020304" pitchFamily="18" charset="0"/>
-            </a:endParaRPr>
-          </a:p>
-          <a:p>
-            <a:endParaRPr lang="en-US" dirty="0">
-              <a:latin typeface="Times New Roman" panose="02020603050405020304" pitchFamily="18" charset="0"/>
-              <a:cs typeface="Times New Roman" panose="02020603050405020304" pitchFamily="18" charset="0"/>
-            </a:endParaRPr>
-          </a:p>
-          <a:p>
-            <a:r>
-              <a:rPr lang="en-US" b="1" dirty="0" smtClean="0">
-                <a:solidFill>
-                  <a:schemeClr val="accent2"/>
-                </a:solidFill>
-                <a:latin typeface="Times New Roman" panose="02020603050405020304" pitchFamily="18" charset="0"/>
-                <a:cs typeface="Times New Roman" panose="02020603050405020304" pitchFamily="18" charset="0"/>
-              </a:rPr>
-              <a:t>Backpropagation is about determining how changing the weights impact the overall cost in the neural network.</a:t>
-            </a:r>
-            <a:endParaRPr lang="en-US" b="1" dirty="0">
-              <a:solidFill>
-                <a:schemeClr val="accent2"/>
-              </a:solidFill>
-              <a:latin typeface="Times New Roman" panose="02020603050405020304" pitchFamily="18" charset="0"/>
-              <a:cs typeface="Times New Roman" panose="02020603050405020304" pitchFamily="18" charset="0"/>
-            </a:endParaRPr>
+          <a:bodyPr>
+            <a:normAutofit/>
+          </a:bodyPr>
+          <a:lstStyle/>
+          <a:p>
+            <a:r>
+              <a:rPr lang="en-US" dirty="0" smtClean="0"/>
+              <a:t>Using </a:t>
+            </a:r>
+            <a:r>
+              <a:rPr lang="en-US" dirty="0"/>
+              <a:t>“bias” node is usually critical for creating successful learning model. In short, </a:t>
+            </a:r>
+            <a:r>
+              <a:rPr lang="en-US" b="1" i="1" dirty="0"/>
+              <a:t>a bias value allows to shift the activation function to the left or right </a:t>
+            </a:r>
+            <a:r>
+              <a:rPr lang="en-US" dirty="0"/>
+              <a:t>and it helps getting </a:t>
+            </a:r>
+            <a:r>
+              <a:rPr lang="en-US" b="1" dirty="0"/>
+              <a:t>better fit for the data</a:t>
+            </a:r>
+            <a:r>
+              <a:rPr lang="en-US" dirty="0"/>
+              <a:t> (better prediction function as output).</a:t>
+            </a:r>
+          </a:p>
+          <a:p>
+            <a:r>
+              <a:rPr lang="en-US" dirty="0"/>
+              <a:t>Below there are 3 Sigmoid functions that I draw where you can notice how multiplication/add/subtract the variable </a:t>
+            </a:r>
+            <a:r>
+              <a:rPr lang="en-US" i="1" dirty="0"/>
+              <a:t>x</a:t>
+            </a:r>
+            <a:r>
+              <a:rPr lang="en-US" dirty="0"/>
+              <a:t> by some value can influence the function.</a:t>
+            </a:r>
+          </a:p>
+          <a:p>
+            <a:r>
+              <a:rPr lang="en-US" dirty="0"/>
+              <a:t>Multiplying </a:t>
+            </a:r>
+            <a:r>
+              <a:rPr lang="en-US" b="1" i="1" dirty="0"/>
+              <a:t>x</a:t>
+            </a:r>
+            <a:r>
+              <a:rPr lang="en-US" dirty="0"/>
+              <a:t> — makes the function steeper</a:t>
+            </a:r>
+          </a:p>
+          <a:p>
+            <a:r>
+              <a:rPr lang="en-US" dirty="0"/>
+              <a:t>Add/Subtract </a:t>
+            </a:r>
+            <a:r>
+              <a:rPr lang="en-US" b="1" i="1" dirty="0"/>
+              <a:t>x</a:t>
+            </a:r>
+            <a:r>
+              <a:rPr lang="en-US" dirty="0"/>
+              <a:t> — shift the function left/right</a:t>
+            </a:r>
           </a:p>
           <a:p>
             <a:endParaRPr lang="en-US" dirty="0"/>
@@ -4652,7 +4563,7 @@
     </p:spTree>
     <p:extLst>
       <p:ext uri="{BB962C8B-B14F-4D97-AF65-F5344CB8AC3E}">
-        <p14:creationId xmlns:p14="http://schemas.microsoft.com/office/powerpoint/2010/main" val="2092762971"/>
+        <p14:creationId xmlns:p14="http://schemas.microsoft.com/office/powerpoint/2010/main" val="4101312261"/>
       </p:ext>
     </p:extLst>
   </p:cSld>
@@ -4701,7 +4612,14 @@
           <a:bodyPr/>
           <a:lstStyle/>
           <a:p>
-            <a:endParaRPr lang="en-US"/>
+            <a:r>
+              <a:rPr lang="en-US" b="1" dirty="0" smtClean="0"/>
+              <a:t>Forward Propagation Calculation</a:t>
+            </a:r>
+            <a:br>
+              <a:rPr lang="en-US" b="1" dirty="0" smtClean="0"/>
+            </a:br>
+            <a:endParaRPr lang="en-US" dirty="0"/>
           </a:p>
         </p:txBody>
       </p:sp>
@@ -4717,7 +4635,310 @@
         </p:nvSpPr>
         <p:spPr>
           <a:xfrm>
-            <a:off x="838200" y="1825625"/>
+            <a:off x="838200" y="1239838"/>
+            <a:ext cx="10515600" cy="4351338"/>
+          </a:xfrm>
+        </p:spPr>
+        <p:txBody>
+          <a:bodyPr/>
+          <a:lstStyle/>
+          <a:p>
+            <a:r>
+              <a:rPr lang="en-US" dirty="0" smtClean="0"/>
+              <a:t>This </a:t>
+            </a:r>
+            <a:r>
+              <a:rPr lang="en-US" dirty="0"/>
+              <a:t>process of Forward propagation is actually getting the Neural Network output value based on a given input. This algorithm is used to calculate the cost value. What it does is the same mathematical process as the one described in section 2 “Model Representation Mathematics”. Where in the end we get our hypothesis value</a:t>
+            </a:r>
+          </a:p>
+          <a:p>
+            <a:endParaRPr lang="en-US" dirty="0"/>
+          </a:p>
+        </p:txBody>
+      </p:sp>
+    </p:spTree>
+    <p:extLst>
+      <p:ext uri="{BB962C8B-B14F-4D97-AF65-F5344CB8AC3E}">
+        <p14:creationId xmlns:p14="http://schemas.microsoft.com/office/powerpoint/2010/main" val="1999080789"/>
+      </p:ext>
+    </p:extLst>
+  </p:cSld>
+  <p:clrMapOvr>
+    <a:masterClrMapping/>
+  </p:clrMapOvr>
+  <p:timing>
+    <p:tnLst>
+      <p:par>
+        <p:cTn id="1" dur="indefinite" restart="never" nodeType="tmRoot"/>
+      </p:par>
+    </p:tnLst>
+  </p:timing>
+</p:sld>
+</file>
+
+<file path=ppt/slides/slide17.xml><?xml version="1.0" encoding="utf-8"?>
+<p:sld xmlns:a="http://schemas.openxmlformats.org/drawingml/2006/main" xmlns:r="http://schemas.openxmlformats.org/officeDocument/2006/relationships" xmlns:p="http://schemas.openxmlformats.org/presentationml/2006/main">
+  <p:cSld>
+    <p:spTree>
+      <p:nvGrpSpPr>
+        <p:cNvPr id="1" name=""/>
+        <p:cNvGrpSpPr/>
+        <p:nvPr/>
+      </p:nvGrpSpPr>
+      <p:grpSpPr>
+        <a:xfrm>
+          <a:off x="0" y="0"/>
+          <a:ext cx="0" cy="0"/>
+          <a:chOff x="0" y="0"/>
+          <a:chExt cx="0" cy="0"/>
+        </a:xfrm>
+      </p:grpSpPr>
+      <p:sp>
+        <p:nvSpPr>
+          <p:cNvPr id="2" name="Title 1"/>
+          <p:cNvSpPr>
+            <a:spLocks noGrp="1"/>
+          </p:cNvSpPr>
+          <p:nvPr>
+            <p:ph type="title"/>
+          </p:nvPr>
+        </p:nvSpPr>
+        <p:spPr/>
+        <p:txBody>
+          <a:bodyPr/>
+          <a:lstStyle/>
+          <a:p>
+            <a:r>
+              <a:rPr lang="en-US" b="1" dirty="0" smtClean="0"/>
+              <a:t>Backpropagation Algorithm</a:t>
+            </a:r>
+            <a:br>
+              <a:rPr lang="en-US" b="1" dirty="0" smtClean="0"/>
+            </a:br>
+            <a:endParaRPr lang="en-US" dirty="0"/>
+          </a:p>
+        </p:txBody>
+      </p:sp>
+      <p:sp>
+        <p:nvSpPr>
+          <p:cNvPr id="3" name="Content Placeholder 2"/>
+          <p:cNvSpPr>
+            <a:spLocks noGrp="1"/>
+          </p:cNvSpPr>
+          <p:nvPr>
+            <p:ph idx="1"/>
+          </p:nvPr>
+        </p:nvSpPr>
+        <p:spPr>
+          <a:xfrm>
+            <a:off x="838200" y="1296987"/>
+            <a:ext cx="10515600" cy="4351338"/>
+          </a:xfrm>
+        </p:spPr>
+        <p:txBody>
+          <a:bodyPr/>
+          <a:lstStyle/>
+          <a:p>
+            <a:r>
+              <a:rPr lang="en-US" dirty="0" smtClean="0">
+                <a:latin typeface="Times New Roman" panose="02020603050405020304" pitchFamily="18" charset="0"/>
+                <a:cs typeface="Times New Roman" panose="02020603050405020304" pitchFamily="18" charset="0"/>
+              </a:rPr>
+              <a:t>What </a:t>
+            </a:r>
+            <a:r>
+              <a:rPr lang="en-US" dirty="0">
+                <a:latin typeface="Times New Roman" panose="02020603050405020304" pitchFamily="18" charset="0"/>
+                <a:cs typeface="Times New Roman" panose="02020603050405020304" pitchFamily="18" charset="0"/>
+              </a:rPr>
+              <a:t>we want to do is minimize the cost function </a:t>
+            </a:r>
+            <a:r>
+              <a:rPr lang="en-US" b="1" i="1" dirty="0">
+                <a:latin typeface="Times New Roman" panose="02020603050405020304" pitchFamily="18" charset="0"/>
+                <a:cs typeface="Times New Roman" panose="02020603050405020304" pitchFamily="18" charset="0"/>
+              </a:rPr>
+              <a:t>J(θ)</a:t>
+            </a:r>
+            <a:r>
+              <a:rPr lang="en-US" dirty="0">
+                <a:latin typeface="Times New Roman" panose="02020603050405020304" pitchFamily="18" charset="0"/>
+                <a:cs typeface="Times New Roman" panose="02020603050405020304" pitchFamily="18" charset="0"/>
+              </a:rPr>
+              <a:t> using the optimal set of values for </a:t>
+            </a:r>
+            <a:r>
+              <a:rPr lang="en-US" b="1" i="1" dirty="0">
+                <a:latin typeface="Times New Roman" panose="02020603050405020304" pitchFamily="18" charset="0"/>
+                <a:cs typeface="Times New Roman" panose="02020603050405020304" pitchFamily="18" charset="0"/>
+              </a:rPr>
+              <a:t>θ</a:t>
+            </a:r>
+            <a:r>
+              <a:rPr lang="en-US" dirty="0">
+                <a:latin typeface="Times New Roman" panose="02020603050405020304" pitchFamily="18" charset="0"/>
+                <a:cs typeface="Times New Roman" panose="02020603050405020304" pitchFamily="18" charset="0"/>
+              </a:rPr>
+              <a:t> (weights). Backpropagation is a method we use in order to</a:t>
+            </a:r>
+            <a:r>
+              <a:rPr lang="en-US" b="1" dirty="0">
+                <a:latin typeface="Times New Roman" panose="02020603050405020304" pitchFamily="18" charset="0"/>
+                <a:cs typeface="Times New Roman" panose="02020603050405020304" pitchFamily="18" charset="0"/>
+              </a:rPr>
+              <a:t> compute the partial derivative of</a:t>
+            </a:r>
+            <a:r>
+              <a:rPr lang="en-US" b="1" i="1" dirty="0">
+                <a:latin typeface="Times New Roman" panose="02020603050405020304" pitchFamily="18" charset="0"/>
+                <a:cs typeface="Times New Roman" panose="02020603050405020304" pitchFamily="18" charset="0"/>
+              </a:rPr>
+              <a:t> J(θ)</a:t>
+            </a:r>
+            <a:r>
+              <a:rPr lang="en-US" dirty="0">
+                <a:latin typeface="Times New Roman" panose="02020603050405020304" pitchFamily="18" charset="0"/>
+                <a:cs typeface="Times New Roman" panose="02020603050405020304" pitchFamily="18" charset="0"/>
+              </a:rPr>
+              <a:t>.</a:t>
+            </a:r>
+          </a:p>
+          <a:p>
+            <a:r>
+              <a:rPr lang="en-US" dirty="0">
+                <a:latin typeface="Times New Roman" panose="02020603050405020304" pitchFamily="18" charset="0"/>
+                <a:cs typeface="Times New Roman" panose="02020603050405020304" pitchFamily="18" charset="0"/>
+              </a:rPr>
+              <a:t>This partial derivative value is then used in Gradient descent algorithm </a:t>
+            </a:r>
+            <a:r>
+              <a:rPr lang="en-US" dirty="0" smtClean="0">
+                <a:latin typeface="Times New Roman" panose="02020603050405020304" pitchFamily="18" charset="0"/>
+                <a:cs typeface="Times New Roman" panose="02020603050405020304" pitchFamily="18" charset="0"/>
+              </a:rPr>
+              <a:t>for </a:t>
+            </a:r>
+            <a:r>
+              <a:rPr lang="en-US" dirty="0">
+                <a:latin typeface="Times New Roman" panose="02020603050405020304" pitchFamily="18" charset="0"/>
+                <a:cs typeface="Times New Roman" panose="02020603050405020304" pitchFamily="18" charset="0"/>
+              </a:rPr>
+              <a:t>calculating the </a:t>
+            </a:r>
+            <a:r>
+              <a:rPr lang="en-US" b="1" i="1" dirty="0">
+                <a:latin typeface="Times New Roman" panose="02020603050405020304" pitchFamily="18" charset="0"/>
+                <a:cs typeface="Times New Roman" panose="02020603050405020304" pitchFamily="18" charset="0"/>
+              </a:rPr>
+              <a:t>θ</a:t>
+            </a:r>
+            <a:r>
+              <a:rPr lang="en-US" dirty="0">
+                <a:latin typeface="Times New Roman" panose="02020603050405020304" pitchFamily="18" charset="0"/>
+                <a:cs typeface="Times New Roman" panose="02020603050405020304" pitchFamily="18" charset="0"/>
+              </a:rPr>
+              <a:t> values for the Neural Network that minimize the cost function </a:t>
+            </a:r>
+            <a:r>
+              <a:rPr lang="en-US" b="1" i="1" dirty="0">
+                <a:latin typeface="Times New Roman" panose="02020603050405020304" pitchFamily="18" charset="0"/>
+                <a:cs typeface="Times New Roman" panose="02020603050405020304" pitchFamily="18" charset="0"/>
+              </a:rPr>
+              <a:t>J(θ</a:t>
+            </a:r>
+            <a:r>
+              <a:rPr lang="en-US" b="1" i="1" dirty="0" smtClean="0">
+                <a:latin typeface="Times New Roman" panose="02020603050405020304" pitchFamily="18" charset="0"/>
+                <a:cs typeface="Times New Roman" panose="02020603050405020304" pitchFamily="18" charset="0"/>
+              </a:rPr>
+              <a:t>)</a:t>
+            </a:r>
+            <a:endParaRPr lang="en-US" dirty="0" smtClean="0">
+              <a:latin typeface="Times New Roman" panose="02020603050405020304" pitchFamily="18" charset="0"/>
+              <a:cs typeface="Times New Roman" panose="02020603050405020304" pitchFamily="18" charset="0"/>
+            </a:endParaRPr>
+          </a:p>
+          <a:p>
+            <a:endParaRPr lang="en-US" dirty="0">
+              <a:latin typeface="Times New Roman" panose="02020603050405020304" pitchFamily="18" charset="0"/>
+              <a:cs typeface="Times New Roman" panose="02020603050405020304" pitchFamily="18" charset="0"/>
+            </a:endParaRPr>
+          </a:p>
+          <a:p>
+            <a:r>
+              <a:rPr lang="en-US" b="1" dirty="0" smtClean="0">
+                <a:solidFill>
+                  <a:schemeClr val="accent2"/>
+                </a:solidFill>
+                <a:latin typeface="Times New Roman" panose="02020603050405020304" pitchFamily="18" charset="0"/>
+                <a:cs typeface="Times New Roman" panose="02020603050405020304" pitchFamily="18" charset="0"/>
+              </a:rPr>
+              <a:t>Backpropagation is about determining how changing the weights impact the overall cost in the neural network.</a:t>
+            </a:r>
+            <a:endParaRPr lang="en-US" b="1" dirty="0">
+              <a:solidFill>
+                <a:schemeClr val="accent2"/>
+              </a:solidFill>
+              <a:latin typeface="Times New Roman" panose="02020603050405020304" pitchFamily="18" charset="0"/>
+              <a:cs typeface="Times New Roman" panose="02020603050405020304" pitchFamily="18" charset="0"/>
+            </a:endParaRPr>
+          </a:p>
+          <a:p>
+            <a:endParaRPr lang="en-US" dirty="0"/>
+          </a:p>
+        </p:txBody>
+      </p:sp>
+    </p:spTree>
+    <p:extLst>
+      <p:ext uri="{BB962C8B-B14F-4D97-AF65-F5344CB8AC3E}">
+        <p14:creationId xmlns:p14="http://schemas.microsoft.com/office/powerpoint/2010/main" val="2092762971"/>
+      </p:ext>
+    </p:extLst>
+  </p:cSld>
+  <p:clrMapOvr>
+    <a:masterClrMapping/>
+  </p:clrMapOvr>
+  <p:timing>
+    <p:tnLst>
+      <p:par>
+        <p:cTn id="1" dur="indefinite" restart="never" nodeType="tmRoot"/>
+      </p:par>
+    </p:tnLst>
+  </p:timing>
+</p:sld>
+</file>
+
+<file path=ppt/slides/slide18.xml><?xml version="1.0" encoding="utf-8"?>
+<p:sld xmlns:a="http://schemas.openxmlformats.org/drawingml/2006/main" xmlns:r="http://schemas.openxmlformats.org/officeDocument/2006/relationships" xmlns:p="http://schemas.openxmlformats.org/presentationml/2006/main">
+  <p:cSld>
+    <p:spTree>
+      <p:nvGrpSpPr>
+        <p:cNvPr id="1" name=""/>
+        <p:cNvGrpSpPr/>
+        <p:nvPr/>
+      </p:nvGrpSpPr>
+      <p:grpSpPr>
+        <a:xfrm>
+          <a:off x="0" y="0"/>
+          <a:ext cx="0" cy="0"/>
+          <a:chOff x="0" y="0"/>
+          <a:chExt cx="0" cy="0"/>
+        </a:xfrm>
+      </p:grpSpPr>
+      <p:sp>
+        <p:nvSpPr>
+          <p:cNvPr id="3" name="Content Placeholder 2"/>
+          <p:cNvSpPr>
+            <a:spLocks noGrp="1"/>
+          </p:cNvSpPr>
+          <p:nvPr>
+            <p:ph idx="1"/>
+          </p:nvPr>
+        </p:nvSpPr>
+        <p:spPr>
+          <a:xfrm>
+            <a:off x="781050" y="882650"/>
             <a:ext cx="10928684" cy="4351338"/>
           </a:xfrm>
         </p:spPr>
@@ -4726,56 +4947,92 @@
           <a:lstStyle/>
           <a:p>
             <a:r>
-              <a:rPr lang="en-US" b="1" dirty="0"/>
+              <a:rPr lang="en-US" b="1" dirty="0">
+                <a:latin typeface="Times New Roman" panose="02020603050405020304" pitchFamily="18" charset="0"/>
+                <a:cs typeface="Times New Roman" panose="02020603050405020304" pitchFamily="18" charset="0"/>
+              </a:rPr>
               <a:t>Why derivatives ?</a:t>
             </a:r>
           </a:p>
           <a:p>
             <a:r>
-              <a:rPr lang="en-US" dirty="0"/>
+              <a:rPr lang="en-US" dirty="0">
+                <a:latin typeface="Times New Roman" panose="02020603050405020304" pitchFamily="18" charset="0"/>
+                <a:cs typeface="Times New Roman" panose="02020603050405020304" pitchFamily="18" charset="0"/>
+              </a:rPr>
               <a:t>The derivative of a function (in our case </a:t>
             </a:r>
             <a:r>
-              <a:rPr lang="en-US" b="1" i="1" dirty="0"/>
+              <a:rPr lang="en-US" b="1" i="1" dirty="0">
+                <a:latin typeface="Times New Roman" panose="02020603050405020304" pitchFamily="18" charset="0"/>
+                <a:cs typeface="Times New Roman" panose="02020603050405020304" pitchFamily="18" charset="0"/>
+              </a:rPr>
               <a:t>J(θ)</a:t>
             </a:r>
             <a:r>
-              <a:rPr lang="en-US" dirty="0"/>
+              <a:rPr lang="en-US" dirty="0">
+                <a:latin typeface="Times New Roman" panose="02020603050405020304" pitchFamily="18" charset="0"/>
+                <a:cs typeface="Times New Roman" panose="02020603050405020304" pitchFamily="18" charset="0"/>
+              </a:rPr>
               <a:t>) on each variable (in our case weight </a:t>
             </a:r>
             <a:r>
-              <a:rPr lang="en-US" b="1" i="1" dirty="0"/>
+              <a:rPr lang="en-US" b="1" i="1" dirty="0">
+                <a:latin typeface="Times New Roman" panose="02020603050405020304" pitchFamily="18" charset="0"/>
+                <a:cs typeface="Times New Roman" panose="02020603050405020304" pitchFamily="18" charset="0"/>
+              </a:rPr>
               <a:t>θ</a:t>
             </a:r>
             <a:r>
-              <a:rPr lang="en-US" dirty="0"/>
+              <a:rPr lang="en-US" dirty="0">
+                <a:latin typeface="Times New Roman" panose="02020603050405020304" pitchFamily="18" charset="0"/>
+                <a:cs typeface="Times New Roman" panose="02020603050405020304" pitchFamily="18" charset="0"/>
+              </a:rPr>
               <a:t>) tells us the </a:t>
             </a:r>
             <a:r>
-              <a:rPr lang="en-US" b="1" dirty="0"/>
+              <a:rPr lang="en-US" b="1" dirty="0">
+                <a:latin typeface="Times New Roman" panose="02020603050405020304" pitchFamily="18" charset="0"/>
+                <a:cs typeface="Times New Roman" panose="02020603050405020304" pitchFamily="18" charset="0"/>
+              </a:rPr>
               <a:t>sensitivity of the function with respect to that variable</a:t>
             </a:r>
             <a:r>
-              <a:rPr lang="en-US" dirty="0"/>
+              <a:rPr lang="en-US" dirty="0">
+                <a:latin typeface="Times New Roman" panose="02020603050405020304" pitchFamily="18" charset="0"/>
+                <a:cs typeface="Times New Roman" panose="02020603050405020304" pitchFamily="18" charset="0"/>
+              </a:rPr>
               <a:t> or </a:t>
             </a:r>
             <a:r>
-              <a:rPr lang="en-US" b="1" dirty="0"/>
+              <a:rPr lang="en-US" b="1" dirty="0">
+                <a:latin typeface="Times New Roman" panose="02020603050405020304" pitchFamily="18" charset="0"/>
+                <a:cs typeface="Times New Roman" panose="02020603050405020304" pitchFamily="18" charset="0"/>
+              </a:rPr>
               <a:t>how changing the variable impacts the function value</a:t>
             </a:r>
             <a:r>
-              <a:rPr lang="en-US" dirty="0"/>
+              <a:rPr lang="en-US" dirty="0">
+                <a:latin typeface="Times New Roman" panose="02020603050405020304" pitchFamily="18" charset="0"/>
+                <a:cs typeface="Times New Roman" panose="02020603050405020304" pitchFamily="18" charset="0"/>
+              </a:rPr>
               <a:t>.</a:t>
             </a:r>
           </a:p>
           <a:p>
             <a:r>
-              <a:rPr lang="en-US" dirty="0"/>
+              <a:rPr lang="en-US" dirty="0">
+                <a:latin typeface="Times New Roman" panose="02020603050405020304" pitchFamily="18" charset="0"/>
+                <a:cs typeface="Times New Roman" panose="02020603050405020304" pitchFamily="18" charset="0"/>
+              </a:rPr>
               <a:t>Let’s look at a simple example neural network</a:t>
             </a:r>
           </a:p>
           <a:p>
-            <a:endParaRPr lang="en-US" dirty="0"/>
+            <a:endParaRPr lang="en-US" dirty="0">
+              <a:latin typeface="Times New Roman" panose="02020603050405020304" pitchFamily="18" charset="0"/>
+              <a:cs typeface="Times New Roman" panose="02020603050405020304" pitchFamily="18" charset="0"/>
+            </a:endParaRPr>
           </a:p>
         </p:txBody>
       </p:sp>
@@ -4802,8 +5059,8 @@
         </p:blipFill>
         <p:spPr bwMode="auto">
           <a:xfrm>
-            <a:off x="3283786" y="4412915"/>
-            <a:ext cx="3935162" cy="2150141"/>
+            <a:off x="2675101" y="3877711"/>
+            <a:ext cx="5454488" cy="2980289"/>
           </a:xfrm>
           <a:prstGeom prst="rect">
             <a:avLst/>
@@ -4840,7 +5097,7 @@
 </p:sld>
 </file>
 
-<file path=ppt/slides/slide17.xml><?xml version="1.0" encoding="utf-8"?>
+<file path=ppt/slides/slide19.xml><?xml version="1.0" encoding="utf-8"?>
 <p:sld xmlns:a="http://schemas.openxmlformats.org/drawingml/2006/main" xmlns:r="http://schemas.openxmlformats.org/officeDocument/2006/relationships" xmlns:p="http://schemas.openxmlformats.org/presentationml/2006/main">
   <p:cSld>
     <p:spTree>
@@ -4859,25 +5116,6 @@
       </p:grpSpPr>
       <p:sp>
         <p:nvSpPr>
-          <p:cNvPr id="2" name="Title 1"/>
-          <p:cNvSpPr>
-            <a:spLocks noGrp="1"/>
-          </p:cNvSpPr>
-          <p:nvPr>
-            <p:ph type="title"/>
-          </p:nvPr>
-        </p:nvSpPr>
-        <p:spPr/>
-        <p:txBody>
-          <a:bodyPr/>
-          <a:lstStyle/>
-          <a:p>
-            <a:endParaRPr lang="en-US"/>
-          </a:p>
-        </p:txBody>
-      </p:sp>
-      <p:sp>
-        <p:nvSpPr>
           <p:cNvPr id="3" name="Content Placeholder 2"/>
           <p:cNvSpPr>
             <a:spLocks noGrp="1"/>
@@ -4888,13 +5126,13 @@
         </p:nvSpPr>
         <p:spPr>
           <a:xfrm>
-            <a:off x="838200" y="1825624"/>
-            <a:ext cx="7126705" cy="4791743"/>
+            <a:off x="838200" y="842964"/>
+            <a:ext cx="10772776" cy="5774404"/>
           </a:xfrm>
         </p:spPr>
         <p:txBody>
           <a:bodyPr>
-            <a:normAutofit fontScale="92500"/>
+            <a:normAutofit/>
           </a:bodyPr>
           <a:lstStyle/>
           <a:p>
@@ -5052,8 +5290,8 @@
         </p:blipFill>
         <p:spPr bwMode="auto">
           <a:xfrm>
-            <a:off x="8284913" y="2788998"/>
-            <a:ext cx="3068887" cy="2424591"/>
+            <a:off x="4253814" y="4473199"/>
+            <a:ext cx="3018524" cy="2384801"/>
           </a:xfrm>
           <a:prstGeom prst="rect">
             <a:avLst/>
@@ -5090,7 +5328,200 @@
 </p:sld>
 </file>
 
-<file path=ppt/slides/slide18.xml><?xml version="1.0" encoding="utf-8"?>
+<file path=ppt/slides/slide2.xml><?xml version="1.0" encoding="utf-8"?>
+<p:sld xmlns:a="http://schemas.openxmlformats.org/drawingml/2006/main" xmlns:r="http://schemas.openxmlformats.org/officeDocument/2006/relationships" xmlns:p="http://schemas.openxmlformats.org/presentationml/2006/main">
+  <p:cSld>
+    <p:spTree>
+      <p:nvGrpSpPr>
+        <p:cNvPr id="1" name=""/>
+        <p:cNvGrpSpPr/>
+        <p:nvPr/>
+      </p:nvGrpSpPr>
+      <p:grpSpPr>
+        <a:xfrm>
+          <a:off x="0" y="0"/>
+          <a:ext cx="0" cy="0"/>
+          <a:chOff x="0" y="0"/>
+          <a:chExt cx="0" cy="0"/>
+        </a:xfrm>
+      </p:grpSpPr>
+      <p:sp>
+        <p:nvSpPr>
+          <p:cNvPr id="2" name="Title 1"/>
+          <p:cNvSpPr>
+            <a:spLocks noGrp="1"/>
+          </p:cNvSpPr>
+          <p:nvPr>
+            <p:ph type="title"/>
+          </p:nvPr>
+        </p:nvSpPr>
+        <p:spPr>
+          <a:xfrm>
+            <a:off x="838200" y="230523"/>
+            <a:ext cx="10515600" cy="684742"/>
+          </a:xfrm>
+        </p:spPr>
+        <p:txBody>
+          <a:bodyPr>
+            <a:normAutofit fontScale="90000"/>
+          </a:bodyPr>
+          <a:lstStyle/>
+          <a:p>
+            <a:r>
+              <a:rPr lang="en-US" b="1" dirty="0" smtClean="0"/>
+              <a:t>Contents</a:t>
+            </a:r>
+            <a:endParaRPr lang="en-US" b="1" dirty="0"/>
+          </a:p>
+        </p:txBody>
+      </p:sp>
+      <p:sp>
+        <p:nvSpPr>
+          <p:cNvPr id="3" name="Content Placeholder 2"/>
+          <p:cNvSpPr>
+            <a:spLocks noGrp="1"/>
+          </p:cNvSpPr>
+          <p:nvPr>
+            <p:ph idx="1"/>
+          </p:nvPr>
+        </p:nvSpPr>
+        <p:spPr>
+          <a:xfrm>
+            <a:off x="838200" y="915265"/>
+            <a:ext cx="11120438" cy="6071323"/>
+          </a:xfrm>
+        </p:spPr>
+        <p:txBody>
+          <a:bodyPr>
+            <a:normAutofit fontScale="77500" lnSpcReduction="20000"/>
+          </a:bodyPr>
+          <a:lstStyle/>
+          <a:p>
+            <a:pPr algn="just">
+              <a:lnSpc>
+                <a:spcPct val="120000"/>
+              </a:lnSpc>
+            </a:pPr>
+            <a:r>
+              <a:rPr lang="en-US" sz="3600" b="1" dirty="0" smtClean="0"/>
+              <a:t>Introduction to deep learning</a:t>
+            </a:r>
+          </a:p>
+          <a:p>
+            <a:pPr marL="0" indent="0" algn="just">
+              <a:lnSpc>
+                <a:spcPct val="120000"/>
+              </a:lnSpc>
+              <a:buNone/>
+            </a:pPr>
+            <a:r>
+              <a:rPr lang="en-US" sz="2400" dirty="0" smtClean="0"/>
+              <a:t>Major Trends in deep learning, How deep learning is applied to supervised learning, Categories of models CNN,RNN &amp; when they should be applied, when does deep learning will work well.</a:t>
+            </a:r>
+          </a:p>
+          <a:p>
+            <a:pPr algn="just">
+              <a:lnSpc>
+                <a:spcPct val="120000"/>
+              </a:lnSpc>
+            </a:pPr>
+            <a:r>
+              <a:rPr lang="en-US" sz="3600" b="1" dirty="0" smtClean="0"/>
+              <a:t>Deep learning Continued</a:t>
+            </a:r>
+          </a:p>
+          <a:p>
+            <a:pPr marL="0" indent="0" algn="just">
+              <a:lnSpc>
+                <a:spcPct val="120000"/>
+              </a:lnSpc>
+              <a:buNone/>
+            </a:pPr>
+            <a:r>
+              <a:rPr lang="en-US" sz="2400" dirty="0" smtClean="0"/>
+              <a:t>Build a logistic regression model, structured as shallow neural network, Implement ML Algorithm, making predictions, derivative computation &amp; gradient descent, implement computationally efficient and highly vectored version of models, compute derivatives for logistic regression using backpropagation mindset, familiarize </a:t>
+            </a:r>
+            <a:r>
+              <a:rPr lang="en-US" sz="2400" dirty="0" err="1" smtClean="0"/>
+              <a:t>Numpy</a:t>
+            </a:r>
+            <a:r>
+              <a:rPr lang="en-US" sz="2400" dirty="0" smtClean="0"/>
+              <a:t>, Logistic regression as a Neural Network, python and vectorization</a:t>
+            </a:r>
+            <a:endParaRPr lang="en-US" sz="2400" dirty="0"/>
+          </a:p>
+          <a:p>
+            <a:pPr algn="just">
+              <a:lnSpc>
+                <a:spcPct val="120000"/>
+              </a:lnSpc>
+            </a:pPr>
+            <a:r>
+              <a:rPr lang="en-US" sz="3600" b="1" dirty="0" smtClean="0"/>
+              <a:t>Introduction to shallow Neural Networks</a:t>
+            </a:r>
+          </a:p>
+          <a:p>
+            <a:pPr marL="0" indent="0" algn="just">
+              <a:lnSpc>
+                <a:spcPct val="120000"/>
+              </a:lnSpc>
+              <a:buNone/>
+            </a:pPr>
+            <a:r>
+              <a:rPr lang="en-US" sz="2400" dirty="0" smtClean="0"/>
+              <a:t>Hidden unites and hidden layers, apply various activation function, Build first forward and backward propagation with a hidden layer, apply random initialization to NN, build and train a neural network with one hidden layer</a:t>
+            </a:r>
+            <a:endParaRPr lang="en-US" sz="2400" dirty="0"/>
+          </a:p>
+          <a:p>
+            <a:pPr algn="just">
+              <a:lnSpc>
+                <a:spcPct val="120000"/>
+              </a:lnSpc>
+            </a:pPr>
+            <a:r>
+              <a:rPr lang="en-US" sz="3600" b="1" dirty="0" smtClean="0"/>
+              <a:t>Introduction to Deep Neural Networks</a:t>
+            </a:r>
+          </a:p>
+          <a:p>
+            <a:pPr marL="0" indent="0" algn="just">
+              <a:lnSpc>
+                <a:spcPct val="120000"/>
+              </a:lnSpc>
+              <a:buNone/>
+            </a:pPr>
+            <a:r>
+              <a:rPr lang="en-US" sz="2400" dirty="0" smtClean="0"/>
+              <a:t>Build and train deep L-Layer NN, Analyze matrix and vector dimensions to check NN implement., How to use cache to pass info from forward prop to back-propagation, role of hyper parameters in deep learning. </a:t>
+            </a:r>
+            <a:endParaRPr lang="en-US" sz="2400" dirty="0"/>
+          </a:p>
+        </p:txBody>
+      </p:sp>
+    </p:spTree>
+    <p:extLst>
+      <p:ext uri="{BB962C8B-B14F-4D97-AF65-F5344CB8AC3E}">
+        <p14:creationId xmlns:p14="http://schemas.microsoft.com/office/powerpoint/2010/main" val="706458376"/>
+      </p:ext>
+    </p:extLst>
+  </p:cSld>
+  <p:clrMapOvr>
+    <a:masterClrMapping/>
+  </p:clrMapOvr>
+  <p:timing>
+    <p:tnLst>
+      <p:par>
+        <p:cTn id="1" dur="indefinite" restart="never" nodeType="tmRoot"/>
+      </p:par>
+    </p:tnLst>
+  </p:timing>
+</p:sld>
+</file>
+
+<file path=ppt/slides/slide20.xml><?xml version="1.0" encoding="utf-8"?>
 <p:sld xmlns:a="http://schemas.openxmlformats.org/drawingml/2006/main" xmlns:r="http://schemas.openxmlformats.org/officeDocument/2006/relationships" xmlns:p="http://schemas.openxmlformats.org/presentationml/2006/main">
   <p:cSld>
     <p:spTree>
@@ -5214,7 +5645,7 @@
 </p:sld>
 </file>
 
-<file path=ppt/slides/slide19.xml><?xml version="1.0" encoding="utf-8"?>
+<file path=ppt/slides/slide21.xml><?xml version="1.0" encoding="utf-8"?>
 <p:sld xmlns:a="http://schemas.openxmlformats.org/drawingml/2006/main" xmlns:r="http://schemas.openxmlformats.org/officeDocument/2006/relationships" xmlns:p="http://schemas.openxmlformats.org/presentationml/2006/main">
   <p:cSld>
     <p:spTree>
@@ -5246,18 +5677,135 @@
           <a:bodyPr/>
           <a:lstStyle/>
           <a:p>
+            <a:r>
+              <a:rPr lang="en-US" dirty="0"/>
+              <a:t>When to Use Recurrent Neural Networks?</a:t>
+            </a:r>
+          </a:p>
+        </p:txBody>
+      </p:sp>
+      <p:sp>
+        <p:nvSpPr>
+          <p:cNvPr id="3" name="Content Placeholder 2"/>
+          <p:cNvSpPr>
+            <a:spLocks noGrp="1"/>
+          </p:cNvSpPr>
+          <p:nvPr>
+            <p:ph idx="1"/>
+          </p:nvPr>
+        </p:nvSpPr>
+        <p:spPr/>
+        <p:txBody>
+          <a:bodyPr/>
+          <a:lstStyle/>
+          <a:p>
+            <a:pPr marL="0" indent="0">
+              <a:buNone/>
+            </a:pPr>
+            <a:r>
+              <a:rPr lang="en-US" dirty="0"/>
+              <a:t>Recurrent Neural Networks, or RNNs, were designed to work with sequence prediction </a:t>
+            </a:r>
+            <a:r>
+              <a:rPr lang="en-US" dirty="0" smtClean="0"/>
+              <a:t>problems</a:t>
+            </a:r>
+          </a:p>
+          <a:p>
+            <a:pPr marL="0" indent="0">
+              <a:buNone/>
+            </a:pPr>
+            <a:r>
+              <a:rPr lang="en-US" dirty="0" smtClean="0"/>
+              <a:t>Ex:</a:t>
+            </a:r>
+          </a:p>
+          <a:p>
+            <a:pPr fontAlgn="base"/>
+            <a:r>
+              <a:rPr lang="en-US" b="1" dirty="0"/>
+              <a:t>One-to-Many</a:t>
+            </a:r>
+            <a:r>
+              <a:rPr lang="en-US" dirty="0"/>
+              <a:t>: An observation as input mapped to a sequence with multiple steps as an output.</a:t>
+            </a:r>
+          </a:p>
+          <a:p>
+            <a:pPr fontAlgn="base"/>
+            <a:r>
+              <a:rPr lang="en-US" b="1" dirty="0"/>
+              <a:t>Many-to-One</a:t>
+            </a:r>
+            <a:r>
+              <a:rPr lang="en-US" dirty="0"/>
+              <a:t>: A sequence of multiple steps as input mapped to class or quantity prediction.</a:t>
+            </a:r>
+          </a:p>
+          <a:p>
+            <a:pPr fontAlgn="base"/>
+            <a:r>
+              <a:rPr lang="en-US" b="1" dirty="0"/>
+              <a:t>Many-to-Many</a:t>
+            </a:r>
+            <a:r>
+              <a:rPr lang="en-US" dirty="0"/>
+              <a:t>: A sequence of multiple steps as input mapped to a sequence with multiple steps as output.</a:t>
+            </a:r>
+          </a:p>
+          <a:p>
+            <a:pPr marL="0" indent="0">
+              <a:buNone/>
+            </a:pPr>
             <a:endParaRPr lang="en-US" dirty="0"/>
           </a:p>
         </p:txBody>
       </p:sp>
-      <p:sp>
-        <p:nvSpPr>
-          <p:cNvPr id="3" name="Content Placeholder 2"/>
-          <p:cNvSpPr>
-            <a:spLocks noGrp="1"/>
-          </p:cNvSpPr>
-          <p:nvPr>
-            <p:ph idx="1"/>
+    </p:spTree>
+    <p:extLst>
+      <p:ext uri="{BB962C8B-B14F-4D97-AF65-F5344CB8AC3E}">
+        <p14:creationId xmlns:p14="http://schemas.microsoft.com/office/powerpoint/2010/main" val="578053498"/>
+      </p:ext>
+    </p:extLst>
+  </p:cSld>
+  <p:clrMapOvr>
+    <a:masterClrMapping/>
+  </p:clrMapOvr>
+  <p:timing>
+    <p:tnLst>
+      <p:par>
+        <p:cTn id="1" dur="indefinite" restart="never" nodeType="tmRoot"/>
+      </p:par>
+    </p:tnLst>
+  </p:timing>
+</p:sld>
+</file>
+
+<file path=ppt/slides/slide22.xml><?xml version="1.0" encoding="utf-8"?>
+<p:sld xmlns:a="http://schemas.openxmlformats.org/drawingml/2006/main" xmlns:r="http://schemas.openxmlformats.org/officeDocument/2006/relationships" xmlns:p="http://schemas.openxmlformats.org/presentationml/2006/main">
+  <p:cSld>
+    <p:spTree>
+      <p:nvGrpSpPr>
+        <p:cNvPr id="1" name=""/>
+        <p:cNvGrpSpPr/>
+        <p:nvPr/>
+      </p:nvGrpSpPr>
+      <p:grpSpPr>
+        <a:xfrm>
+          <a:off x="0" y="0"/>
+          <a:ext cx="0" cy="0"/>
+          <a:chOff x="0" y="0"/>
+          <a:chExt cx="0" cy="0"/>
+        </a:xfrm>
+      </p:grpSpPr>
+      <p:sp>
+        <p:nvSpPr>
+          <p:cNvPr id="2" name="Title 1"/>
+          <p:cNvSpPr>
+            <a:spLocks noGrp="1"/>
+          </p:cNvSpPr>
+          <p:nvPr>
+            <p:ph type="title"/>
           </p:nvPr>
         </p:nvSpPr>
         <p:spPr/>
@@ -5265,10 +5813,59 @@
           <a:bodyPr/>
           <a:lstStyle/>
           <a:p>
-            <a:endParaRPr lang="en-US"/>
-          </a:p>
-        </p:txBody>
-      </p:sp>
+            <a:r>
+              <a:rPr lang="en-US" dirty="0"/>
+              <a:t>Types of </a:t>
+            </a:r>
+            <a:r>
+              <a:rPr lang="en-US" dirty="0" smtClean="0"/>
+              <a:t>CNN</a:t>
+            </a:r>
+            <a:endParaRPr lang="en-US" dirty="0"/>
+          </a:p>
+        </p:txBody>
+      </p:sp>
+      <p:pic>
+        <p:nvPicPr>
+          <p:cNvPr id="1026" name="Picture 2" descr="https://www.researchgate.net/profile/Anabia-Sohail-2/publication/330511306/figure/fig22/AS:870708972380162@1584604604715/Taxonomy-of-deep-CNN-architectures-showing-seven-different-categories.ppm"/>
+          <p:cNvPicPr>
+            <a:picLocks noChangeAspect="1" noChangeArrowheads="1"/>
+          </p:cNvPicPr>
+          <p:nvPr/>
+        </p:nvPicPr>
+        <p:blipFill>
+          <a:blip r:embed="rId2">
+            <a:extLst>
+              <a:ext uri="{28A0092B-C50C-407E-A947-70E740481C1C}">
+                <a14:useLocalDpi xmlns:a14="http://schemas.microsoft.com/office/drawing/2010/main" val="0"/>
+              </a:ext>
+            </a:extLst>
+          </a:blip>
+          <a:srcRect/>
+          <a:stretch>
+            <a:fillRect/>
+          </a:stretch>
+        </p:blipFill>
+        <p:spPr bwMode="auto">
+          <a:xfrm>
+            <a:off x="241300" y="1479550"/>
+            <a:ext cx="11598792" cy="4421188"/>
+          </a:xfrm>
+          <a:prstGeom prst="rect">
+            <a:avLst/>
+          </a:prstGeom>
+          <a:noFill/>
+          <a:extLst>
+            <a:ext uri="{909E8E84-426E-40DD-AFC4-6F175D3DCCD1}">
+              <a14:hiddenFill xmlns:a14="http://schemas.microsoft.com/office/drawing/2010/main">
+                <a:solidFill>
+                  <a:srgbClr val="FFFFFF"/>
+                </a:solidFill>
+              </a14:hiddenFill>
+            </a:ext>
+          </a:extLst>
+        </p:spPr>
+      </p:pic>
     </p:spTree>
     <p:extLst>
       <p:ext uri="{BB962C8B-B14F-4D97-AF65-F5344CB8AC3E}">
@@ -5289,7 +5886,7 @@
 </p:sld>
 </file>
 
-<file path=ppt/slides/slide2.xml><?xml version="1.0" encoding="utf-8"?>
+<file path=ppt/slides/slide23.xml><?xml version="1.0" encoding="utf-8"?>
 <p:sld xmlns:a="http://schemas.openxmlformats.org/drawingml/2006/main" xmlns:r="http://schemas.openxmlformats.org/officeDocument/2006/relationships" xmlns:p="http://schemas.openxmlformats.org/presentationml/2006/main">
   <p:cSld>
     <p:spTree>
@@ -5316,81 +5913,328 @@
             <p:ph type="title"/>
           </p:nvPr>
         </p:nvSpPr>
+        <p:spPr/>
+        <p:txBody>
+          <a:bodyPr/>
+          <a:lstStyle/>
+          <a:p>
+            <a:r>
+              <a:rPr lang="en-US" b="1" dirty="0"/>
+              <a:t>When to Use </a:t>
+            </a:r>
+            <a:r>
+              <a:rPr lang="en-US" b="1" dirty="0" smtClean="0"/>
+              <a:t>CNNs?</a:t>
+            </a:r>
+            <a:endParaRPr lang="en-US" dirty="0"/>
+          </a:p>
+        </p:txBody>
+      </p:sp>
+      <p:sp>
+        <p:nvSpPr>
+          <p:cNvPr id="4" name="Content Placeholder 2"/>
+          <p:cNvSpPr>
+            <a:spLocks noGrp="1"/>
+          </p:cNvSpPr>
+          <p:nvPr>
+            <p:ph idx="1"/>
+          </p:nvPr>
+        </p:nvSpPr>
         <p:spPr>
           <a:xfrm>
-            <a:off x="838200" y="702010"/>
-            <a:ext cx="10515600" cy="684742"/>
+            <a:off x="838200" y="1825625"/>
+            <a:ext cx="10515600" cy="4351338"/>
           </a:xfrm>
         </p:spPr>
         <p:txBody>
-          <a:bodyPr>
-            <a:normAutofit fontScale="90000"/>
-          </a:bodyPr>
-          <a:lstStyle/>
-          <a:p>
+          <a:bodyPr/>
+          <a:lstStyle/>
+          <a:p>
+            <a:pPr>
+              <a:lnSpc>
+                <a:spcPct val="100000"/>
+              </a:lnSpc>
+            </a:pPr>
+            <a:r>
+              <a:rPr lang="en-US" dirty="0"/>
+              <a:t>Convolutional Neural Networks (CNNs) are designed to map image data (or 2D multi-dimensional data) to an output variable (1 dimensional data). </a:t>
+            </a:r>
+            <a:endParaRPr lang="en-US" dirty="0" smtClean="0"/>
+          </a:p>
+          <a:p>
+            <a:pPr>
+              <a:lnSpc>
+                <a:spcPct val="100000"/>
+              </a:lnSpc>
+            </a:pPr>
             <a:r>
               <a:rPr lang="en-US" dirty="0" smtClean="0"/>
-              <a:t>Contents</a:t>
-            </a:r>
-            <a:endParaRPr lang="en-US" dirty="0"/>
-          </a:p>
-        </p:txBody>
-      </p:sp>
-      <p:sp>
-        <p:nvSpPr>
-          <p:cNvPr id="3" name="Content Placeholder 2"/>
-          <p:cNvSpPr>
-            <a:spLocks noGrp="1"/>
-          </p:cNvSpPr>
-          <p:nvPr>
-            <p:ph idx="1"/>
-          </p:nvPr>
-        </p:nvSpPr>
-        <p:spPr>
+              <a:t>They </a:t>
+            </a:r>
+            <a:r>
+              <a:rPr lang="en-US" dirty="0"/>
+              <a:t>have proven so effective that they are the ready to use method for any type of prediction problem involving image data as an input.</a:t>
+            </a:r>
+          </a:p>
+        </p:txBody>
+      </p:sp>
+      <p:pic>
+        <p:nvPicPr>
+          <p:cNvPr id="3074" name="Picture 2" descr="convolutional neural network"/>
+          <p:cNvPicPr>
+            <a:picLocks noChangeAspect="1" noChangeArrowheads="1"/>
+          </p:cNvPicPr>
+          <p:nvPr/>
+        </p:nvPicPr>
+        <p:blipFill>
+          <a:blip r:embed="rId2">
+            <a:extLst>
+              <a:ext uri="{28A0092B-C50C-407E-A947-70E740481C1C}">
+                <a14:useLocalDpi xmlns:a14="http://schemas.microsoft.com/office/drawing/2010/main" val="0"/>
+              </a:ext>
+            </a:extLst>
+          </a:blip>
+          <a:srcRect/>
+          <a:stretch>
+            <a:fillRect/>
+          </a:stretch>
+        </p:blipFill>
+        <p:spPr bwMode="auto">
           <a:xfrm>
-            <a:off x="838200" y="1660358"/>
-            <a:ext cx="10515600" cy="4516605"/>
+            <a:off x="1185863" y="4251413"/>
+            <a:ext cx="8801099" cy="2606587"/>
           </a:xfrm>
+          <a:prstGeom prst="rect">
+            <a:avLst/>
+          </a:prstGeom>
+          <a:noFill/>
+          <a:extLst>
+            <a:ext uri="{909E8E84-426E-40DD-AFC4-6F175D3DCCD1}">
+              <a14:hiddenFill xmlns:a14="http://schemas.microsoft.com/office/drawing/2010/main">
+                <a:solidFill>
+                  <a:srgbClr val="FFFFFF"/>
+                </a:solidFill>
+              </a14:hiddenFill>
+            </a:ext>
+          </a:extLst>
         </p:spPr>
-        <p:txBody>
-          <a:bodyPr/>
-          <a:lstStyle/>
-          <a:p>
-            <a:r>
-              <a:rPr lang="en-US" sz="3600" b="1" dirty="0" smtClean="0"/>
-              <a:t>Introduction to deep learning</a:t>
-            </a:r>
-          </a:p>
-          <a:p>
-            <a:r>
-              <a:rPr lang="en-US" sz="3600" b="1" dirty="0" smtClean="0"/>
-              <a:t>Deep learning Continued</a:t>
-            </a:r>
-          </a:p>
-          <a:p>
-            <a:r>
-              <a:rPr lang="en-US" sz="3600" b="1" dirty="0" smtClean="0"/>
-              <a:t>Introduction to shallow Neural Networks</a:t>
-            </a:r>
-          </a:p>
-          <a:p>
-            <a:r>
-              <a:rPr lang="en-US" sz="3600" b="1" dirty="0" smtClean="0"/>
-              <a:t>Introduction to Deep Neural Networks</a:t>
-            </a:r>
-          </a:p>
-          <a:p>
-            <a:pPr marL="0" indent="0">
-              <a:buNone/>
-            </a:pPr>
-            <a:endParaRPr lang="en-US" b="1" dirty="0"/>
-          </a:p>
-        </p:txBody>
-      </p:sp>
+      </p:pic>
     </p:spTree>
     <p:extLst>
       <p:ext uri="{BB962C8B-B14F-4D97-AF65-F5344CB8AC3E}">
-        <p14:creationId xmlns:p14="http://schemas.microsoft.com/office/powerpoint/2010/main" val="706458376"/>
+        <p14:creationId xmlns:p14="http://schemas.microsoft.com/office/powerpoint/2010/main" val="3410021456"/>
+      </p:ext>
+    </p:extLst>
+  </p:cSld>
+  <p:clrMapOvr>
+    <a:masterClrMapping/>
+  </p:clrMapOvr>
+  <p:timing>
+    <p:tnLst>
+      <p:par>
+        <p:cTn id="1" dur="indefinite" restart="never" nodeType="tmRoot"/>
+      </p:par>
+    </p:tnLst>
+  </p:timing>
+</p:sld>
+</file>
+
+<file path=ppt/slides/slide24.xml><?xml version="1.0" encoding="utf-8"?>
+<p:sld xmlns:a="http://schemas.openxmlformats.org/drawingml/2006/main" xmlns:r="http://schemas.openxmlformats.org/officeDocument/2006/relationships" xmlns:p="http://schemas.openxmlformats.org/presentationml/2006/main">
+  <p:cSld>
+    <p:spTree>
+      <p:nvGrpSpPr>
+        <p:cNvPr id="1" name=""/>
+        <p:cNvGrpSpPr/>
+        <p:nvPr/>
+      </p:nvGrpSpPr>
+      <p:grpSpPr>
+        <a:xfrm>
+          <a:off x="0" y="0"/>
+          <a:ext cx="0" cy="0"/>
+          <a:chOff x="0" y="0"/>
+          <a:chExt cx="0" cy="0"/>
+        </a:xfrm>
+      </p:grpSpPr>
+      <p:sp>
+        <p:nvSpPr>
+          <p:cNvPr id="2" name="Title 1"/>
+          <p:cNvSpPr>
+            <a:spLocks noGrp="1"/>
+          </p:cNvSpPr>
+          <p:nvPr>
+            <p:ph type="title"/>
+          </p:nvPr>
+        </p:nvSpPr>
+        <p:spPr>
+          <a:xfrm>
+            <a:off x="1676400" y="2608262"/>
+            <a:ext cx="10515600" cy="1325563"/>
+          </a:xfrm>
+        </p:spPr>
+        <p:txBody>
+          <a:bodyPr/>
+          <a:lstStyle/>
+          <a:p>
+            <a:r>
+              <a:rPr lang="en-US" b="1" dirty="0" smtClean="0"/>
+              <a:t>Deep Learning Continued</a:t>
+            </a:r>
+            <a:endParaRPr lang="en-US" b="1" dirty="0"/>
+          </a:p>
+        </p:txBody>
+      </p:sp>
+    </p:spTree>
+    <p:extLst>
+      <p:ext uri="{BB962C8B-B14F-4D97-AF65-F5344CB8AC3E}">
+        <p14:creationId xmlns:p14="http://schemas.microsoft.com/office/powerpoint/2010/main" val="1081368936"/>
+      </p:ext>
+    </p:extLst>
+  </p:cSld>
+  <p:clrMapOvr>
+    <a:masterClrMapping/>
+  </p:clrMapOvr>
+  <p:timing>
+    <p:tnLst>
+      <p:par>
+        <p:cTn id="1" dur="indefinite" restart="never" nodeType="tmRoot"/>
+      </p:par>
+    </p:tnLst>
+  </p:timing>
+</p:sld>
+</file>
+
+<file path=ppt/slides/slide25.xml><?xml version="1.0" encoding="utf-8"?>
+<p:sld xmlns:a="http://schemas.openxmlformats.org/drawingml/2006/main" xmlns:r="http://schemas.openxmlformats.org/officeDocument/2006/relationships" xmlns:p="http://schemas.openxmlformats.org/presentationml/2006/main">
+  <p:cSld>
+    <p:spTree>
+      <p:nvGrpSpPr>
+        <p:cNvPr id="1" name=""/>
+        <p:cNvGrpSpPr/>
+        <p:nvPr/>
+      </p:nvGrpSpPr>
+      <p:grpSpPr>
+        <a:xfrm>
+          <a:off x="0" y="0"/>
+          <a:ext cx="0" cy="0"/>
+          <a:chOff x="0" y="0"/>
+          <a:chExt cx="0" cy="0"/>
+        </a:xfrm>
+      </p:grpSpPr>
+      <p:sp>
+        <p:nvSpPr>
+          <p:cNvPr id="2" name="Title 1"/>
+          <p:cNvSpPr>
+            <a:spLocks noGrp="1"/>
+          </p:cNvSpPr>
+          <p:nvPr>
+            <p:ph type="title"/>
+          </p:nvPr>
+        </p:nvSpPr>
+        <p:spPr/>
+        <p:txBody>
+          <a:bodyPr/>
+          <a:lstStyle/>
+          <a:p>
+            <a:r>
+              <a:rPr lang="en-US" dirty="0" smtClean="0"/>
+              <a:t>Deep Learning Continued</a:t>
+            </a:r>
+            <a:endParaRPr lang="en-US" dirty="0"/>
+          </a:p>
+        </p:txBody>
+      </p:sp>
+      <p:sp>
+        <p:nvSpPr>
+          <p:cNvPr id="3" name="Content Placeholder 2"/>
+          <p:cNvSpPr>
+            <a:spLocks noGrp="1"/>
+          </p:cNvSpPr>
+          <p:nvPr>
+            <p:ph idx="1"/>
+          </p:nvPr>
+        </p:nvSpPr>
+        <p:spPr/>
+        <p:txBody>
+          <a:bodyPr/>
+          <a:lstStyle/>
+          <a:p>
+            <a:r>
+              <a:rPr lang="en-US" dirty="0" smtClean="0"/>
+              <a:t>Building logistic regression structured as Shallow neural network</a:t>
+            </a:r>
+            <a:endParaRPr lang="en-US" dirty="0"/>
+          </a:p>
+        </p:txBody>
+      </p:sp>
+      <p:sp>
+        <p:nvSpPr>
+          <p:cNvPr id="4" name="Rectangle 3"/>
+          <p:cNvSpPr/>
+          <p:nvPr/>
+        </p:nvSpPr>
+        <p:spPr>
+          <a:xfrm>
+            <a:off x="9686925" y="6311900"/>
+            <a:ext cx="2171700" cy="369332"/>
+          </a:xfrm>
+          <a:prstGeom prst="rect">
+            <a:avLst/>
+          </a:prstGeom>
+        </p:spPr>
+        <p:txBody>
+          <a:bodyPr wrap="square">
+            <a:spAutoFit/>
+          </a:bodyPr>
+          <a:lstStyle/>
+          <a:p>
+            <a:r>
+              <a:rPr lang="en-US" dirty="0" smtClean="0">
+                <a:hlinkClick r:id="rId2"/>
+              </a:rPr>
+              <a:t>More…</a:t>
+            </a:r>
+            <a:endParaRPr lang="en-US" dirty="0"/>
+          </a:p>
+        </p:txBody>
+      </p:sp>
+      <p:sp>
+        <p:nvSpPr>
+          <p:cNvPr id="5" name="Rectangle 4">
+            <a:hlinkClick r:id="rId3"/>
+          </p:cNvPr>
+          <p:cNvSpPr/>
+          <p:nvPr/>
+        </p:nvSpPr>
+        <p:spPr>
+          <a:xfrm>
+            <a:off x="569495" y="6367379"/>
+            <a:ext cx="6096000" cy="369332"/>
+          </a:xfrm>
+          <a:prstGeom prst="rect">
+            <a:avLst/>
+          </a:prstGeom>
+        </p:spPr>
+        <p:txBody>
+          <a:bodyPr>
+            <a:spAutoFit/>
+          </a:bodyPr>
+          <a:lstStyle/>
+          <a:p>
+            <a:r>
+              <a:rPr lang="en-US" dirty="0" smtClean="0">
+                <a:hlinkClick r:id="rId3"/>
+              </a:rPr>
+              <a:t>Refer</a:t>
+            </a:r>
+            <a:endParaRPr lang="en-US" dirty="0"/>
+          </a:p>
+        </p:txBody>
+      </p:sp>
+    </p:spTree>
+    <p:extLst>
+      <p:ext uri="{BB962C8B-B14F-4D97-AF65-F5344CB8AC3E}">
+        <p14:creationId xmlns:p14="http://schemas.microsoft.com/office/powerpoint/2010/main" val="4036478188"/>
       </p:ext>
     </p:extLst>
   </p:cSld>
@@ -5441,94 +6285,118 @@
           <a:p>
             <a:r>
               <a:rPr lang="en-US" dirty="0" smtClean="0"/>
-              <a:t>What's deep learning</a:t>
+              <a:t> </a:t>
             </a:r>
             <a:endParaRPr lang="en-US" dirty="0"/>
           </a:p>
         </p:txBody>
       </p:sp>
-      <p:sp>
-        <p:nvSpPr>
-          <p:cNvPr id="3" name="Content Placeholder 2"/>
-          <p:cNvSpPr>
-            <a:spLocks noGrp="1"/>
-          </p:cNvSpPr>
-          <p:nvPr>
-            <p:ph idx="1"/>
-          </p:nvPr>
-        </p:nvSpPr>
-        <p:spPr/>
-        <p:txBody>
-          <a:bodyPr>
+      <p:pic>
+        <p:nvPicPr>
+          <p:cNvPr id="2050" name="Picture 2" descr="https://www.eiva.com/Files/Images/EIVA-Log/2017/Gartner-Hype-Cycle-for-Emerging-Technologies_191017_1.jpg"/>
+          <p:cNvPicPr>
+            <a:picLocks noChangeAspect="1" noChangeArrowheads="1"/>
+          </p:cNvPicPr>
+          <p:nvPr/>
+        </p:nvPicPr>
+        <p:blipFill>
+          <a:blip r:embed="rId2">
+            <a:extLst>
+              <a:ext uri="{28A0092B-C50C-407E-A947-70E740481C1C}">
+                <a14:useLocalDpi xmlns:a14="http://schemas.microsoft.com/office/drawing/2010/main" val="0"/>
+              </a:ext>
+            </a:extLst>
+          </a:blip>
+          <a:srcRect/>
+          <a:stretch>
+            <a:fillRect/>
+          </a:stretch>
+        </p:blipFill>
+        <p:spPr bwMode="auto">
+          <a:xfrm>
+            <a:off x="0" y="1100138"/>
+            <a:ext cx="12192000" cy="5757862"/>
+          </a:xfrm>
+          <a:prstGeom prst="rect">
+            <a:avLst/>
+          </a:prstGeom>
+          <a:noFill/>
+          <a:extLst>
+            <a:ext uri="{909E8E84-426E-40DD-AFC4-6F175D3DCCD1}">
+              <a14:hiddenFill xmlns:a14="http://schemas.microsoft.com/office/drawing/2010/main">
+                <a:solidFill>
+                  <a:srgbClr val="FFFFFF"/>
+                </a:solidFill>
+              </a14:hiddenFill>
+            </a:ext>
+          </a:extLst>
+        </p:spPr>
+      </p:pic>
+      <p:sp>
+        <p:nvSpPr>
+          <p:cNvPr id="5" name="Title 1"/>
+          <p:cNvSpPr txBox="1">
+            <a:spLocks/>
+          </p:cNvSpPr>
+          <p:nvPr/>
+        </p:nvSpPr>
+        <p:spPr>
+          <a:xfrm>
+            <a:off x="838199" y="1"/>
+            <a:ext cx="10806113" cy="1100138"/>
+          </a:xfrm>
+          <a:prstGeom prst="rect">
+            <a:avLst/>
+          </a:prstGeom>
+        </p:spPr>
+        <p:txBody>
+          <a:bodyPr vert="horz" lIns="91440" tIns="45720" rIns="91440" bIns="45720" rtlCol="0" anchor="ctr">
             <a:normAutofit/>
           </a:bodyPr>
-          <a:lstStyle/>
-          <a:p>
-            <a:pPr marL="0" indent="0" algn="just">
+          <a:lstStyle>
+            <a:lvl1pPr algn="l" defTabSz="914400" rtl="0" eaLnBrk="1" latinLnBrk="0" hangingPunct="1">
               <a:lnSpc>
-                <a:spcPct val="150000"/>
+                <a:spcPct val="90000"/>
               </a:lnSpc>
-              <a:buNone/>
-            </a:pPr>
-            <a:r>
-              <a:rPr lang="en-US" sz="3600" b="1" dirty="0"/>
-              <a:t>Deep learning is a branch of </a:t>
-            </a:r>
-            <a:r>
-              <a:rPr lang="en-US" sz="3600" b="1" dirty="0">
+              <a:spcBef>
+                <a:spcPct val="0"/>
+              </a:spcBef>
+              <a:buNone/>
+              <a:defRPr sz="4400" kern="1200">
                 <a:solidFill>
-                  <a:schemeClr val="accent5"/>
+                  <a:schemeClr val="tx1"/>
+                </a:solidFill>
+                <a:latin typeface="+mj-lt"/>
+                <a:ea typeface="+mj-ea"/>
+                <a:cs typeface="+mj-cs"/>
+              </a:defRPr>
+            </a:lvl1pPr>
+          </a:lstStyle>
+          <a:p>
+            <a:r>
+              <a:rPr lang="en-US" b="1" dirty="0" smtClean="0">
+                <a:solidFill>
+                  <a:schemeClr val="accent1">
+                    <a:lumMod val="75000"/>
+                  </a:schemeClr>
                 </a:solidFill>
               </a:rPr>
-              <a:t>machine learning </a:t>
-            </a:r>
-            <a:r>
-              <a:rPr lang="en-US" sz="3600" b="1" dirty="0"/>
-              <a:t>which is completely based on </a:t>
-            </a:r>
-            <a:r>
-              <a:rPr lang="en-US" sz="3600" b="1" dirty="0">
-                <a:solidFill>
-                  <a:schemeClr val="accent5"/>
-                </a:solidFill>
-              </a:rPr>
-              <a:t>artificial neural networks</a:t>
-            </a:r>
-            <a:r>
-              <a:rPr lang="en-US" sz="3600" b="1" dirty="0"/>
-              <a:t>, as neural network is going to mimic </a:t>
-            </a:r>
-            <a:r>
-              <a:rPr lang="en-US" sz="3600" b="1" dirty="0">
-                <a:solidFill>
-                  <a:schemeClr val="accent5"/>
-                </a:solidFill>
-              </a:rPr>
-              <a:t>the human brain </a:t>
-            </a:r>
-            <a:r>
-              <a:rPr lang="en-US" sz="3600" b="1" dirty="0"/>
-              <a:t>so </a:t>
-            </a:r>
-            <a:r>
-              <a:rPr lang="en-US" sz="3600" b="1" dirty="0">
-                <a:solidFill>
-                  <a:schemeClr val="accent5"/>
-                </a:solidFill>
-              </a:rPr>
-              <a:t>deep learning </a:t>
-            </a:r>
-            <a:r>
-              <a:rPr lang="en-US" sz="3600" b="1" dirty="0"/>
-              <a:t>is also a kind of mimic of human brain. </a:t>
-            </a:r>
+              <a:t>Trends in deep learning</a:t>
+            </a:r>
+            <a:endParaRPr lang="en-US" b="1" dirty="0">
+              <a:solidFill>
+                <a:schemeClr val="accent1">
+                  <a:lumMod val="75000"/>
+                </a:schemeClr>
+              </a:solidFill>
+            </a:endParaRPr>
           </a:p>
         </p:txBody>
       </p:sp>
     </p:spTree>
     <p:extLst>
       <p:ext uri="{BB962C8B-B14F-4D97-AF65-F5344CB8AC3E}">
-        <p14:creationId xmlns:p14="http://schemas.microsoft.com/office/powerpoint/2010/main" val="2214684984"/>
+        <p14:creationId xmlns:p14="http://schemas.microsoft.com/office/powerpoint/2010/main" val="2619841840"/>
       </p:ext>
     </p:extLst>
   </p:cSld>
@@ -5579,49 +6447,57 @@
           <a:p>
             <a:r>
               <a:rPr lang="en-US" dirty="0" smtClean="0"/>
-              <a:t>Introduction To Deep Learning</a:t>
+              <a:t> </a:t>
             </a:r>
             <a:endParaRPr lang="en-US" dirty="0"/>
           </a:p>
         </p:txBody>
       </p:sp>
-      <p:sp>
-        <p:nvSpPr>
-          <p:cNvPr id="3" name="Content Placeholder 2"/>
-          <p:cNvSpPr>
-            <a:spLocks noGrp="1"/>
-          </p:cNvSpPr>
-          <p:nvPr>
-            <p:ph idx="1"/>
-          </p:nvPr>
-        </p:nvSpPr>
-        <p:spPr>
+      <p:pic>
+        <p:nvPicPr>
+          <p:cNvPr id="1026" name="Picture 2" descr="7 Current Trends in Artificial Intelligence | Deep learning, Machine  learning, Artificial intelligence"/>
+          <p:cNvPicPr>
+            <a:picLocks noChangeAspect="1" noChangeArrowheads="1"/>
+          </p:cNvPicPr>
+          <p:nvPr/>
+        </p:nvPicPr>
+        <p:blipFill>
+          <a:blip r:embed="rId2">
+            <a:extLst>
+              <a:ext uri="{28A0092B-C50C-407E-A947-70E740481C1C}">
+                <a14:useLocalDpi xmlns:a14="http://schemas.microsoft.com/office/drawing/2010/main" val="0"/>
+              </a:ext>
+            </a:extLst>
+          </a:blip>
+          <a:srcRect/>
+          <a:stretch>
+            <a:fillRect/>
+          </a:stretch>
+        </p:blipFill>
+        <p:spPr bwMode="auto">
           <a:xfrm>
-            <a:off x="838200" y="1464678"/>
-            <a:ext cx="10515600" cy="4351338"/>
+            <a:off x="0" y="0"/>
+            <a:ext cx="12192000" cy="6829426"/>
           </a:xfrm>
+          <a:prstGeom prst="rect">
+            <a:avLst/>
+          </a:prstGeom>
+          <a:noFill/>
+          <a:extLst>
+            <a:ext uri="{909E8E84-426E-40DD-AFC4-6F175D3DCCD1}">
+              <a14:hiddenFill xmlns:a14="http://schemas.microsoft.com/office/drawing/2010/main">
+                <a:solidFill>
+                  <a:srgbClr val="FFFFFF"/>
+                </a:solidFill>
+              </a14:hiddenFill>
+            </a:ext>
+          </a:extLst>
         </p:spPr>
-        <p:txBody>
-          <a:bodyPr/>
-          <a:lstStyle/>
-          <a:p>
-            <a:pPr marL="0" indent="0" algn="just">
-              <a:lnSpc>
-                <a:spcPct val="150000"/>
-              </a:lnSpc>
-              <a:buNone/>
-            </a:pPr>
-            <a:r>
-              <a:rPr lang="en-US" dirty="0"/>
-              <a:t>Deep learning is a particular kind of machine learning that achieves great power and flexibility by learning to represent the world as a nested hierarchy of concepts, with each concept defined in relation to simpler concepts, and more abstract representations computed in terms of less abstract ones.</a:t>
-            </a:r>
-          </a:p>
-        </p:txBody>
-      </p:sp>
+      </p:pic>
     </p:spTree>
     <p:extLst>
       <p:ext uri="{BB962C8B-B14F-4D97-AF65-F5344CB8AC3E}">
-        <p14:creationId xmlns:p14="http://schemas.microsoft.com/office/powerpoint/2010/main" val="722790221"/>
+        <p14:creationId xmlns:p14="http://schemas.microsoft.com/office/powerpoint/2010/main" val="4140116046"/>
       </p:ext>
     </p:extLst>
   </p:cSld>
@@ -5671,9 +6547,10 @@
           <a:lstStyle/>
           <a:p>
             <a:r>
-              <a:rPr lang="en-US" dirty="0"/>
-              <a:t>Architectures </a:t>
-            </a:r>
+              <a:rPr lang="en-US" dirty="0" smtClean="0"/>
+              <a:t>What's deep learning</a:t>
+            </a:r>
+            <a:endParaRPr lang="en-US" dirty="0"/>
           </a:p>
         </p:txBody>
       </p:sp>
@@ -5687,58 +6564,70 @@
             <p:ph idx="1"/>
           </p:nvPr>
         </p:nvSpPr>
-        <p:spPr>
-          <a:xfrm>
-            <a:off x="838200" y="1825625"/>
-            <a:ext cx="10515600" cy="4767680"/>
-          </a:xfrm>
-        </p:spPr>
+        <p:spPr/>
         <p:txBody>
           <a:bodyPr>
-            <a:normAutofit fontScale="92500" lnSpcReduction="20000"/>
+            <a:normAutofit/>
           </a:bodyPr>
           <a:lstStyle/>
           <a:p>
-            <a:pPr>
+            <a:pPr marL="0" indent="0" algn="just">
               <a:lnSpc>
                 <a:spcPct val="150000"/>
               </a:lnSpc>
+              <a:buNone/>
             </a:pPr>
             <a:r>
-              <a:rPr lang="en-US" dirty="0"/>
-              <a:t>In human brain approximately 100 billion neurons all together this is a picture of an individual neuron and each neuron is connected through thousand of their </a:t>
-            </a:r>
-            <a:r>
-              <a:rPr lang="en-US" dirty="0" smtClean="0"/>
-              <a:t>neighbors.</a:t>
-            </a:r>
-            <a:endParaRPr lang="en-US" dirty="0"/>
-          </a:p>
-          <a:p>
-            <a:pPr>
-              <a:lnSpc>
-                <a:spcPct val="150000"/>
-              </a:lnSpc>
-            </a:pPr>
-            <a:r>
-              <a:rPr lang="en-US" dirty="0"/>
-              <a:t>The question here is how do we recreate these neurons in a computer. So, we create an artificial structure called an artificial neural net where we have nodes or neurons. </a:t>
-            </a:r>
-            <a:endParaRPr lang="en-US" dirty="0" smtClean="0"/>
-          </a:p>
-          <a:p>
-            <a:pPr>
-              <a:lnSpc>
-                <a:spcPct val="150000"/>
-              </a:lnSpc>
-            </a:pPr>
-            <a:r>
-              <a:rPr lang="en-US" dirty="0" smtClean="0"/>
-              <a:t>We </a:t>
-            </a:r>
-            <a:r>
-              <a:rPr lang="en-US" dirty="0"/>
-              <a:t>have some neurons for input value and some for output value and in between, there may be lots of neurons interconnected in the hidden layer.</a:t>
+              <a:rPr lang="en-US" sz="3600" b="1" dirty="0"/>
+              <a:t>Deep learning is a branch of </a:t>
+            </a:r>
+            <a:r>
+              <a:rPr lang="en-US" sz="3600" b="1" dirty="0">
+                <a:solidFill>
+                  <a:schemeClr val="accent5"/>
+                </a:solidFill>
+              </a:rPr>
+              <a:t>machine learning </a:t>
+            </a:r>
+            <a:r>
+              <a:rPr lang="en-US" sz="3600" b="1" dirty="0"/>
+              <a:t>which is completely based on </a:t>
+            </a:r>
+            <a:r>
+              <a:rPr lang="en-US" sz="3600" b="1" dirty="0">
+                <a:solidFill>
+                  <a:schemeClr val="accent5"/>
+                </a:solidFill>
+              </a:rPr>
+              <a:t>artificial neural networks</a:t>
+            </a:r>
+            <a:r>
+              <a:rPr lang="en-US" sz="3600" b="1" dirty="0"/>
+              <a:t>, as neural network is going to mimic </a:t>
+            </a:r>
+            <a:r>
+              <a:rPr lang="en-US" sz="3600" b="1" dirty="0">
+                <a:solidFill>
+                  <a:schemeClr val="accent5"/>
+                </a:solidFill>
+              </a:rPr>
+              <a:t>the human brain </a:t>
+            </a:r>
+            <a:r>
+              <a:rPr lang="en-US" sz="3600" b="1" dirty="0"/>
+              <a:t>so </a:t>
+            </a:r>
+            <a:r>
+              <a:rPr lang="en-US" sz="3600" b="1" dirty="0">
+                <a:solidFill>
+                  <a:schemeClr val="accent5"/>
+                </a:solidFill>
+              </a:rPr>
+              <a:t>deep learning </a:t>
+            </a:r>
+            <a:r>
+              <a:rPr lang="en-US" sz="3600" b="1" dirty="0"/>
+              <a:t>is also a kind of mimic of human brain. </a:t>
             </a:r>
           </a:p>
         </p:txBody>
@@ -5746,7 +6635,7 @@
     </p:spTree>
     <p:extLst>
       <p:ext uri="{BB962C8B-B14F-4D97-AF65-F5344CB8AC3E}">
-        <p14:creationId xmlns:p14="http://schemas.microsoft.com/office/powerpoint/2010/main" val="2226053930"/>
+        <p14:creationId xmlns:p14="http://schemas.microsoft.com/office/powerpoint/2010/main" val="2214684984"/>
       </p:ext>
     </p:extLst>
   </p:cSld>
@@ -5797,6 +6686,99 @@
           <a:p>
             <a:r>
               <a:rPr lang="en-US" dirty="0" smtClean="0"/>
+              <a:t>Introduction To Deep Learning</a:t>
+            </a:r>
+            <a:endParaRPr lang="en-US" dirty="0"/>
+          </a:p>
+        </p:txBody>
+      </p:sp>
+      <p:sp>
+        <p:nvSpPr>
+          <p:cNvPr id="3" name="Content Placeholder 2"/>
+          <p:cNvSpPr>
+            <a:spLocks noGrp="1"/>
+          </p:cNvSpPr>
+          <p:nvPr>
+            <p:ph idx="1"/>
+          </p:nvPr>
+        </p:nvSpPr>
+        <p:spPr>
+          <a:xfrm>
+            <a:off x="838200" y="1464678"/>
+            <a:ext cx="10515600" cy="4351338"/>
+          </a:xfrm>
+        </p:spPr>
+        <p:txBody>
+          <a:bodyPr/>
+          <a:lstStyle/>
+          <a:p>
+            <a:pPr marL="0" indent="0" algn="just">
+              <a:lnSpc>
+                <a:spcPct val="150000"/>
+              </a:lnSpc>
+              <a:buNone/>
+            </a:pPr>
+            <a:r>
+              <a:rPr lang="en-US" dirty="0"/>
+              <a:t>Deep learning is a particular kind of machine learning that achieves great power and flexibility by learning to represent the world as a nested hierarchy of concepts, with each concept defined in relation to simpler concepts, and more abstract representations computed in terms of less abstract ones.</a:t>
+            </a:r>
+          </a:p>
+        </p:txBody>
+      </p:sp>
+    </p:spTree>
+    <p:extLst>
+      <p:ext uri="{BB962C8B-B14F-4D97-AF65-F5344CB8AC3E}">
+        <p14:creationId xmlns:p14="http://schemas.microsoft.com/office/powerpoint/2010/main" val="722790221"/>
+      </p:ext>
+    </p:extLst>
+  </p:cSld>
+  <p:clrMapOvr>
+    <a:masterClrMapping/>
+  </p:clrMapOvr>
+  <p:timing>
+    <p:tnLst>
+      <p:par>
+        <p:cTn id="1" dur="indefinite" restart="never" nodeType="tmRoot"/>
+      </p:par>
+    </p:tnLst>
+  </p:timing>
+</p:sld>
+</file>
+
+<file path=ppt/slides/slide7.xml><?xml version="1.0" encoding="utf-8"?>
+<p:sld xmlns:a="http://schemas.openxmlformats.org/drawingml/2006/main" xmlns:r="http://schemas.openxmlformats.org/officeDocument/2006/relationships" xmlns:p="http://schemas.openxmlformats.org/presentationml/2006/main">
+  <p:cSld>
+    <p:spTree>
+      <p:nvGrpSpPr>
+        <p:cNvPr id="1" name=""/>
+        <p:cNvGrpSpPr/>
+        <p:nvPr/>
+      </p:nvGrpSpPr>
+      <p:grpSpPr>
+        <a:xfrm>
+          <a:off x="0" y="0"/>
+          <a:ext cx="0" cy="0"/>
+          <a:chOff x="0" y="0"/>
+          <a:chExt cx="0" cy="0"/>
+        </a:xfrm>
+      </p:grpSpPr>
+      <p:sp>
+        <p:nvSpPr>
+          <p:cNvPr id="2" name="Title 1"/>
+          <p:cNvSpPr>
+            <a:spLocks noGrp="1"/>
+          </p:cNvSpPr>
+          <p:nvPr>
+            <p:ph type="title"/>
+          </p:nvPr>
+        </p:nvSpPr>
+        <p:spPr/>
+        <p:txBody>
+          <a:bodyPr/>
+          <a:lstStyle/>
+          <a:p>
+            <a:r>
+              <a:rPr lang="en-US" dirty="0" smtClean="0"/>
               <a:t> </a:t>
             </a:r>
             <a:endParaRPr lang="en-US" dirty="0"/>
@@ -5826,8 +6808,8 @@
         </p:blipFill>
         <p:spPr bwMode="auto">
           <a:xfrm>
-            <a:off x="2754103" y="186794"/>
-            <a:ext cx="6683793" cy="6671206"/>
+            <a:off x="5100639" y="0"/>
+            <a:ext cx="6966158" cy="6671206"/>
           </a:xfrm>
           <a:prstGeom prst="rect">
             <a:avLst/>
@@ -5864,7 +6846,7 @@
 </p:sld>
 </file>
 
-<file path=ppt/slides/slide7.xml><?xml version="1.0" encoding="utf-8"?>
+<file path=ppt/slides/slide8.xml><?xml version="1.0" encoding="utf-8"?>
 <p:sld xmlns:a="http://schemas.openxmlformats.org/drawingml/2006/main" xmlns:r="http://schemas.openxmlformats.org/officeDocument/2006/relationships" xmlns:p="http://schemas.openxmlformats.org/presentationml/2006/main">
   <p:cSld>
     <p:spTree>
@@ -5897,41 +6879,82 @@
           <a:lstStyle/>
           <a:p>
             <a:r>
-              <a:rPr lang="en-US" dirty="0" smtClean="0"/>
-              <a:t>Neural Network Concept</a:t>
-            </a:r>
-            <a:endParaRPr lang="en-US" dirty="0"/>
-          </a:p>
-        </p:txBody>
-      </p:sp>
-      <p:pic>
-        <p:nvPicPr>
-          <p:cNvPr id="7" name="Picture 6"/>
-          <p:cNvPicPr>
-            <a:picLocks noChangeAspect="1"/>
-          </p:cNvPicPr>
-          <p:nvPr/>
-        </p:nvPicPr>
-        <p:blipFill>
-          <a:blip r:embed="rId2"/>
-          <a:stretch>
-            <a:fillRect/>
-          </a:stretch>
-        </p:blipFill>
+              <a:rPr lang="en-US" dirty="0"/>
+              <a:t>Architectures </a:t>
+            </a:r>
+          </a:p>
+        </p:txBody>
+      </p:sp>
+      <p:sp>
+        <p:nvSpPr>
+          <p:cNvPr id="3" name="Content Placeholder 2"/>
+          <p:cNvSpPr>
+            <a:spLocks noGrp="1"/>
+          </p:cNvSpPr>
+          <p:nvPr>
+            <p:ph idx="1"/>
+          </p:nvPr>
+        </p:nvSpPr>
         <p:spPr>
           <a:xfrm>
-            <a:off x="771525" y="1690688"/>
-            <a:ext cx="10648950" cy="4505325"/>
+            <a:off x="838200" y="1825625"/>
+            <a:ext cx="10515600" cy="4767680"/>
           </a:xfrm>
-          <a:prstGeom prst="rect">
-            <a:avLst/>
-          </a:prstGeom>
         </p:spPr>
-      </p:pic>
+        <p:txBody>
+          <a:bodyPr>
+            <a:normAutofit fontScale="92500" lnSpcReduction="20000"/>
+          </a:bodyPr>
+          <a:lstStyle/>
+          <a:p>
+            <a:pPr>
+              <a:lnSpc>
+                <a:spcPct val="150000"/>
+              </a:lnSpc>
+            </a:pPr>
+            <a:r>
+              <a:rPr lang="en-US" dirty="0"/>
+              <a:t>In human brain approximately 100 billion neurons all together this is a picture of an individual neuron and each neuron is connected through thousand of their </a:t>
+            </a:r>
+            <a:r>
+              <a:rPr lang="en-US" dirty="0" smtClean="0"/>
+              <a:t>neighbors.</a:t>
+            </a:r>
+            <a:endParaRPr lang="en-US" dirty="0"/>
+          </a:p>
+          <a:p>
+            <a:pPr>
+              <a:lnSpc>
+                <a:spcPct val="150000"/>
+              </a:lnSpc>
+            </a:pPr>
+            <a:r>
+              <a:rPr lang="en-US" dirty="0"/>
+              <a:t>The question here is how do we recreate these neurons in a computer. So, we create an artificial structure called an artificial neural net where we have nodes or neurons. </a:t>
+            </a:r>
+            <a:endParaRPr lang="en-US" dirty="0" smtClean="0"/>
+          </a:p>
+          <a:p>
+            <a:pPr>
+              <a:lnSpc>
+                <a:spcPct val="150000"/>
+              </a:lnSpc>
+            </a:pPr>
+            <a:r>
+              <a:rPr lang="en-US" dirty="0" smtClean="0"/>
+              <a:t>We </a:t>
+            </a:r>
+            <a:r>
+              <a:rPr lang="en-US" dirty="0"/>
+              <a:t>have some neurons for input value and some for output value and in between, there may be lots of neurons interconnected in the hidden layer.</a:t>
+            </a:r>
+          </a:p>
+        </p:txBody>
+      </p:sp>
     </p:spTree>
     <p:extLst>
       <p:ext uri="{BB962C8B-B14F-4D97-AF65-F5344CB8AC3E}">
-        <p14:creationId xmlns:p14="http://schemas.microsoft.com/office/powerpoint/2010/main" val="2296222608"/>
+        <p14:creationId xmlns:p14="http://schemas.microsoft.com/office/powerpoint/2010/main" val="2226053930"/>
       </p:ext>
     </p:extLst>
   </p:cSld>
@@ -5948,7 +6971,7 @@
 </p:sld>
 </file>
 
-<file path=ppt/slides/slide8.xml><?xml version="1.0" encoding="utf-8"?>
+<file path=ppt/slides/slide9.xml><?xml version="1.0" encoding="utf-8"?>
 <p:sld xmlns:a="http://schemas.openxmlformats.org/drawingml/2006/main" xmlns:r="http://schemas.openxmlformats.org/officeDocument/2006/relationships" xmlns:p="http://schemas.openxmlformats.org/presentationml/2006/main">
   <p:cSld>
     <p:spTree>
@@ -6032,114 +7055,6 @@
     <p:extLst>
       <p:ext uri="{BB962C8B-B14F-4D97-AF65-F5344CB8AC3E}">
         <p14:creationId xmlns:p14="http://schemas.microsoft.com/office/powerpoint/2010/main" val="401099315"/>
-      </p:ext>
-    </p:extLst>
-  </p:cSld>
-  <p:clrMapOvr>
-    <a:masterClrMapping/>
-  </p:clrMapOvr>
-  <p:timing>
-    <p:tnLst>
-      <p:par>
-        <p:cTn id="1" dur="indefinite" restart="never" nodeType="tmRoot"/>
-      </p:par>
-    </p:tnLst>
-  </p:timing>
-</p:sld>
-</file>
-
-<file path=ppt/slides/slide9.xml><?xml version="1.0" encoding="utf-8"?>
-<p:sld xmlns:a="http://schemas.openxmlformats.org/drawingml/2006/main" xmlns:r="http://schemas.openxmlformats.org/officeDocument/2006/relationships" xmlns:p="http://schemas.openxmlformats.org/presentationml/2006/main">
-  <p:cSld>
-    <p:spTree>
-      <p:nvGrpSpPr>
-        <p:cNvPr id="1" name=""/>
-        <p:cNvGrpSpPr/>
-        <p:nvPr/>
-      </p:nvGrpSpPr>
-      <p:grpSpPr>
-        <a:xfrm>
-          <a:off x="0" y="0"/>
-          <a:ext cx="0" cy="0"/>
-          <a:chOff x="0" y="0"/>
-          <a:chExt cx="0" cy="0"/>
-        </a:xfrm>
-      </p:grpSpPr>
-      <p:sp>
-        <p:nvSpPr>
-          <p:cNvPr id="2" name="Title 1"/>
-          <p:cNvSpPr>
-            <a:spLocks noGrp="1"/>
-          </p:cNvSpPr>
-          <p:nvPr>
-            <p:ph type="title"/>
-          </p:nvPr>
-        </p:nvSpPr>
-        <p:spPr/>
-        <p:txBody>
-          <a:bodyPr/>
-          <a:lstStyle/>
-          <a:p>
-            <a:r>
-              <a:rPr lang="en-US" b="1" dirty="0" smtClean="0"/>
-              <a:t>Activation Functions</a:t>
-            </a:r>
-            <a:br>
-              <a:rPr lang="en-US" b="1" dirty="0" smtClean="0"/>
-            </a:br>
-            <a:endParaRPr lang="en-US" dirty="0"/>
-          </a:p>
-        </p:txBody>
-      </p:sp>
-      <p:sp>
-        <p:nvSpPr>
-          <p:cNvPr id="3" name="Content Placeholder 2"/>
-          <p:cNvSpPr>
-            <a:spLocks noGrp="1"/>
-          </p:cNvSpPr>
-          <p:nvPr>
-            <p:ph idx="1"/>
-          </p:nvPr>
-        </p:nvSpPr>
-        <p:spPr/>
-        <p:txBody>
-          <a:bodyPr/>
-          <a:lstStyle/>
-          <a:p>
-            <a:r>
-              <a:rPr lang="en-US" dirty="0" smtClean="0"/>
-              <a:t>In </a:t>
-            </a:r>
-            <a:r>
-              <a:rPr lang="en-US" dirty="0"/>
-              <a:t>Neural Network the activation function defines if given node should be “activated” or not based on the weighted sum. Let’s define this weighted sum value as </a:t>
-            </a:r>
-            <a:r>
-              <a:rPr lang="en-US" b="1" i="1" dirty="0"/>
-              <a:t>z</a:t>
-            </a:r>
-            <a:r>
-              <a:rPr lang="en-US" dirty="0"/>
-              <a:t>. In this section I would explain why “Step Function” and “Linear Function” won’t work and talk about “</a:t>
-            </a:r>
-            <a:r>
-              <a:rPr lang="en-US" i="1" dirty="0"/>
-              <a:t>Sigmoid Function</a:t>
-            </a:r>
-            <a:r>
-              <a:rPr lang="en-US" dirty="0"/>
-              <a:t>” one of the most popular activation functions. There are also other functions which I will leave aside for now.</a:t>
-            </a:r>
-          </a:p>
-          <a:p>
-            <a:endParaRPr lang="en-US" dirty="0"/>
-          </a:p>
-        </p:txBody>
-      </p:sp>
-    </p:spTree>
-    <p:extLst>
-      <p:ext uri="{BB962C8B-B14F-4D97-AF65-F5344CB8AC3E}">
-        <p14:creationId xmlns:p14="http://schemas.microsoft.com/office/powerpoint/2010/main" val="2733774951"/>
       </p:ext>
     </p:extLst>
   </p:cSld>
